--- a/Articles/emerson_fitipaldi.pptx
+++ b/Articles/emerson_fitipaldi.pptx
@@ -55,7 +55,7 @@
         <p:spPr>
           <a:xfrm>
             <a:off x="650160" y="389160"/>
-            <a:ext cx="11703600" cy="1628280"/>
+            <a:ext cx="11703240" cy="1627920"/>
           </a:xfrm>
           <a:prstGeom prst="rect">
             <a:avLst/>
@@ -70,14 +70,14 @@
             <a:noAutofit/>
           </a:bodyPr>
           <a:p>
-            <a:pPr indent="0">
+            <a:pPr indent="0" algn="ctr">
               <a:buNone/>
             </a:pPr>
-            <a:endParaRPr b="0" lang="en-US" sz="3200" spc="-1" strike="noStrike">
-              <a:solidFill>
-                <a:srgbClr val="000000"/>
-              </a:solidFill>
-              <a:latin typeface="Helvetica Neue"/>
+            <a:endParaRPr b="0" lang="pt-BR" sz="4400" spc="-1" strike="noStrike">
+              <a:solidFill>
+                <a:srgbClr val="000000"/>
+              </a:solidFill>
+              <a:latin typeface="Arial"/>
             </a:endParaRPr>
           </a:p>
         </p:txBody>
@@ -95,7 +95,7 @@
         <p:spPr>
           <a:xfrm>
             <a:off x="650160" y="2282040"/>
-            <a:ext cx="11703600" cy="5656320"/>
+            <a:ext cx="11703240" cy="5655960"/>
           </a:xfrm>
           <a:prstGeom prst="rect">
             <a:avLst/>
@@ -116,11 +116,11 @@
               </a:spcBef>
               <a:buNone/>
             </a:pPr>
-            <a:endParaRPr b="0" lang="en-US" sz="3200" spc="-1" strike="noStrike">
-              <a:solidFill>
-                <a:srgbClr val="000000"/>
-              </a:solidFill>
-              <a:latin typeface="Helvetica Neue"/>
+            <a:endParaRPr b="0" lang="pt-BR" sz="3200" spc="-1" strike="noStrike">
+              <a:solidFill>
+                <a:srgbClr val="000000"/>
+              </a:solidFill>
+              <a:latin typeface="Arial"/>
             </a:endParaRPr>
           </a:p>
         </p:txBody>
@@ -139,7 +139,7 @@
         <p:txBody>
           <a:bodyPr/>
           <a:p>
-            <a:fld id="{B2C82291-0EB0-46CF-B5AD-B5844234C373}" type="slidenum">
+            <a:fld id="{0FD88ADC-214F-4C89-A4AB-9DCA39FE5B79}" type="slidenum">
               <a:t>&lt;#&gt;</a:t>
             </a:fld>
           </a:p>
@@ -169,7 +169,7 @@
       </p:grpSpPr>
       <p:sp>
         <p:nvSpPr>
-          <p:cNvPr id="48" name="PlaceHolder 1"/>
+          <p:cNvPr id="47" name="PlaceHolder 1"/>
           <p:cNvSpPr>
             <a:spLocks noGrp="1"/>
           </p:cNvSpPr>
@@ -180,7 +180,7 @@
         <p:spPr>
           <a:xfrm>
             <a:off x="650160" y="389160"/>
-            <a:ext cx="11703600" cy="1628280"/>
+            <a:ext cx="11703240" cy="1627920"/>
           </a:xfrm>
           <a:prstGeom prst="rect">
             <a:avLst/>
@@ -195,21 +195,21 @@
             <a:noAutofit/>
           </a:bodyPr>
           <a:p>
-            <a:pPr indent="0">
+            <a:pPr indent="0" algn="ctr">
               <a:buNone/>
             </a:pPr>
-            <a:endParaRPr b="0" lang="en-US" sz="3200" spc="-1" strike="noStrike">
-              <a:solidFill>
-                <a:srgbClr val="000000"/>
-              </a:solidFill>
-              <a:latin typeface="Helvetica Neue"/>
+            <a:endParaRPr b="0" lang="pt-BR" sz="4400" spc="-1" strike="noStrike">
+              <a:solidFill>
+                <a:srgbClr val="000000"/>
+              </a:solidFill>
+              <a:latin typeface="Arial"/>
             </a:endParaRPr>
           </a:p>
         </p:txBody>
       </p:sp>
       <p:sp>
         <p:nvSpPr>
-          <p:cNvPr id="49" name="PlaceHolder 2"/>
+          <p:cNvPr id="48" name="PlaceHolder 2"/>
           <p:cNvSpPr>
             <a:spLocks noGrp="1"/>
           </p:cNvSpPr>
@@ -220,7 +220,7 @@
         <p:spPr>
           <a:xfrm>
             <a:off x="650160" y="2282040"/>
-            <a:ext cx="11703600" cy="5656320"/>
+            <a:ext cx="11703240" cy="5655960"/>
           </a:xfrm>
           <a:prstGeom prst="rect">
             <a:avLst/>
@@ -241,11 +241,11 @@
               </a:spcBef>
               <a:buNone/>
             </a:pPr>
-            <a:endParaRPr b="0" lang="en-US" sz="3200" spc="-1" strike="noStrike">
-              <a:solidFill>
-                <a:srgbClr val="000000"/>
-              </a:solidFill>
-              <a:latin typeface="Helvetica Neue"/>
+            <a:endParaRPr b="0" lang="pt-BR" sz="3200" spc="-1" strike="noStrike">
+              <a:solidFill>
+                <a:srgbClr val="000000"/>
+              </a:solidFill>
+              <a:latin typeface="Arial"/>
             </a:endParaRPr>
           </a:p>
         </p:txBody>
@@ -264,7 +264,7 @@
         <p:txBody>
           <a:bodyPr/>
           <a:p>
-            <a:fld id="{85282EE3-6B7D-4306-8726-18BBC2A4BFC2}" type="slidenum">
+            <a:fld id="{BC398B05-FD62-4760-9514-387DA67B9B3A}" type="slidenum">
               <a:t>&lt;#&gt;</a:t>
             </a:fld>
           </a:p>
@@ -305,7 +305,7 @@
         <p:spPr>
           <a:xfrm>
             <a:off x="650160" y="389160"/>
-            <a:ext cx="11703600" cy="1628280"/>
+            <a:ext cx="11703240" cy="1627920"/>
           </a:xfrm>
           <a:prstGeom prst="rect">
             <a:avLst/>
@@ -320,14 +320,14 @@
             <a:noAutofit/>
           </a:bodyPr>
           <a:p>
-            <a:pPr indent="0">
+            <a:pPr indent="0" algn="ctr">
               <a:buNone/>
             </a:pPr>
-            <a:endParaRPr b="0" lang="en-US" sz="3200" spc="-1" strike="noStrike">
-              <a:solidFill>
-                <a:srgbClr val="000000"/>
-              </a:solidFill>
-              <a:latin typeface="Helvetica Neue"/>
+            <a:endParaRPr b="0" lang="pt-BR" sz="4400" spc="-1" strike="noStrike">
+              <a:solidFill>
+                <a:srgbClr val="000000"/>
+              </a:solidFill>
+              <a:latin typeface="Arial"/>
             </a:endParaRPr>
           </a:p>
         </p:txBody>
@@ -345,7 +345,7 @@
         <p:spPr>
           <a:xfrm>
             <a:off x="650160" y="2282040"/>
-            <a:ext cx="11703600" cy="5656320"/>
+            <a:ext cx="11703240" cy="5655960"/>
           </a:xfrm>
           <a:prstGeom prst="rect">
             <a:avLst/>
@@ -366,11 +366,11 @@
               </a:spcBef>
               <a:buNone/>
             </a:pPr>
-            <a:endParaRPr b="0" lang="en-US" sz="3200" spc="-1" strike="noStrike">
-              <a:solidFill>
-                <a:srgbClr val="000000"/>
-              </a:solidFill>
-              <a:latin typeface="Helvetica Neue"/>
+            <a:endParaRPr b="0" lang="pt-BR" sz="3200" spc="-1" strike="noStrike">
+              <a:solidFill>
+                <a:srgbClr val="000000"/>
+              </a:solidFill>
+              <a:latin typeface="Arial"/>
             </a:endParaRPr>
           </a:p>
         </p:txBody>
@@ -389,7 +389,7 @@
         <p:txBody>
           <a:bodyPr/>
           <a:p>
-            <a:fld id="{880EA35D-1BD8-44AD-B41B-5DAFFAE045EA}" type="slidenum">
+            <a:fld id="{D7EBDE0D-0F25-4430-A085-085721C4C8AA}" type="slidenum">
               <a:t>&lt;#&gt;</a:t>
             </a:fld>
           </a:p>
@@ -430,7 +430,7 @@
         <p:spPr>
           <a:xfrm>
             <a:off x="650160" y="389160"/>
-            <a:ext cx="11703600" cy="1628280"/>
+            <a:ext cx="11703240" cy="1627920"/>
           </a:xfrm>
           <a:prstGeom prst="rect">
             <a:avLst/>
@@ -445,14 +445,14 @@
             <a:noAutofit/>
           </a:bodyPr>
           <a:p>
-            <a:pPr indent="0">
+            <a:pPr indent="0" algn="ctr">
               <a:buNone/>
             </a:pPr>
-            <a:endParaRPr b="0" lang="en-US" sz="3200" spc="-1" strike="noStrike">
-              <a:solidFill>
-                <a:srgbClr val="000000"/>
-              </a:solidFill>
-              <a:latin typeface="Helvetica Neue"/>
+            <a:endParaRPr b="0" lang="pt-BR" sz="4400" spc="-1" strike="noStrike">
+              <a:solidFill>
+                <a:srgbClr val="000000"/>
+              </a:solidFill>
+              <a:latin typeface="Arial"/>
             </a:endParaRPr>
           </a:p>
         </p:txBody>
@@ -470,7 +470,7 @@
         <p:spPr>
           <a:xfrm>
             <a:off x="650160" y="2282040"/>
-            <a:ext cx="11703600" cy="5656320"/>
+            <a:ext cx="11703240" cy="5655960"/>
           </a:xfrm>
           <a:prstGeom prst="rect">
             <a:avLst/>
@@ -491,11 +491,11 @@
               </a:spcBef>
               <a:buNone/>
             </a:pPr>
-            <a:endParaRPr b="0" lang="en-US" sz="3200" spc="-1" strike="noStrike">
-              <a:solidFill>
-                <a:srgbClr val="000000"/>
-              </a:solidFill>
-              <a:latin typeface="Helvetica Neue"/>
+            <a:endParaRPr b="0" lang="pt-BR" sz="3200" spc="-1" strike="noStrike">
+              <a:solidFill>
+                <a:srgbClr val="000000"/>
+              </a:solidFill>
+              <a:latin typeface="Arial"/>
             </a:endParaRPr>
           </a:p>
         </p:txBody>
@@ -514,7 +514,7 @@
         <p:txBody>
           <a:bodyPr/>
           <a:p>
-            <a:fld id="{E4BCD7A6-1CE0-4DDA-9CF5-7CC7D8EE57C9}" type="slidenum">
+            <a:fld id="{DCD6C9A9-CBCC-44A7-A34C-413A00990DF4}" type="slidenum">
               <a:t>&lt;#&gt;</a:t>
             </a:fld>
           </a:p>
@@ -544,7 +544,7 @@
       </p:grpSpPr>
       <p:sp>
         <p:nvSpPr>
-          <p:cNvPr id="63" name="PlaceHolder 1"/>
+          <p:cNvPr id="62" name="PlaceHolder 1"/>
           <p:cNvSpPr>
             <a:spLocks noGrp="1"/>
           </p:cNvSpPr>
@@ -555,7 +555,7 @@
         <p:spPr>
           <a:xfrm>
             <a:off x="650160" y="389160"/>
-            <a:ext cx="11703600" cy="1628280"/>
+            <a:ext cx="11703240" cy="1627920"/>
           </a:xfrm>
           <a:prstGeom prst="rect">
             <a:avLst/>
@@ -570,21 +570,21 @@
             <a:noAutofit/>
           </a:bodyPr>
           <a:p>
-            <a:pPr indent="0">
+            <a:pPr indent="0" algn="ctr">
               <a:buNone/>
             </a:pPr>
-            <a:endParaRPr b="0" lang="en-US" sz="3200" spc="-1" strike="noStrike">
-              <a:solidFill>
-                <a:srgbClr val="000000"/>
-              </a:solidFill>
-              <a:latin typeface="Helvetica Neue"/>
+            <a:endParaRPr b="0" lang="pt-BR" sz="4400" spc="-1" strike="noStrike">
+              <a:solidFill>
+                <a:srgbClr val="000000"/>
+              </a:solidFill>
+              <a:latin typeface="Arial"/>
             </a:endParaRPr>
           </a:p>
         </p:txBody>
       </p:sp>
       <p:sp>
         <p:nvSpPr>
-          <p:cNvPr id="64" name="PlaceHolder 2"/>
+          <p:cNvPr id="63" name="PlaceHolder 2"/>
           <p:cNvSpPr>
             <a:spLocks noGrp="1"/>
           </p:cNvSpPr>
@@ -595,7 +595,7 @@
         <p:spPr>
           <a:xfrm>
             <a:off x="650160" y="2282040"/>
-            <a:ext cx="11703600" cy="5656320"/>
+            <a:ext cx="11703240" cy="5655960"/>
           </a:xfrm>
           <a:prstGeom prst="rect">
             <a:avLst/>
@@ -616,11 +616,11 @@
               </a:spcBef>
               <a:buNone/>
             </a:pPr>
-            <a:endParaRPr b="0" lang="en-US" sz="3200" spc="-1" strike="noStrike">
-              <a:solidFill>
-                <a:srgbClr val="000000"/>
-              </a:solidFill>
-              <a:latin typeface="Helvetica Neue"/>
+            <a:endParaRPr b="0" lang="pt-BR" sz="3200" spc="-1" strike="noStrike">
+              <a:solidFill>
+                <a:srgbClr val="000000"/>
+              </a:solidFill>
+              <a:latin typeface="Arial"/>
             </a:endParaRPr>
           </a:p>
         </p:txBody>
@@ -639,7 +639,7 @@
         <p:txBody>
           <a:bodyPr/>
           <a:p>
-            <a:fld id="{545DB249-4B4D-45FD-A207-7E56795708B2}" type="slidenum">
+            <a:fld id="{B7EF9CC7-060D-41BF-B9A9-3AB9A19BFC4C}" type="slidenum">
               <a:t>&lt;#&gt;</a:t>
             </a:fld>
           </a:p>
@@ -669,7 +669,7 @@
       </p:grpSpPr>
       <p:sp>
         <p:nvSpPr>
-          <p:cNvPr id="68" name="PlaceHolder 1"/>
+          <p:cNvPr id="67" name="PlaceHolder 1"/>
           <p:cNvSpPr>
             <a:spLocks noGrp="1"/>
           </p:cNvSpPr>
@@ -680,7 +680,7 @@
         <p:spPr>
           <a:xfrm>
             <a:off x="650160" y="389160"/>
-            <a:ext cx="11703600" cy="1628280"/>
+            <a:ext cx="11703240" cy="1627920"/>
           </a:xfrm>
           <a:prstGeom prst="rect">
             <a:avLst/>
@@ -695,21 +695,21 @@
             <a:noAutofit/>
           </a:bodyPr>
           <a:p>
-            <a:pPr indent="0">
+            <a:pPr indent="0" algn="ctr">
               <a:buNone/>
             </a:pPr>
-            <a:endParaRPr b="0" lang="en-US" sz="3200" spc="-1" strike="noStrike">
-              <a:solidFill>
-                <a:srgbClr val="000000"/>
-              </a:solidFill>
-              <a:latin typeface="Helvetica Neue"/>
+            <a:endParaRPr b="0" lang="pt-BR" sz="4400" spc="-1" strike="noStrike">
+              <a:solidFill>
+                <a:srgbClr val="000000"/>
+              </a:solidFill>
+              <a:latin typeface="Arial"/>
             </a:endParaRPr>
           </a:p>
         </p:txBody>
       </p:sp>
       <p:sp>
         <p:nvSpPr>
-          <p:cNvPr id="69" name="PlaceHolder 2"/>
+          <p:cNvPr id="68" name="PlaceHolder 2"/>
           <p:cNvSpPr>
             <a:spLocks noGrp="1"/>
           </p:cNvSpPr>
@@ -720,7 +720,7 @@
         <p:spPr>
           <a:xfrm>
             <a:off x="650160" y="2282040"/>
-            <a:ext cx="11703600" cy="5656320"/>
+            <a:ext cx="11703240" cy="5655960"/>
           </a:xfrm>
           <a:prstGeom prst="rect">
             <a:avLst/>
@@ -741,11 +741,11 @@
               </a:spcBef>
               <a:buNone/>
             </a:pPr>
-            <a:endParaRPr b="0" lang="en-US" sz="3200" spc="-1" strike="noStrike">
-              <a:solidFill>
-                <a:srgbClr val="000000"/>
-              </a:solidFill>
-              <a:latin typeface="Helvetica Neue"/>
+            <a:endParaRPr b="0" lang="pt-BR" sz="3200" spc="-1" strike="noStrike">
+              <a:solidFill>
+                <a:srgbClr val="000000"/>
+              </a:solidFill>
+              <a:latin typeface="Arial"/>
             </a:endParaRPr>
           </a:p>
         </p:txBody>
@@ -764,7 +764,7 @@
         <p:txBody>
           <a:bodyPr/>
           <a:p>
-            <a:fld id="{237A701B-DBA8-42A7-B65D-CBB98F9829C5}" type="slidenum">
+            <a:fld id="{656E59D8-455E-4872-ABF1-38A788849E54}" type="slidenum">
               <a:t>&lt;#&gt;</a:t>
             </a:fld>
           </a:p>
@@ -794,7 +794,7 @@
       </p:grpSpPr>
       <p:sp>
         <p:nvSpPr>
-          <p:cNvPr id="7" name="PlaceHolder 1"/>
+          <p:cNvPr id="8" name="PlaceHolder 1"/>
           <p:cNvSpPr>
             <a:spLocks noGrp="1"/>
           </p:cNvSpPr>
@@ -805,7 +805,7 @@
         <p:spPr>
           <a:xfrm>
             <a:off x="650160" y="389160"/>
-            <a:ext cx="11703600" cy="1628280"/>
+            <a:ext cx="11703240" cy="1627920"/>
           </a:xfrm>
           <a:prstGeom prst="rect">
             <a:avLst/>
@@ -820,21 +820,21 @@
             <a:noAutofit/>
           </a:bodyPr>
           <a:p>
-            <a:pPr indent="0">
+            <a:pPr indent="0" algn="ctr">
               <a:buNone/>
             </a:pPr>
-            <a:endParaRPr b="0" lang="en-US" sz="3200" spc="-1" strike="noStrike">
-              <a:solidFill>
-                <a:srgbClr val="000000"/>
-              </a:solidFill>
-              <a:latin typeface="Helvetica Neue"/>
+            <a:endParaRPr b="0" lang="pt-BR" sz="4400" spc="-1" strike="noStrike">
+              <a:solidFill>
+                <a:srgbClr val="000000"/>
+              </a:solidFill>
+              <a:latin typeface="Arial"/>
             </a:endParaRPr>
           </a:p>
         </p:txBody>
       </p:sp>
       <p:sp>
         <p:nvSpPr>
-          <p:cNvPr id="8" name="PlaceHolder 2"/>
+          <p:cNvPr id="9" name="PlaceHolder 2"/>
           <p:cNvSpPr>
             <a:spLocks noGrp="1"/>
           </p:cNvSpPr>
@@ -845,7 +845,7 @@
         <p:spPr>
           <a:xfrm>
             <a:off x="650160" y="2282040"/>
-            <a:ext cx="11703600" cy="5656320"/>
+            <a:ext cx="11703240" cy="5655960"/>
           </a:xfrm>
           <a:prstGeom prst="rect">
             <a:avLst/>
@@ -866,11 +866,11 @@
               </a:spcBef>
               <a:buNone/>
             </a:pPr>
-            <a:endParaRPr b="0" lang="en-US" sz="3200" spc="-1" strike="noStrike">
-              <a:solidFill>
-                <a:srgbClr val="000000"/>
-              </a:solidFill>
-              <a:latin typeface="Helvetica Neue"/>
+            <a:endParaRPr b="0" lang="pt-BR" sz="3200" spc="-1" strike="noStrike">
+              <a:solidFill>
+                <a:srgbClr val="000000"/>
+              </a:solidFill>
+              <a:latin typeface="Arial"/>
             </a:endParaRPr>
           </a:p>
         </p:txBody>
@@ -889,7 +889,7 @@
         <p:txBody>
           <a:bodyPr/>
           <a:p>
-            <a:fld id="{93BA5064-58B2-4DA8-804D-31286E025F43}" type="slidenum">
+            <a:fld id="{0ED71813-3B80-4FA1-8104-228E8FF1FC38}" type="slidenum">
               <a:t>&lt;#&gt;</a:t>
             </a:fld>
           </a:p>
@@ -930,7 +930,7 @@
         <p:spPr>
           <a:xfrm>
             <a:off x="650160" y="389160"/>
-            <a:ext cx="11703600" cy="1628280"/>
+            <a:ext cx="11703240" cy="1627920"/>
           </a:xfrm>
           <a:prstGeom prst="rect">
             <a:avLst/>
@@ -945,14 +945,14 @@
             <a:noAutofit/>
           </a:bodyPr>
           <a:p>
-            <a:pPr indent="0">
+            <a:pPr indent="0" algn="ctr">
               <a:buNone/>
             </a:pPr>
-            <a:endParaRPr b="0" lang="en-US" sz="3200" spc="-1" strike="noStrike">
-              <a:solidFill>
-                <a:srgbClr val="000000"/>
-              </a:solidFill>
-              <a:latin typeface="Helvetica Neue"/>
+            <a:endParaRPr b="0" lang="pt-BR" sz="4400" spc="-1" strike="noStrike">
+              <a:solidFill>
+                <a:srgbClr val="000000"/>
+              </a:solidFill>
+              <a:latin typeface="Arial"/>
             </a:endParaRPr>
           </a:p>
         </p:txBody>
@@ -970,7 +970,7 @@
         <p:spPr>
           <a:xfrm>
             <a:off x="650160" y="2282040"/>
-            <a:ext cx="11703600" cy="5656320"/>
+            <a:ext cx="11703240" cy="5655960"/>
           </a:xfrm>
           <a:prstGeom prst="rect">
             <a:avLst/>
@@ -991,11 +991,11 @@
               </a:spcBef>
               <a:buNone/>
             </a:pPr>
-            <a:endParaRPr b="0" lang="en-US" sz="3200" spc="-1" strike="noStrike">
-              <a:solidFill>
-                <a:srgbClr val="000000"/>
-              </a:solidFill>
-              <a:latin typeface="Helvetica Neue"/>
+            <a:endParaRPr b="0" lang="pt-BR" sz="3200" spc="-1" strike="noStrike">
+              <a:solidFill>
+                <a:srgbClr val="000000"/>
+              </a:solidFill>
+              <a:latin typeface="Arial"/>
             </a:endParaRPr>
           </a:p>
         </p:txBody>
@@ -1014,7 +1014,7 @@
         <p:txBody>
           <a:bodyPr/>
           <a:p>
-            <a:fld id="{3582B771-1CAC-4B01-8B3F-3DA0035472EE}" type="slidenum">
+            <a:fld id="{2A7047C2-6A9B-46A3-AFCB-98C28C15133C}" type="slidenum">
               <a:t>&lt;#&gt;</a:t>
             </a:fld>
           </a:p>
@@ -1055,7 +1055,7 @@
         <p:spPr>
           <a:xfrm>
             <a:off x="650160" y="389160"/>
-            <a:ext cx="11703600" cy="1628280"/>
+            <a:ext cx="11703240" cy="1627920"/>
           </a:xfrm>
           <a:prstGeom prst="rect">
             <a:avLst/>
@@ -1070,14 +1070,14 @@
             <a:noAutofit/>
           </a:bodyPr>
           <a:p>
-            <a:pPr indent="0">
+            <a:pPr indent="0" algn="ctr">
               <a:buNone/>
             </a:pPr>
-            <a:endParaRPr b="0" lang="en-US" sz="3200" spc="-1" strike="noStrike">
-              <a:solidFill>
-                <a:srgbClr val="000000"/>
-              </a:solidFill>
-              <a:latin typeface="Helvetica Neue"/>
+            <a:endParaRPr b="0" lang="pt-BR" sz="4400" spc="-1" strike="noStrike">
+              <a:solidFill>
+                <a:srgbClr val="000000"/>
+              </a:solidFill>
+              <a:latin typeface="Arial"/>
             </a:endParaRPr>
           </a:p>
         </p:txBody>
@@ -1095,7 +1095,7 @@
         <p:spPr>
           <a:xfrm>
             <a:off x="650160" y="2282040"/>
-            <a:ext cx="11703600" cy="5656320"/>
+            <a:ext cx="11703240" cy="5655960"/>
           </a:xfrm>
           <a:prstGeom prst="rect">
             <a:avLst/>
@@ -1116,11 +1116,11 @@
               </a:spcBef>
               <a:buNone/>
             </a:pPr>
-            <a:endParaRPr b="0" lang="en-US" sz="3200" spc="-1" strike="noStrike">
-              <a:solidFill>
-                <a:srgbClr val="000000"/>
-              </a:solidFill>
-              <a:latin typeface="Helvetica Neue"/>
+            <a:endParaRPr b="0" lang="pt-BR" sz="3200" spc="-1" strike="noStrike">
+              <a:solidFill>
+                <a:srgbClr val="000000"/>
+              </a:solidFill>
+              <a:latin typeface="Arial"/>
             </a:endParaRPr>
           </a:p>
         </p:txBody>
@@ -1139,7 +1139,7 @@
         <p:txBody>
           <a:bodyPr/>
           <a:p>
-            <a:fld id="{141C8579-31D1-42EC-961A-BC84A8D7CDA8}" type="slidenum">
+            <a:fld id="{FAFCE700-68A2-4AF4-8E03-6EB9170FBC15}" type="slidenum">
               <a:t>&lt;#&gt;</a:t>
             </a:fld>
           </a:p>
@@ -1169,7 +1169,7 @@
       </p:grpSpPr>
       <p:sp>
         <p:nvSpPr>
-          <p:cNvPr id="22" name="PlaceHolder 1"/>
+          <p:cNvPr id="23" name="PlaceHolder 1"/>
           <p:cNvSpPr>
             <a:spLocks noGrp="1"/>
           </p:cNvSpPr>
@@ -1180,7 +1180,7 @@
         <p:spPr>
           <a:xfrm>
             <a:off x="650160" y="389160"/>
-            <a:ext cx="11703600" cy="1628280"/>
+            <a:ext cx="11703240" cy="1627920"/>
           </a:xfrm>
           <a:prstGeom prst="rect">
             <a:avLst/>
@@ -1195,21 +1195,21 @@
             <a:noAutofit/>
           </a:bodyPr>
           <a:p>
-            <a:pPr indent="0">
+            <a:pPr indent="0" algn="ctr">
               <a:buNone/>
             </a:pPr>
-            <a:endParaRPr b="0" lang="en-US" sz="3200" spc="-1" strike="noStrike">
-              <a:solidFill>
-                <a:srgbClr val="000000"/>
-              </a:solidFill>
-              <a:latin typeface="Helvetica Neue"/>
+            <a:endParaRPr b="0" lang="pt-BR" sz="4400" spc="-1" strike="noStrike">
+              <a:solidFill>
+                <a:srgbClr val="000000"/>
+              </a:solidFill>
+              <a:latin typeface="Arial"/>
             </a:endParaRPr>
           </a:p>
         </p:txBody>
       </p:sp>
       <p:sp>
         <p:nvSpPr>
-          <p:cNvPr id="23" name="PlaceHolder 2"/>
+          <p:cNvPr id="24" name="PlaceHolder 2"/>
           <p:cNvSpPr>
             <a:spLocks noGrp="1"/>
           </p:cNvSpPr>
@@ -1220,7 +1220,7 @@
         <p:spPr>
           <a:xfrm>
             <a:off x="650160" y="2282040"/>
-            <a:ext cx="11703600" cy="5656320"/>
+            <a:ext cx="11703240" cy="5655960"/>
           </a:xfrm>
           <a:prstGeom prst="rect">
             <a:avLst/>
@@ -1241,11 +1241,11 @@
               </a:spcBef>
               <a:buNone/>
             </a:pPr>
-            <a:endParaRPr b="0" lang="en-US" sz="3200" spc="-1" strike="noStrike">
-              <a:solidFill>
-                <a:srgbClr val="000000"/>
-              </a:solidFill>
-              <a:latin typeface="Helvetica Neue"/>
+            <a:endParaRPr b="0" lang="pt-BR" sz="3200" spc="-1" strike="noStrike">
+              <a:solidFill>
+                <a:srgbClr val="000000"/>
+              </a:solidFill>
+              <a:latin typeface="Arial"/>
             </a:endParaRPr>
           </a:p>
         </p:txBody>
@@ -1264,7 +1264,7 @@
         <p:txBody>
           <a:bodyPr/>
           <a:p>
-            <a:fld id="{A642F3D9-E6B8-40F2-A298-B5E474354303}" type="slidenum">
+            <a:fld id="{31DDC937-EAF6-49A6-B11E-546DC9E523DE}" type="slidenum">
               <a:t>&lt;#&gt;</a:t>
             </a:fld>
           </a:p>
@@ -1294,7 +1294,7 @@
       </p:grpSpPr>
       <p:sp>
         <p:nvSpPr>
-          <p:cNvPr id="27" name="PlaceHolder 1"/>
+          <p:cNvPr id="28" name="PlaceHolder 1"/>
           <p:cNvSpPr>
             <a:spLocks noGrp="1"/>
           </p:cNvSpPr>
@@ -1305,7 +1305,7 @@
         <p:spPr>
           <a:xfrm>
             <a:off x="650160" y="389160"/>
-            <a:ext cx="11703600" cy="1628280"/>
+            <a:ext cx="11703240" cy="1627920"/>
           </a:xfrm>
           <a:prstGeom prst="rect">
             <a:avLst/>
@@ -1320,21 +1320,21 @@
             <a:noAutofit/>
           </a:bodyPr>
           <a:p>
-            <a:pPr indent="0">
+            <a:pPr indent="0" algn="ctr">
               <a:buNone/>
             </a:pPr>
-            <a:endParaRPr b="0" lang="en-US" sz="3200" spc="-1" strike="noStrike">
-              <a:solidFill>
-                <a:srgbClr val="000000"/>
-              </a:solidFill>
-              <a:latin typeface="Helvetica Neue"/>
+            <a:endParaRPr b="0" lang="pt-BR" sz="4400" spc="-1" strike="noStrike">
+              <a:solidFill>
+                <a:srgbClr val="000000"/>
+              </a:solidFill>
+              <a:latin typeface="Arial"/>
             </a:endParaRPr>
           </a:p>
         </p:txBody>
       </p:sp>
       <p:sp>
         <p:nvSpPr>
-          <p:cNvPr id="28" name="PlaceHolder 2"/>
+          <p:cNvPr id="29" name="PlaceHolder 2"/>
           <p:cNvSpPr>
             <a:spLocks noGrp="1"/>
           </p:cNvSpPr>
@@ -1345,7 +1345,7 @@
         <p:spPr>
           <a:xfrm>
             <a:off x="650160" y="2282040"/>
-            <a:ext cx="11703600" cy="5656320"/>
+            <a:ext cx="11703240" cy="5655960"/>
           </a:xfrm>
           <a:prstGeom prst="rect">
             <a:avLst/>
@@ -1366,11 +1366,11 @@
               </a:spcBef>
               <a:buNone/>
             </a:pPr>
-            <a:endParaRPr b="0" lang="en-US" sz="3200" spc="-1" strike="noStrike">
-              <a:solidFill>
-                <a:srgbClr val="000000"/>
-              </a:solidFill>
-              <a:latin typeface="Helvetica Neue"/>
+            <a:endParaRPr b="0" lang="pt-BR" sz="3200" spc="-1" strike="noStrike">
+              <a:solidFill>
+                <a:srgbClr val="000000"/>
+              </a:solidFill>
+              <a:latin typeface="Arial"/>
             </a:endParaRPr>
           </a:p>
         </p:txBody>
@@ -1389,7 +1389,7 @@
         <p:txBody>
           <a:bodyPr/>
           <a:p>
-            <a:fld id="{B15AA948-CE0D-41C7-A478-368F8AB56453}" type="slidenum">
+            <a:fld id="{D1FB7FF9-04D4-4B62-9359-E1AD5CBF48DE}" type="slidenum">
               <a:t>&lt;#&gt;</a:t>
             </a:fld>
           </a:p>
@@ -1430,7 +1430,7 @@
         <p:spPr>
           <a:xfrm>
             <a:off x="650160" y="389160"/>
-            <a:ext cx="11703600" cy="1628280"/>
+            <a:ext cx="11703240" cy="1627920"/>
           </a:xfrm>
           <a:prstGeom prst="rect">
             <a:avLst/>
@@ -1445,14 +1445,14 @@
             <a:noAutofit/>
           </a:bodyPr>
           <a:p>
-            <a:pPr indent="0">
+            <a:pPr indent="0" algn="ctr">
               <a:buNone/>
             </a:pPr>
-            <a:endParaRPr b="0" lang="en-US" sz="3200" spc="-1" strike="noStrike">
-              <a:solidFill>
-                <a:srgbClr val="000000"/>
-              </a:solidFill>
-              <a:latin typeface="Helvetica Neue"/>
+            <a:endParaRPr b="0" lang="pt-BR" sz="4400" spc="-1" strike="noStrike">
+              <a:solidFill>
+                <a:srgbClr val="000000"/>
+              </a:solidFill>
+              <a:latin typeface="Arial"/>
             </a:endParaRPr>
           </a:p>
         </p:txBody>
@@ -1470,7 +1470,7 @@
         <p:spPr>
           <a:xfrm>
             <a:off x="650160" y="2282040"/>
-            <a:ext cx="11703600" cy="5656320"/>
+            <a:ext cx="11703240" cy="5655960"/>
           </a:xfrm>
           <a:prstGeom prst="rect">
             <a:avLst/>
@@ -1488,7 +1488,7 @@
             <a:pPr indent="0" algn="ctr">
               <a:buNone/>
             </a:pPr>
-            <a:endParaRPr b="0" lang="en-US" sz="3200" spc="-1" strike="noStrike">
+            <a:endParaRPr b="0" lang="pt-BR" sz="3200" spc="-1" strike="noStrike">
               <a:solidFill>
                 <a:srgbClr val="000000"/>
               </a:solidFill>
@@ -1511,7 +1511,7 @@
         <p:txBody>
           <a:bodyPr/>
           <a:p>
-            <a:fld id="{21378B9E-45AE-447E-9CAA-C1162688DCF8}" type="slidenum">
+            <a:fld id="{F5BFEAD3-CF85-4F86-8159-F6E45C032321}" type="slidenum">
               <a:t>&lt;#&gt;</a:t>
             </a:fld>
           </a:p>
@@ -1541,7 +1541,7 @@
       </p:grpSpPr>
       <p:sp>
         <p:nvSpPr>
-          <p:cNvPr id="38" name="PlaceHolder 1"/>
+          <p:cNvPr id="37" name="PlaceHolder 1"/>
           <p:cNvSpPr>
             <a:spLocks noGrp="1"/>
           </p:cNvSpPr>
@@ -1552,7 +1552,7 @@
         <p:spPr>
           <a:xfrm>
             <a:off x="650160" y="389160"/>
-            <a:ext cx="11703600" cy="1628280"/>
+            <a:ext cx="11703240" cy="1627920"/>
           </a:xfrm>
           <a:prstGeom prst="rect">
             <a:avLst/>
@@ -1567,21 +1567,21 @@
             <a:noAutofit/>
           </a:bodyPr>
           <a:p>
-            <a:pPr indent="0">
+            <a:pPr indent="0" algn="ctr">
               <a:buNone/>
             </a:pPr>
-            <a:endParaRPr b="0" lang="en-US" sz="3200" spc="-1" strike="noStrike">
-              <a:solidFill>
-                <a:srgbClr val="000000"/>
-              </a:solidFill>
-              <a:latin typeface="Helvetica Neue"/>
+            <a:endParaRPr b="0" lang="pt-BR" sz="4400" spc="-1" strike="noStrike">
+              <a:solidFill>
+                <a:srgbClr val="000000"/>
+              </a:solidFill>
+              <a:latin typeface="Arial"/>
             </a:endParaRPr>
           </a:p>
         </p:txBody>
       </p:sp>
       <p:sp>
         <p:nvSpPr>
-          <p:cNvPr id="39" name="PlaceHolder 2"/>
+          <p:cNvPr id="38" name="PlaceHolder 2"/>
           <p:cNvSpPr>
             <a:spLocks noGrp="1"/>
           </p:cNvSpPr>
@@ -1592,7 +1592,7 @@
         <p:spPr>
           <a:xfrm>
             <a:off x="650160" y="2282040"/>
-            <a:ext cx="11703600" cy="5656320"/>
+            <a:ext cx="11703240" cy="5655960"/>
           </a:xfrm>
           <a:prstGeom prst="rect">
             <a:avLst/>
@@ -1613,11 +1613,11 @@
               </a:spcBef>
               <a:buNone/>
             </a:pPr>
-            <a:endParaRPr b="0" lang="en-US" sz="3200" spc="-1" strike="noStrike">
-              <a:solidFill>
-                <a:srgbClr val="000000"/>
-              </a:solidFill>
-              <a:latin typeface="Helvetica Neue"/>
+            <a:endParaRPr b="0" lang="pt-BR" sz="3200" spc="-1" strike="noStrike">
+              <a:solidFill>
+                <a:srgbClr val="000000"/>
+              </a:solidFill>
+              <a:latin typeface="Arial"/>
             </a:endParaRPr>
           </a:p>
         </p:txBody>
@@ -1636,7 +1636,7 @@
         <p:txBody>
           <a:bodyPr/>
           <a:p>
-            <a:fld id="{C4791B66-1CF9-458D-BFFA-0CD94DD13183}" type="slidenum">
+            <a:fld id="{7177AC9C-3987-475A-B537-5FD54CD89A9E}" type="slidenum">
               <a:t>&lt;#&gt;</a:t>
             </a:fld>
           </a:p>
@@ -1677,7 +1677,7 @@
         <p:spPr>
           <a:xfrm>
             <a:off x="650160" y="389160"/>
-            <a:ext cx="11703600" cy="1628280"/>
+            <a:ext cx="11703240" cy="1627920"/>
           </a:xfrm>
           <a:prstGeom prst="rect">
             <a:avLst/>
@@ -1692,14 +1692,14 @@
             <a:noAutofit/>
           </a:bodyPr>
           <a:p>
-            <a:pPr indent="0">
+            <a:pPr indent="0" algn="ctr">
               <a:buNone/>
             </a:pPr>
-            <a:endParaRPr b="0" lang="en-US" sz="3200" spc="-1" strike="noStrike">
-              <a:solidFill>
-                <a:srgbClr val="000000"/>
-              </a:solidFill>
-              <a:latin typeface="Helvetica Neue"/>
+            <a:endParaRPr b="0" lang="pt-BR" sz="4400" spc="-1" strike="noStrike">
+              <a:solidFill>
+                <a:srgbClr val="000000"/>
+              </a:solidFill>
+              <a:latin typeface="Arial"/>
             </a:endParaRPr>
           </a:p>
         </p:txBody>
@@ -1717,7 +1717,7 @@
         <p:spPr>
           <a:xfrm>
             <a:off x="650160" y="2282040"/>
-            <a:ext cx="11703600" cy="5656320"/>
+            <a:ext cx="11703240" cy="5655960"/>
           </a:xfrm>
           <a:prstGeom prst="rect">
             <a:avLst/>
@@ -1738,11 +1738,11 @@
               </a:spcBef>
               <a:buNone/>
             </a:pPr>
-            <a:endParaRPr b="0" lang="en-US" sz="3200" spc="-1" strike="noStrike">
-              <a:solidFill>
-                <a:srgbClr val="000000"/>
-              </a:solidFill>
-              <a:latin typeface="Helvetica Neue"/>
+            <a:endParaRPr b="0" lang="pt-BR" sz="3200" spc="-1" strike="noStrike">
+              <a:solidFill>
+                <a:srgbClr val="000000"/>
+              </a:solidFill>
+              <a:latin typeface="Arial"/>
             </a:endParaRPr>
           </a:p>
         </p:txBody>
@@ -1761,7 +1761,7 @@
         <p:txBody>
           <a:bodyPr/>
           <a:p>
-            <a:fld id="{891F0E37-CB30-49C9-8814-DD7D85DDAE3D}" type="slidenum">
+            <a:fld id="{A7A721ED-45CF-47EA-B87B-6F030920C3E1}" type="slidenum">
               <a:t>&lt;#&gt;</a:t>
             </a:fld>
           </a:p>
@@ -1808,46 +1808,39 @@
         </p:nvSpPr>
         <p:spPr>
           <a:xfrm>
-            <a:off x="952560" y="254160"/>
-            <a:ext cx="11099520" cy="2158560"/>
+            <a:off x="650160" y="389160"/>
+            <a:ext cx="11703240" cy="1627920"/>
           </a:xfrm>
           <a:prstGeom prst="rect">
             <a:avLst/>
           </a:prstGeom>
           <a:noFill/>
-          <a:ln w="12600">
+          <a:ln w="0">
             <a:noFill/>
           </a:ln>
         </p:spPr>
         <p:txBody>
-          <a:bodyPr lIns="50760" rIns="50760" tIns="50760" bIns="50760" anchor="ctr">
+          <a:bodyPr lIns="0" rIns="0" tIns="0" bIns="0" anchor="ctr">
             <a:noAutofit/>
           </a:bodyPr>
           <a:p>
-            <a:pPr indent="0" algn="ctr" defTabSz="584280">
-              <a:lnSpc>
-                <a:spcPct val="100000"/>
-              </a:lnSpc>
+            <a:pPr indent="0">
               <a:buNone/>
-              <a:tabLst>
-                <a:tab algn="l" pos="0"/>
-              </a:tabLst>
-            </a:pPr>
-            <a:r>
-              <a:rPr b="0" lang="en-US" sz="8000" spc="-1" strike="noStrike">
-                <a:solidFill>
-                  <a:srgbClr val="000000"/>
-                </a:solidFill>
-                <a:latin typeface="Helvetica Neue Medium"/>
-                <a:ea typeface="Helvetica Neue Medium"/>
-              </a:rPr>
-              <a:t>Texto do título</a:t>
-            </a:r>
-            <a:endParaRPr b="0" lang="en-US" sz="8000" spc="-1" strike="noStrike">
-              <a:solidFill>
-                <a:srgbClr val="000000"/>
-              </a:solidFill>
-              <a:latin typeface="Helvetica Neue"/>
+            </a:pPr>
+            <a:r>
+              <a:rPr b="0" lang="pt-BR" sz="1800" spc="-1" strike="noStrike">
+                <a:solidFill>
+                  <a:srgbClr val="000000"/>
+                </a:solidFill>
+                <a:latin typeface="Arial"/>
+              </a:rPr>
+              <a:t>Clique para editar o formato do texto do título</a:t>
+            </a:r>
+            <a:endParaRPr b="0" lang="pt-BR" sz="1800" spc="-1" strike="noStrike">
+              <a:solidFill>
+                <a:srgbClr val="000000"/>
+              </a:solidFill>
+              <a:latin typeface="Arial"/>
             </a:endParaRPr>
           </a:p>
         </p:txBody>
@@ -1864,179 +1857,215 @@
         </p:nvSpPr>
         <p:spPr>
           <a:xfrm>
-            <a:off x="952560" y="2590920"/>
-            <a:ext cx="5333760" cy="6286320"/>
+            <a:off x="650160" y="2282040"/>
+            <a:ext cx="11703240" cy="5655960"/>
           </a:xfrm>
           <a:prstGeom prst="rect">
             <a:avLst/>
           </a:prstGeom>
           <a:noFill/>
-          <a:ln w="12600">
+          <a:ln w="0">
             <a:noFill/>
           </a:ln>
         </p:spPr>
         <p:txBody>
-          <a:bodyPr lIns="50760" rIns="50760" tIns="50760" bIns="50760" anchor="ctr">
-            <a:noAutofit/>
+          <a:bodyPr lIns="0" rIns="0" tIns="0" bIns="0" anchor="t">
+            <a:normAutofit/>
           </a:bodyPr>
           <a:p>
-            <a:pPr marL="343080" indent="-343080" defTabSz="584280">
-              <a:lnSpc>
-                <a:spcPct val="100000"/>
-              </a:lnSpc>
-              <a:spcBef>
-                <a:spcPts val="3200"/>
+            <a:pPr marL="432000" indent="-324000">
+              <a:spcBef>
+                <a:spcPts val="1417"/>
               </a:spcBef>
               <a:buClr>
                 <a:srgbClr val="000000"/>
               </a:buClr>
-              <a:buSzPct val="145000"/>
+              <a:buSzPct val="45000"/>
+              <a:buFont typeface="Wingdings" charset="2"/>
+              <a:buChar char=""/>
+            </a:pPr>
+            <a:r>
+              <a:rPr b="0" lang="pt-BR" sz="1800" spc="-1" strike="noStrike">
+                <a:solidFill>
+                  <a:srgbClr val="000000"/>
+                </a:solidFill>
+                <a:latin typeface="Arial"/>
+              </a:rPr>
+              <a:t>Clique para editar o formato de texto dos tópicos</a:t>
+            </a:r>
+            <a:endParaRPr b="0" lang="pt-BR" sz="1800" spc="-1" strike="noStrike">
+              <a:solidFill>
+                <a:srgbClr val="000000"/>
+              </a:solidFill>
+              <a:latin typeface="Arial"/>
+            </a:endParaRPr>
+          </a:p>
+          <a:p>
+            <a:pPr lvl="1" marL="864000" indent="-324000">
+              <a:spcBef>
+                <a:spcPts val="1134"/>
+              </a:spcBef>
+              <a:buClr>
+                <a:srgbClr val="000000"/>
+              </a:buClr>
+              <a:buSzPct val="75000"/>
               <a:buFont typeface="Symbol" charset="2"/>
-              <a:buChar char=""/>
-            </a:pPr>
-            <a:r>
-              <a:rPr b="0" lang="en-US" sz="2800" spc="-1" strike="noStrike">
-                <a:solidFill>
-                  <a:srgbClr val="000000"/>
-                </a:solidFill>
-                <a:latin typeface="Helvetica Neue"/>
-                <a:ea typeface="Helvetica Neue"/>
-              </a:rPr>
-              <a:t>Nível um</a:t>
-            </a:r>
-            <a:endParaRPr b="0" lang="en-US" sz="2800" spc="-1" strike="noStrike">
-              <a:solidFill>
-                <a:srgbClr val="000000"/>
-              </a:solidFill>
-              <a:latin typeface="Helvetica Neue"/>
-            </a:endParaRPr>
-          </a:p>
-          <a:p>
-            <a:pPr lvl="1" marL="685800" indent="-343080" defTabSz="584280">
-              <a:lnSpc>
-                <a:spcPct val="100000"/>
-              </a:lnSpc>
-              <a:spcBef>
-                <a:spcPts val="3200"/>
+              <a:buChar char=""/>
+            </a:pPr>
+            <a:r>
+              <a:rPr b="0" lang="pt-BR" sz="1800" spc="-1" strike="noStrike">
+                <a:solidFill>
+                  <a:srgbClr val="000000"/>
+                </a:solidFill>
+                <a:latin typeface="Arial"/>
+              </a:rPr>
+              <a:t>2.º nível de tópicos</a:t>
+            </a:r>
+            <a:endParaRPr b="0" lang="pt-BR" sz="1800" spc="-1" strike="noStrike">
+              <a:solidFill>
+                <a:srgbClr val="000000"/>
+              </a:solidFill>
+              <a:latin typeface="Arial"/>
+            </a:endParaRPr>
+          </a:p>
+          <a:p>
+            <a:pPr lvl="2" marL="1296000" indent="-288000">
+              <a:spcBef>
+                <a:spcPts val="850"/>
               </a:spcBef>
               <a:buClr>
                 <a:srgbClr val="000000"/>
               </a:buClr>
-              <a:buSzPct val="145000"/>
+              <a:buSzPct val="45000"/>
+              <a:buFont typeface="Wingdings" charset="2"/>
+              <a:buChar char=""/>
+            </a:pPr>
+            <a:r>
+              <a:rPr b="0" lang="pt-BR" sz="1800" spc="-1" strike="noStrike">
+                <a:solidFill>
+                  <a:srgbClr val="000000"/>
+                </a:solidFill>
+                <a:latin typeface="Arial"/>
+              </a:rPr>
+              <a:t>3.º nível de tópicos</a:t>
+            </a:r>
+            <a:endParaRPr b="0" lang="pt-BR" sz="1800" spc="-1" strike="noStrike">
+              <a:solidFill>
+                <a:srgbClr val="000000"/>
+              </a:solidFill>
+              <a:latin typeface="Arial"/>
+            </a:endParaRPr>
+          </a:p>
+          <a:p>
+            <a:pPr lvl="3" marL="1728000" indent="-216000">
+              <a:spcBef>
+                <a:spcPts val="567"/>
+              </a:spcBef>
+              <a:buClr>
+                <a:srgbClr val="000000"/>
+              </a:buClr>
+              <a:buSzPct val="75000"/>
               <a:buFont typeface="Symbol" charset="2"/>
-              <a:buChar char=""/>
-            </a:pPr>
-            <a:r>
-              <a:rPr b="0" lang="en-US" sz="2800" spc="-1" strike="noStrike">
-                <a:solidFill>
-                  <a:srgbClr val="000000"/>
-                </a:solidFill>
-                <a:latin typeface="Helvetica Neue"/>
-                <a:ea typeface="Helvetica Neue"/>
-              </a:rPr>
-              <a:t>Nível dois</a:t>
-            </a:r>
-            <a:endParaRPr b="0" lang="en-US" sz="2800" spc="-1" strike="noStrike">
-              <a:solidFill>
-                <a:srgbClr val="000000"/>
-              </a:solidFill>
-              <a:latin typeface="Helvetica Neue"/>
-            </a:endParaRPr>
-          </a:p>
-          <a:p>
-            <a:pPr lvl="2" marL="1028880" indent="-343080" defTabSz="584280">
-              <a:lnSpc>
-                <a:spcPct val="100000"/>
-              </a:lnSpc>
-              <a:spcBef>
-                <a:spcPts val="3200"/>
+              <a:buChar char=""/>
+            </a:pPr>
+            <a:r>
+              <a:rPr b="0" lang="pt-BR" sz="1800" spc="-1" strike="noStrike">
+                <a:solidFill>
+                  <a:srgbClr val="000000"/>
+                </a:solidFill>
+                <a:latin typeface="Arial"/>
+              </a:rPr>
+              <a:t>4.º nível de tópicos</a:t>
+            </a:r>
+            <a:endParaRPr b="0" lang="pt-BR" sz="1800" spc="-1" strike="noStrike">
+              <a:solidFill>
+                <a:srgbClr val="000000"/>
+              </a:solidFill>
+              <a:latin typeface="Arial"/>
+            </a:endParaRPr>
+          </a:p>
+          <a:p>
+            <a:pPr lvl="4" marL="2160000" indent="-216000">
+              <a:spcBef>
+                <a:spcPts val="283"/>
               </a:spcBef>
               <a:buClr>
                 <a:srgbClr val="000000"/>
               </a:buClr>
-              <a:buSzPct val="145000"/>
-              <a:buFont typeface="Symbol" charset="2"/>
-              <a:buChar char=""/>
-            </a:pPr>
-            <a:r>
-              <a:rPr b="0" lang="en-US" sz="2800" spc="-1" strike="noStrike">
-                <a:solidFill>
-                  <a:srgbClr val="000000"/>
-                </a:solidFill>
-                <a:latin typeface="Helvetica Neue"/>
-                <a:ea typeface="Helvetica Neue"/>
-              </a:rPr>
-              <a:t>Nível três</a:t>
-            </a:r>
-            <a:endParaRPr b="0" lang="en-US" sz="2800" spc="-1" strike="noStrike">
-              <a:solidFill>
-                <a:srgbClr val="000000"/>
-              </a:solidFill>
-              <a:latin typeface="Helvetica Neue"/>
-            </a:endParaRPr>
-          </a:p>
-          <a:p>
-            <a:pPr lvl="3" marL="1371600" indent="-343080" defTabSz="584280">
-              <a:lnSpc>
-                <a:spcPct val="100000"/>
-              </a:lnSpc>
-              <a:spcBef>
-                <a:spcPts val="3200"/>
+              <a:buSzPct val="45000"/>
+              <a:buFont typeface="Wingdings" charset="2"/>
+              <a:buChar char=""/>
+            </a:pPr>
+            <a:r>
+              <a:rPr b="0" lang="pt-BR" sz="1800" spc="-1" strike="noStrike">
+                <a:solidFill>
+                  <a:srgbClr val="000000"/>
+                </a:solidFill>
+                <a:latin typeface="Arial"/>
+              </a:rPr>
+              <a:t>5.º nível de tópicos</a:t>
+            </a:r>
+            <a:endParaRPr b="0" lang="pt-BR" sz="1800" spc="-1" strike="noStrike">
+              <a:solidFill>
+                <a:srgbClr val="000000"/>
+              </a:solidFill>
+              <a:latin typeface="Arial"/>
+            </a:endParaRPr>
+          </a:p>
+          <a:p>
+            <a:pPr lvl="5" marL="2592000" indent="-216000">
+              <a:spcBef>
+                <a:spcPts val="283"/>
               </a:spcBef>
               <a:buClr>
                 <a:srgbClr val="000000"/>
               </a:buClr>
-              <a:buSzPct val="145000"/>
-              <a:buFont typeface="Symbol" charset="2"/>
-              <a:buChar char=""/>
-            </a:pPr>
-            <a:r>
-              <a:rPr b="0" lang="en-US" sz="2800" spc="-1" strike="noStrike">
-                <a:solidFill>
-                  <a:srgbClr val="000000"/>
-                </a:solidFill>
-                <a:latin typeface="Helvetica Neue"/>
-                <a:ea typeface="Helvetica Neue"/>
-              </a:rPr>
-              <a:t>Nível quatro</a:t>
-            </a:r>
-            <a:endParaRPr b="0" lang="en-US" sz="2800" spc="-1" strike="noStrike">
-              <a:solidFill>
-                <a:srgbClr val="000000"/>
-              </a:solidFill>
-              <a:latin typeface="Helvetica Neue"/>
-            </a:endParaRPr>
-          </a:p>
-          <a:p>
-            <a:pPr lvl="4" marL="1714680" indent="-343080" defTabSz="584280">
-              <a:lnSpc>
-                <a:spcPct val="100000"/>
-              </a:lnSpc>
-              <a:spcBef>
-                <a:spcPts val="3200"/>
+              <a:buSzPct val="45000"/>
+              <a:buFont typeface="Wingdings" charset="2"/>
+              <a:buChar char=""/>
+            </a:pPr>
+            <a:r>
+              <a:rPr b="0" lang="pt-BR" sz="1800" spc="-1" strike="noStrike">
+                <a:solidFill>
+                  <a:srgbClr val="000000"/>
+                </a:solidFill>
+                <a:latin typeface="Arial"/>
+              </a:rPr>
+              <a:t>6.º nível de tópicos</a:t>
+            </a:r>
+            <a:endParaRPr b="0" lang="pt-BR" sz="1800" spc="-1" strike="noStrike">
+              <a:solidFill>
+                <a:srgbClr val="000000"/>
+              </a:solidFill>
+              <a:latin typeface="Arial"/>
+            </a:endParaRPr>
+          </a:p>
+          <a:p>
+            <a:pPr lvl="6" marL="3024000" indent="-216000">
+              <a:spcBef>
+                <a:spcPts val="283"/>
               </a:spcBef>
               <a:buClr>
                 <a:srgbClr val="000000"/>
               </a:buClr>
-              <a:buSzPct val="145000"/>
-              <a:buFont typeface="Symbol" charset="2"/>
-              <a:buChar char=""/>
-            </a:pPr>
-            <a:r>
-              <a:rPr b="0" lang="en-US" sz="2800" spc="-1" strike="noStrike">
-                <a:solidFill>
-                  <a:srgbClr val="000000"/>
-                </a:solidFill>
-                <a:latin typeface="Helvetica Neue"/>
-                <a:ea typeface="Helvetica Neue"/>
-              </a:rPr>
-              <a:t>Nível cinco</a:t>
-            </a:r>
-            <a:endParaRPr b="0" lang="en-US" sz="2800" spc="-1" strike="noStrike">
-              <a:solidFill>
-                <a:srgbClr val="000000"/>
-              </a:solidFill>
-              <a:latin typeface="Helvetica Neue"/>
+              <a:buSzPct val="45000"/>
+              <a:buFont typeface="Wingdings" charset="2"/>
+              <a:buChar char=""/>
+            </a:pPr>
+            <a:r>
+              <a:rPr b="0" lang="pt-BR" sz="1800" spc="-1" strike="noStrike">
+                <a:solidFill>
+                  <a:srgbClr val="000000"/>
+                </a:solidFill>
+                <a:latin typeface="Arial"/>
+              </a:rPr>
+              <a:t>7.º nível de tópicos</a:t>
+            </a:r>
+            <a:endParaRPr b="0" lang="pt-BR" sz="1800" spc="-1" strike="noStrike">
+              <a:solidFill>
+                <a:srgbClr val="000000"/>
+              </a:solidFill>
+              <a:latin typeface="Arial"/>
             </a:endParaRPr>
           </a:p>
         </p:txBody>
@@ -2054,7 +2083,7 @@
         <p:spPr>
           <a:xfrm>
             <a:off x="6328800" y="9296280"/>
-            <a:ext cx="339840" cy="342720"/>
+            <a:ext cx="339480" cy="342360"/>
           </a:xfrm>
           <a:prstGeom prst="rect">
             <a:avLst/>
@@ -2068,11 +2097,37 @@
           <a:bodyPr lIns="50760" rIns="50760" tIns="50760" bIns="50760" anchor="t">
             <a:noAutofit/>
           </a:bodyPr>
+          <a:lstStyle>
+            <a:lvl1pPr indent="0">
+              <a:lnSpc>
+                <a:spcPct val="100000"/>
+              </a:lnSpc>
+              <a:buNone/>
+              <a:defRPr b="0" lang="pt-BR" sz="1400" spc="-1" strike="noStrike">
+                <a:solidFill>
+                  <a:srgbClr val="000000"/>
+                </a:solidFill>
+                <a:latin typeface="Times New Roman"/>
+              </a:defRPr>
+            </a:lvl1pPr>
+          </a:lstStyle>
           <a:p>
             <a:pPr indent="0">
+              <a:lnSpc>
+                <a:spcPct val="100000"/>
+              </a:lnSpc>
               <a:buNone/>
             </a:pPr>
-            <a:endParaRPr b="0" lang="en-US" sz="1600" spc="-1" strike="noStrike">
+            <a:fld id="{B4A6A242-B0A4-45C7-B14D-F7B825E05681}" type="slidenum">
+              <a:rPr b="0" lang="pt-BR" sz="1400" spc="-1" strike="noStrike">
+                <a:solidFill>
+                  <a:srgbClr val="000000"/>
+                </a:solidFill>
+                <a:latin typeface="Times New Roman"/>
+              </a:rPr>
+              <a:t>&lt;número&gt;</a:t>
+            </a:fld>
+            <a:endParaRPr b="0" lang="pt-BR" sz="1400" spc="-1" strike="noStrike">
               <a:solidFill>
                 <a:srgbClr val="000000"/>
               </a:solidFill>
@@ -2121,13 +2176,13 @@
             <a:spLocks noGrp="1"/>
           </p:cNvSpPr>
           <p:nvPr>
-            <p:ph type="body"/>
+            <p:ph type="title"/>
           </p:nvPr>
         </p:nvSpPr>
         <p:spPr>
           <a:xfrm>
-            <a:off x="6375240" y="635040"/>
-            <a:ext cx="8216640" cy="8216640"/>
+            <a:off x="650160" y="389160"/>
+            <a:ext cx="11703240" cy="1627920"/>
           </a:xfrm>
           <a:prstGeom prst="rect">
             <a:avLst/>
@@ -2138,203 +2193,27 @@
           </a:ln>
         </p:spPr>
         <p:txBody>
-          <a:bodyPr lIns="91440" rIns="91440" tIns="45720" bIns="45720" anchor="t">
+          <a:bodyPr lIns="0" rIns="0" tIns="0" bIns="0" anchor="ctr">
             <a:noAutofit/>
           </a:bodyPr>
           <a:p>
-            <a:pPr marL="432000" indent="-324000">
-              <a:spcBef>
-                <a:spcPts val="1417"/>
-              </a:spcBef>
-              <a:buClr>
-                <a:srgbClr val="000000"/>
-              </a:buClr>
-              <a:buSzPct val="45000"/>
-              <a:buFont typeface="Wingdings" charset="2"/>
-              <a:buChar char=""/>
-            </a:pPr>
-            <a:r>
-              <a:rPr b="0" lang="en-US" sz="3200" spc="-1" strike="noStrike">
-                <a:solidFill>
-                  <a:srgbClr val="000000"/>
-                </a:solidFill>
-                <a:latin typeface="Helvetica Neue"/>
-              </a:rPr>
-              <a:t>Click to edit the outline text format</a:t>
-            </a:r>
-            <a:endParaRPr b="0" lang="en-US" sz="3200" spc="-1" strike="noStrike">
-              <a:solidFill>
-                <a:srgbClr val="000000"/>
-              </a:solidFill>
-              <a:latin typeface="Helvetica Neue"/>
-            </a:endParaRPr>
-          </a:p>
-          <a:p>
-            <a:pPr lvl="1" marL="864000" indent="-324000">
-              <a:spcBef>
-                <a:spcPts val="1134"/>
-              </a:spcBef>
-              <a:buClr>
-                <a:srgbClr val="000000"/>
-              </a:buClr>
-              <a:buSzPct val="75000"/>
-              <a:buFont typeface="Symbol" charset="2"/>
-              <a:buChar char=""/>
-            </a:pPr>
-            <a:r>
-              <a:rPr b="0" lang="en-US" sz="3200" spc="-1" strike="noStrike">
-                <a:solidFill>
-                  <a:srgbClr val="000000"/>
-                </a:solidFill>
-                <a:latin typeface="Helvetica Neue"/>
-              </a:rPr>
-              <a:t>Second Outline Level</a:t>
-            </a:r>
-            <a:endParaRPr b="0" lang="en-US" sz="3200" spc="-1" strike="noStrike">
-              <a:solidFill>
-                <a:srgbClr val="000000"/>
-              </a:solidFill>
-              <a:latin typeface="Helvetica Neue"/>
-            </a:endParaRPr>
-          </a:p>
-          <a:p>
-            <a:pPr lvl="2" marL="1296000" indent="-288000">
-              <a:spcBef>
-                <a:spcPts val="850"/>
-              </a:spcBef>
-              <a:buClr>
-                <a:srgbClr val="000000"/>
-              </a:buClr>
-              <a:buSzPct val="45000"/>
-              <a:buFont typeface="Wingdings" charset="2"/>
-              <a:buChar char=""/>
-            </a:pPr>
-            <a:r>
-              <a:rPr b="0" lang="en-US" sz="3200" spc="-1" strike="noStrike">
-                <a:solidFill>
-                  <a:srgbClr val="000000"/>
-                </a:solidFill>
-                <a:latin typeface="Helvetica Neue"/>
-              </a:rPr>
-              <a:t>Third Outline Level</a:t>
-            </a:r>
-            <a:endParaRPr b="0" lang="en-US" sz="3200" spc="-1" strike="noStrike">
-              <a:solidFill>
-                <a:srgbClr val="000000"/>
-              </a:solidFill>
-              <a:latin typeface="Helvetica Neue"/>
-            </a:endParaRPr>
-          </a:p>
-          <a:p>
-            <a:pPr lvl="3" marL="1728000" indent="-216000">
-              <a:spcBef>
-                <a:spcPts val="567"/>
-              </a:spcBef>
-              <a:buClr>
-                <a:srgbClr val="000000"/>
-              </a:buClr>
-              <a:buSzPct val="75000"/>
-              <a:buFont typeface="Symbol" charset="2"/>
-              <a:buChar char=""/>
-            </a:pPr>
-            <a:r>
-              <a:rPr b="0" lang="en-US" sz="3200" spc="-1" strike="noStrike">
-                <a:solidFill>
-                  <a:srgbClr val="000000"/>
-                </a:solidFill>
-                <a:latin typeface="Helvetica Neue"/>
-              </a:rPr>
-              <a:t>Fourth Outline Level</a:t>
-            </a:r>
-            <a:endParaRPr b="0" lang="en-US" sz="3200" spc="-1" strike="noStrike">
-              <a:solidFill>
-                <a:srgbClr val="000000"/>
-              </a:solidFill>
-              <a:latin typeface="Helvetica Neue"/>
-            </a:endParaRPr>
-          </a:p>
-          <a:p>
-            <a:pPr lvl="4" marL="2160000" indent="-216000">
-              <a:spcBef>
-                <a:spcPts val="283"/>
-              </a:spcBef>
-              <a:buClr>
-                <a:srgbClr val="000000"/>
-              </a:buClr>
-              <a:buSzPct val="45000"/>
-              <a:buFont typeface="Wingdings" charset="2"/>
-              <a:buChar char=""/>
-            </a:pPr>
-            <a:r>
-              <a:rPr b="0" lang="en-US" sz="3200" spc="-1" strike="noStrike">
-                <a:solidFill>
-                  <a:srgbClr val="000000"/>
-                </a:solidFill>
-                <a:latin typeface="Helvetica Neue"/>
-              </a:rPr>
-              <a:t>Fifth Outline Level</a:t>
-            </a:r>
-            <a:endParaRPr b="0" lang="en-US" sz="3200" spc="-1" strike="noStrike">
-              <a:solidFill>
-                <a:srgbClr val="000000"/>
-              </a:solidFill>
-              <a:latin typeface="Helvetica Neue"/>
-            </a:endParaRPr>
-          </a:p>
-          <a:p>
-            <a:pPr lvl="5" marL="2592000" indent="-216000">
-              <a:spcBef>
-                <a:spcPts val="283"/>
-              </a:spcBef>
-              <a:buClr>
-                <a:srgbClr val="000000"/>
-              </a:buClr>
-              <a:buSzPct val="45000"/>
-              <a:buFont typeface="Wingdings" charset="2"/>
-              <a:buChar char=""/>
-            </a:pPr>
-            <a:r>
-              <a:rPr b="0" lang="en-US" sz="3200" spc="-1" strike="noStrike">
-                <a:solidFill>
-                  <a:srgbClr val="000000"/>
-                </a:solidFill>
-                <a:latin typeface="Helvetica Neue"/>
-              </a:rPr>
-              <a:t>Sixth Outline Level</a:t>
-            </a:r>
-            <a:endParaRPr b="0" lang="en-US" sz="3200" spc="-1" strike="noStrike">
-              <a:solidFill>
-                <a:srgbClr val="000000"/>
-              </a:solidFill>
-              <a:latin typeface="Helvetica Neue"/>
-            </a:endParaRPr>
-          </a:p>
-          <a:p>
-            <a:pPr lvl="6" marL="3024000" indent="-216000">
-              <a:spcBef>
-                <a:spcPts val="283"/>
-              </a:spcBef>
-              <a:buClr>
-                <a:srgbClr val="000000"/>
-              </a:buClr>
-              <a:buSzPct val="45000"/>
-              <a:buFont typeface="Wingdings" charset="2"/>
-              <a:buChar char=""/>
-            </a:pPr>
-            <a:r>
-              <a:rPr b="0" lang="en-US" sz="3200" spc="-1" strike="noStrike">
-                <a:solidFill>
-                  <a:srgbClr val="000000"/>
-                </a:solidFill>
-                <a:latin typeface="Helvetica Neue"/>
-              </a:rPr>
-              <a:t>Seventh Outline Level</a:t>
-            </a:r>
-            <a:endParaRPr b="0" lang="en-US" sz="3200" spc="-1" strike="noStrike">
-              <a:solidFill>
-                <a:srgbClr val="000000"/>
-              </a:solidFill>
-              <a:latin typeface="Helvetica Neue"/>
+            <a:pPr indent="0">
+              <a:buNone/>
+            </a:pPr>
+            <a:r>
+              <a:rPr b="0" lang="pt-BR" sz="1800" spc="-1" strike="noStrike">
+                <a:solidFill>
+                  <a:srgbClr val="000000"/>
+                </a:solidFill>
+                <a:latin typeface="Arial"/>
+              </a:rPr>
+              <a:t>Clique para editar o formato do texto do título</a:t>
+            </a:r>
+            <a:endParaRPr b="0" lang="pt-BR" sz="1800" spc="-1" strike="noStrike">
+              <a:solidFill>
+                <a:srgbClr val="000000"/>
+              </a:solidFill>
+              <a:latin typeface="Arial"/>
             </a:endParaRPr>
           </a:p>
         </p:txBody>
@@ -2346,51 +2225,220 @@
             <a:spLocks noGrp="1"/>
           </p:cNvSpPr>
           <p:nvPr>
-            <p:ph type="title"/>
+            <p:ph type="body"/>
           </p:nvPr>
         </p:nvSpPr>
         <p:spPr>
           <a:xfrm>
-            <a:off x="952560" y="635040"/>
-            <a:ext cx="5333760" cy="3987360"/>
+            <a:off x="650160" y="2282040"/>
+            <a:ext cx="11703240" cy="5655960"/>
           </a:xfrm>
           <a:prstGeom prst="rect">
             <a:avLst/>
           </a:prstGeom>
           <a:noFill/>
-          <a:ln w="12600">
+          <a:ln w="0">
             <a:noFill/>
           </a:ln>
         </p:spPr>
         <p:txBody>
-          <a:bodyPr lIns="50760" rIns="50760" tIns="50760" bIns="50760" anchor="b">
-            <a:noAutofit/>
+          <a:bodyPr lIns="0" rIns="0" tIns="0" bIns="0" anchor="t">
+            <a:normAutofit/>
           </a:bodyPr>
           <a:p>
-            <a:pPr indent="0" algn="ctr" defTabSz="584280">
-              <a:lnSpc>
-                <a:spcPct val="100000"/>
-              </a:lnSpc>
-              <a:buNone/>
-              <a:tabLst>
-                <a:tab algn="l" pos="0"/>
-              </a:tabLst>
-            </a:pPr>
-            <a:r>
-              <a:rPr b="0" lang="en-US" sz="6000" spc="-1" strike="noStrike">
-                <a:solidFill>
-                  <a:srgbClr val="000000"/>
-                </a:solidFill>
-                <a:latin typeface="Helvetica Neue Medium"/>
-                <a:ea typeface="Helvetica Neue Medium"/>
-              </a:rPr>
-              <a:t>Texto do título</a:t>
-            </a:r>
-            <a:endParaRPr b="0" lang="en-US" sz="6000" spc="-1" strike="noStrike">
-              <a:solidFill>
-                <a:srgbClr val="000000"/>
-              </a:solidFill>
-              <a:latin typeface="Helvetica Neue"/>
+            <a:pPr marL="432000" indent="-324000">
+              <a:spcBef>
+                <a:spcPts val="1417"/>
+              </a:spcBef>
+              <a:buClr>
+                <a:srgbClr val="000000"/>
+              </a:buClr>
+              <a:buSzPct val="45000"/>
+              <a:buFont typeface="Wingdings" charset="2"/>
+              <a:buChar char=""/>
+            </a:pPr>
+            <a:r>
+              <a:rPr b="0" lang="pt-BR" sz="1800" spc="-1" strike="noStrike">
+                <a:solidFill>
+                  <a:srgbClr val="000000"/>
+                </a:solidFill>
+                <a:latin typeface="Arial"/>
+              </a:rPr>
+              <a:t>Clique para editar o formato de texto dos tópicos</a:t>
+            </a:r>
+            <a:endParaRPr b="0" lang="pt-BR" sz="1800" spc="-1" strike="noStrike">
+              <a:solidFill>
+                <a:srgbClr val="000000"/>
+              </a:solidFill>
+              <a:latin typeface="Arial"/>
+            </a:endParaRPr>
+          </a:p>
+          <a:p>
+            <a:pPr lvl="1" marL="864000" indent="-324000">
+              <a:spcBef>
+                <a:spcPts val="1134"/>
+              </a:spcBef>
+              <a:buClr>
+                <a:srgbClr val="000000"/>
+              </a:buClr>
+              <a:buSzPct val="75000"/>
+              <a:buFont typeface="Symbol" charset="2"/>
+              <a:buChar char=""/>
+            </a:pPr>
+            <a:r>
+              <a:rPr b="0" lang="pt-BR" sz="1800" spc="-1" strike="noStrike">
+                <a:solidFill>
+                  <a:srgbClr val="000000"/>
+                </a:solidFill>
+                <a:latin typeface="Arial"/>
+              </a:rPr>
+              <a:t>2.º nível de tópicos</a:t>
+            </a:r>
+            <a:endParaRPr b="0" lang="pt-BR" sz="1800" spc="-1" strike="noStrike">
+              <a:solidFill>
+                <a:srgbClr val="000000"/>
+              </a:solidFill>
+              <a:latin typeface="Arial"/>
+            </a:endParaRPr>
+          </a:p>
+          <a:p>
+            <a:pPr lvl="2" marL="1296000" indent="-288000">
+              <a:spcBef>
+                <a:spcPts val="850"/>
+              </a:spcBef>
+              <a:buClr>
+                <a:srgbClr val="000000"/>
+              </a:buClr>
+              <a:buSzPct val="45000"/>
+              <a:buFont typeface="Wingdings" charset="2"/>
+              <a:buChar char=""/>
+            </a:pPr>
+            <a:r>
+              <a:rPr b="0" lang="pt-BR" sz="1800" spc="-1" strike="noStrike">
+                <a:solidFill>
+                  <a:srgbClr val="000000"/>
+                </a:solidFill>
+                <a:latin typeface="Arial"/>
+              </a:rPr>
+              <a:t>3.º nível de tópicos</a:t>
+            </a:r>
+            <a:endParaRPr b="0" lang="pt-BR" sz="1800" spc="-1" strike="noStrike">
+              <a:solidFill>
+                <a:srgbClr val="000000"/>
+              </a:solidFill>
+              <a:latin typeface="Arial"/>
+            </a:endParaRPr>
+          </a:p>
+          <a:p>
+            <a:pPr lvl="3" marL="1728000" indent="-216000">
+              <a:spcBef>
+                <a:spcPts val="567"/>
+              </a:spcBef>
+              <a:buClr>
+                <a:srgbClr val="000000"/>
+              </a:buClr>
+              <a:buSzPct val="75000"/>
+              <a:buFont typeface="Symbol" charset="2"/>
+              <a:buChar char=""/>
+            </a:pPr>
+            <a:r>
+              <a:rPr b="0" lang="pt-BR" sz="1800" spc="-1" strike="noStrike">
+                <a:solidFill>
+                  <a:srgbClr val="000000"/>
+                </a:solidFill>
+                <a:latin typeface="Arial"/>
+              </a:rPr>
+              <a:t>4.º nível de tópicos</a:t>
+            </a:r>
+            <a:endParaRPr b="0" lang="pt-BR" sz="1800" spc="-1" strike="noStrike">
+              <a:solidFill>
+                <a:srgbClr val="000000"/>
+              </a:solidFill>
+              <a:latin typeface="Arial"/>
+            </a:endParaRPr>
+          </a:p>
+          <a:p>
+            <a:pPr lvl="4" marL="2160000" indent="-216000">
+              <a:spcBef>
+                <a:spcPts val="283"/>
+              </a:spcBef>
+              <a:buClr>
+                <a:srgbClr val="000000"/>
+              </a:buClr>
+              <a:buSzPct val="45000"/>
+              <a:buFont typeface="Wingdings" charset="2"/>
+              <a:buChar char=""/>
+            </a:pPr>
+            <a:r>
+              <a:rPr b="0" lang="pt-BR" sz="1800" spc="-1" strike="noStrike">
+                <a:solidFill>
+                  <a:srgbClr val="000000"/>
+                </a:solidFill>
+                <a:latin typeface="Arial"/>
+              </a:rPr>
+              <a:t>5.º nível de tópicos</a:t>
+            </a:r>
+            <a:endParaRPr b="0" lang="pt-BR" sz="1800" spc="-1" strike="noStrike">
+              <a:solidFill>
+                <a:srgbClr val="000000"/>
+              </a:solidFill>
+              <a:latin typeface="Arial"/>
+            </a:endParaRPr>
+          </a:p>
+          <a:p>
+            <a:pPr lvl="5" marL="2592000" indent="-216000">
+              <a:spcBef>
+                <a:spcPts val="283"/>
+              </a:spcBef>
+              <a:buClr>
+                <a:srgbClr val="000000"/>
+              </a:buClr>
+              <a:buSzPct val="45000"/>
+              <a:buFont typeface="Wingdings" charset="2"/>
+              <a:buChar char=""/>
+            </a:pPr>
+            <a:r>
+              <a:rPr b="0" lang="pt-BR" sz="1800" spc="-1" strike="noStrike">
+                <a:solidFill>
+                  <a:srgbClr val="000000"/>
+                </a:solidFill>
+                <a:latin typeface="Arial"/>
+              </a:rPr>
+              <a:t>6.º nível de tópicos</a:t>
+            </a:r>
+            <a:endParaRPr b="0" lang="pt-BR" sz="1800" spc="-1" strike="noStrike">
+              <a:solidFill>
+                <a:srgbClr val="000000"/>
+              </a:solidFill>
+              <a:latin typeface="Arial"/>
+            </a:endParaRPr>
+          </a:p>
+          <a:p>
+            <a:pPr lvl="6" marL="3024000" indent="-216000">
+              <a:spcBef>
+                <a:spcPts val="283"/>
+              </a:spcBef>
+              <a:buClr>
+                <a:srgbClr val="000000"/>
+              </a:buClr>
+              <a:buSzPct val="45000"/>
+              <a:buFont typeface="Wingdings" charset="2"/>
+              <a:buChar char=""/>
+            </a:pPr>
+            <a:r>
+              <a:rPr b="0" lang="pt-BR" sz="1800" spc="-1" strike="noStrike">
+                <a:solidFill>
+                  <a:srgbClr val="000000"/>
+                </a:solidFill>
+                <a:latin typeface="Arial"/>
+              </a:rPr>
+              <a:t>7.º nível de tópicos</a:t>
+            </a:r>
+            <a:endParaRPr b="0" lang="pt-BR" sz="1800" spc="-1" strike="noStrike">
+              <a:solidFill>
+                <a:srgbClr val="000000"/>
+              </a:solidFill>
+              <a:latin typeface="Arial"/>
             </a:endParaRPr>
           </a:p>
         </p:txBody>
@@ -2402,13 +2450,13 @@
             <a:spLocks noGrp="1"/>
           </p:cNvSpPr>
           <p:nvPr>
-            <p:ph type="body"/>
+            <p:ph type="sldNum" idx="10"/>
           </p:nvPr>
         </p:nvSpPr>
         <p:spPr>
           <a:xfrm>
-            <a:off x="952560" y="4724280"/>
-            <a:ext cx="5333760" cy="4114440"/>
+            <a:off x="6328800" y="9296280"/>
+            <a:ext cx="339480" cy="323640"/>
           </a:xfrm>
           <a:prstGeom prst="rect">
             <a:avLst/>
@@ -2422,175 +2470,37 @@
           <a:bodyPr lIns="50760" rIns="50760" tIns="50760" bIns="50760" anchor="t">
             <a:noAutofit/>
           </a:bodyPr>
-          <a:p>
-            <a:pPr indent="0" algn="ctr" defTabSz="584280">
+          <a:lstStyle>
+            <a:lvl1pPr indent="0">
               <a:lnSpc>
                 <a:spcPct val="100000"/>
               </a:lnSpc>
               <a:buNone/>
-              <a:tabLst>
-                <a:tab algn="l" pos="0"/>
-              </a:tabLst>
-            </a:pPr>
-            <a:r>
-              <a:rPr b="0" lang="en-US" sz="3700" spc="-1" strike="noStrike">
-                <a:solidFill>
-                  <a:srgbClr val="000000"/>
-                </a:solidFill>
-                <a:latin typeface="Helvetica Neue"/>
-                <a:ea typeface="Helvetica Neue"/>
-              </a:rPr>
-              <a:t>Nível um</a:t>
-            </a:r>
-            <a:endParaRPr b="0" lang="en-US" sz="3700" spc="-1" strike="noStrike">
-              <a:solidFill>
-                <a:srgbClr val="000000"/>
-              </a:solidFill>
-              <a:latin typeface="Helvetica Neue"/>
-            </a:endParaRPr>
-          </a:p>
-          <a:p>
-            <a:pPr indent="0" algn="ctr" defTabSz="584280">
+              <a:defRPr b="0" lang="pt-BR" sz="1400" spc="-1" strike="noStrike">
+                <a:solidFill>
+                  <a:srgbClr val="000000"/>
+                </a:solidFill>
+                <a:latin typeface="Times New Roman"/>
+              </a:defRPr>
+            </a:lvl1pPr>
+          </a:lstStyle>
+          <a:p>
+            <a:pPr indent="0">
               <a:lnSpc>
                 <a:spcPct val="100000"/>
               </a:lnSpc>
               <a:buNone/>
-              <a:tabLst>
-                <a:tab algn="l" pos="0"/>
-              </a:tabLst>
-            </a:pPr>
-            <a:r>
-              <a:rPr b="0" lang="en-US" sz="3700" spc="-1" strike="noStrike">
-                <a:solidFill>
-                  <a:srgbClr val="000000"/>
-                </a:solidFill>
-                <a:latin typeface="Helvetica Neue"/>
-                <a:ea typeface="Helvetica Neue"/>
-              </a:rPr>
-              <a:t>Nível dois</a:t>
-            </a:r>
-            <a:endParaRPr b="0" lang="en-US" sz="3700" spc="-1" strike="noStrike">
-              <a:solidFill>
-                <a:srgbClr val="000000"/>
-              </a:solidFill>
-              <a:latin typeface="Helvetica Neue"/>
-            </a:endParaRPr>
-          </a:p>
-          <a:p>
-            <a:pPr indent="0" algn="ctr" defTabSz="584280">
-              <a:lnSpc>
-                <a:spcPct val="100000"/>
-              </a:lnSpc>
-              <a:buNone/>
-              <a:tabLst>
-                <a:tab algn="l" pos="0"/>
-              </a:tabLst>
-            </a:pPr>
-            <a:r>
-              <a:rPr b="0" lang="en-US" sz="3700" spc="-1" strike="noStrike">
-                <a:solidFill>
-                  <a:srgbClr val="000000"/>
-                </a:solidFill>
-                <a:latin typeface="Helvetica Neue"/>
-                <a:ea typeface="Helvetica Neue"/>
-              </a:rPr>
-              <a:t>Nível três</a:t>
-            </a:r>
-            <a:endParaRPr b="0" lang="en-US" sz="3700" spc="-1" strike="noStrike">
-              <a:solidFill>
-                <a:srgbClr val="000000"/>
-              </a:solidFill>
-              <a:latin typeface="Helvetica Neue"/>
-            </a:endParaRPr>
-          </a:p>
-          <a:p>
-            <a:pPr indent="0" algn="ctr" defTabSz="584280">
-              <a:lnSpc>
-                <a:spcPct val="100000"/>
-              </a:lnSpc>
-              <a:buNone/>
-              <a:tabLst>
-                <a:tab algn="l" pos="0"/>
-              </a:tabLst>
-            </a:pPr>
-            <a:r>
-              <a:rPr b="0" lang="en-US" sz="3700" spc="-1" strike="noStrike">
-                <a:solidFill>
-                  <a:srgbClr val="000000"/>
-                </a:solidFill>
-                <a:latin typeface="Helvetica Neue"/>
-                <a:ea typeface="Helvetica Neue"/>
-              </a:rPr>
-              <a:t>Nível quatro</a:t>
-            </a:r>
-            <a:endParaRPr b="0" lang="en-US" sz="3700" spc="-1" strike="noStrike">
-              <a:solidFill>
-                <a:srgbClr val="000000"/>
-              </a:solidFill>
-              <a:latin typeface="Helvetica Neue"/>
-            </a:endParaRPr>
-          </a:p>
-          <a:p>
-            <a:pPr indent="0" algn="ctr" defTabSz="584280">
-              <a:lnSpc>
-                <a:spcPct val="100000"/>
-              </a:lnSpc>
-              <a:buNone/>
-              <a:tabLst>
-                <a:tab algn="l" pos="0"/>
-              </a:tabLst>
-            </a:pPr>
-            <a:r>
-              <a:rPr b="0" lang="en-US" sz="3700" spc="-1" strike="noStrike">
-                <a:solidFill>
-                  <a:srgbClr val="000000"/>
-                </a:solidFill>
-                <a:latin typeface="Helvetica Neue"/>
-                <a:ea typeface="Helvetica Neue"/>
-              </a:rPr>
-              <a:t>Nível cinco</a:t>
-            </a:r>
-            <a:endParaRPr b="0" lang="en-US" sz="3700" spc="-1" strike="noStrike">
-              <a:solidFill>
-                <a:srgbClr val="000000"/>
-              </a:solidFill>
-              <a:latin typeface="Helvetica Neue"/>
-            </a:endParaRPr>
-          </a:p>
-        </p:txBody>
-      </p:sp>
-      <p:sp>
-        <p:nvSpPr>
-          <p:cNvPr id="47" name="PlaceHolder 4"/>
-          <p:cNvSpPr>
-            <a:spLocks noGrp="1"/>
-          </p:cNvSpPr>
-          <p:nvPr>
-            <p:ph type="sldNum" idx="10"/>
-          </p:nvPr>
-        </p:nvSpPr>
-        <p:spPr>
-          <a:xfrm>
-            <a:off x="6328800" y="9296280"/>
-            <a:ext cx="339840" cy="324000"/>
-          </a:xfrm>
-          <a:prstGeom prst="rect">
-            <a:avLst/>
-          </a:prstGeom>
-          <a:noFill/>
-          <a:ln w="12600">
-            <a:noFill/>
-          </a:ln>
-        </p:spPr>
-        <p:txBody>
-          <a:bodyPr lIns="50760" rIns="50760" tIns="50760" bIns="50760" anchor="t">
-            <a:noAutofit/>
-          </a:bodyPr>
-          <a:p>
-            <a:pPr indent="0">
-              <a:buNone/>
-            </a:pPr>
-            <a:endParaRPr b="0" lang="en-US" sz="1600" spc="-1" strike="noStrike">
+            </a:pPr>
+            <a:fld id="{73861C44-60D6-4EED-92E0-918B8A528387}" type="slidenum">
+              <a:rPr b="0" lang="pt-BR" sz="1400" spc="-1" strike="noStrike">
+                <a:solidFill>
+                  <a:srgbClr val="000000"/>
+                </a:solidFill>
+                <a:latin typeface="Times New Roman"/>
+              </a:rPr>
+              <a:t>&lt;número&gt;</a:t>
+            </a:fld>
+            <a:endParaRPr b="0" lang="pt-BR" sz="1400" spc="-1" strike="noStrike">
               <a:solidFill>
                 <a:srgbClr val="000000"/>
               </a:solidFill>
@@ -2634,7 +2544,7 @@
       </p:grpSpPr>
       <p:sp>
         <p:nvSpPr>
-          <p:cNvPr id="50" name="PlaceHolder 1"/>
+          <p:cNvPr id="49" name="PlaceHolder 1"/>
           <p:cNvSpPr>
             <a:spLocks noGrp="1"/>
           </p:cNvSpPr>
@@ -2644,53 +2554,271 @@
         </p:nvSpPr>
         <p:spPr>
           <a:xfrm>
-            <a:off x="952560" y="254160"/>
-            <a:ext cx="11099520" cy="2158560"/>
+            <a:off x="650160" y="389160"/>
+            <a:ext cx="11703240" cy="1627920"/>
           </a:xfrm>
           <a:prstGeom prst="rect">
             <a:avLst/>
           </a:prstGeom>
           <a:noFill/>
-          <a:ln w="12600">
+          <a:ln w="0">
             <a:noFill/>
           </a:ln>
         </p:spPr>
         <p:txBody>
-          <a:bodyPr lIns="50760" rIns="50760" tIns="50760" bIns="50760" anchor="ctr">
+          <a:bodyPr lIns="0" rIns="0" tIns="0" bIns="0" anchor="ctr">
             <a:noAutofit/>
           </a:bodyPr>
           <a:p>
-            <a:pPr indent="0" algn="ctr" defTabSz="584280">
-              <a:lnSpc>
-                <a:spcPct val="100000"/>
-              </a:lnSpc>
+            <a:pPr indent="0">
               <a:buNone/>
-              <a:tabLst>
-                <a:tab algn="l" pos="0"/>
-              </a:tabLst>
-            </a:pPr>
-            <a:r>
-              <a:rPr b="0" lang="en-US" sz="8000" spc="-1" strike="noStrike">
-                <a:solidFill>
-                  <a:srgbClr val="000000"/>
-                </a:solidFill>
-                <a:latin typeface="Helvetica Neue Medium"/>
-                <a:ea typeface="Helvetica Neue Medium"/>
-              </a:rPr>
-              <a:t>Texto do título</a:t>
-            </a:r>
-            <a:endParaRPr b="0" lang="en-US" sz="8000" spc="-1" strike="noStrike">
-              <a:solidFill>
-                <a:srgbClr val="000000"/>
-              </a:solidFill>
-              <a:latin typeface="Helvetica Neue"/>
+            </a:pPr>
+            <a:r>
+              <a:rPr b="0" lang="pt-BR" sz="1800" spc="-1" strike="noStrike">
+                <a:solidFill>
+                  <a:srgbClr val="000000"/>
+                </a:solidFill>
+                <a:latin typeface="Arial"/>
+              </a:rPr>
+              <a:t>Clique para editar o formato do texto do título</a:t>
+            </a:r>
+            <a:endParaRPr b="0" lang="pt-BR" sz="1800" spc="-1" strike="noStrike">
+              <a:solidFill>
+                <a:srgbClr val="000000"/>
+              </a:solidFill>
+              <a:latin typeface="Arial"/>
             </a:endParaRPr>
           </a:p>
         </p:txBody>
       </p:sp>
       <p:sp>
         <p:nvSpPr>
-          <p:cNvPr id="51" name="PlaceHolder 2"/>
+          <p:cNvPr id="50" name="PlaceHolder 2"/>
+          <p:cNvSpPr>
+            <a:spLocks noGrp="1"/>
+          </p:cNvSpPr>
+          <p:nvPr>
+            <p:ph type="body"/>
+          </p:nvPr>
+        </p:nvSpPr>
+        <p:spPr>
+          <a:xfrm>
+            <a:off x="650160" y="2282040"/>
+            <a:ext cx="11703240" cy="5655960"/>
+          </a:xfrm>
+          <a:prstGeom prst="rect">
+            <a:avLst/>
+          </a:prstGeom>
+          <a:noFill/>
+          <a:ln w="0">
+            <a:noFill/>
+          </a:ln>
+        </p:spPr>
+        <p:txBody>
+          <a:bodyPr lIns="0" rIns="0" tIns="0" bIns="0" anchor="t">
+            <a:normAutofit/>
+          </a:bodyPr>
+          <a:p>
+            <a:pPr marL="432000" indent="-324000">
+              <a:spcBef>
+                <a:spcPts val="1417"/>
+              </a:spcBef>
+              <a:buClr>
+                <a:srgbClr val="000000"/>
+              </a:buClr>
+              <a:buSzPct val="45000"/>
+              <a:buFont typeface="Wingdings" charset="2"/>
+              <a:buChar char=""/>
+            </a:pPr>
+            <a:r>
+              <a:rPr b="0" lang="pt-BR" sz="1800" spc="-1" strike="noStrike">
+                <a:solidFill>
+                  <a:srgbClr val="000000"/>
+                </a:solidFill>
+                <a:latin typeface="Arial"/>
+              </a:rPr>
+              <a:t>Clique para editar o formato de texto dos tópicos</a:t>
+            </a:r>
+            <a:endParaRPr b="0" lang="pt-BR" sz="1800" spc="-1" strike="noStrike">
+              <a:solidFill>
+                <a:srgbClr val="000000"/>
+              </a:solidFill>
+              <a:latin typeface="Arial"/>
+            </a:endParaRPr>
+          </a:p>
+          <a:p>
+            <a:pPr lvl="1" marL="864000" indent="-324000">
+              <a:spcBef>
+                <a:spcPts val="1134"/>
+              </a:spcBef>
+              <a:buClr>
+                <a:srgbClr val="000000"/>
+              </a:buClr>
+              <a:buSzPct val="75000"/>
+              <a:buFont typeface="Symbol" charset="2"/>
+              <a:buChar char=""/>
+            </a:pPr>
+            <a:r>
+              <a:rPr b="0" lang="pt-BR" sz="1800" spc="-1" strike="noStrike">
+                <a:solidFill>
+                  <a:srgbClr val="000000"/>
+                </a:solidFill>
+                <a:latin typeface="Arial"/>
+              </a:rPr>
+              <a:t>2.º nível de tópicos</a:t>
+            </a:r>
+            <a:endParaRPr b="0" lang="pt-BR" sz="1800" spc="-1" strike="noStrike">
+              <a:solidFill>
+                <a:srgbClr val="000000"/>
+              </a:solidFill>
+              <a:latin typeface="Arial"/>
+            </a:endParaRPr>
+          </a:p>
+          <a:p>
+            <a:pPr lvl="2" marL="1296000" indent="-288000">
+              <a:spcBef>
+                <a:spcPts val="850"/>
+              </a:spcBef>
+              <a:buClr>
+                <a:srgbClr val="000000"/>
+              </a:buClr>
+              <a:buSzPct val="45000"/>
+              <a:buFont typeface="Wingdings" charset="2"/>
+              <a:buChar char=""/>
+            </a:pPr>
+            <a:r>
+              <a:rPr b="0" lang="pt-BR" sz="1800" spc="-1" strike="noStrike">
+                <a:solidFill>
+                  <a:srgbClr val="000000"/>
+                </a:solidFill>
+                <a:latin typeface="Arial"/>
+              </a:rPr>
+              <a:t>3.º nível de tópicos</a:t>
+            </a:r>
+            <a:endParaRPr b="0" lang="pt-BR" sz="1800" spc="-1" strike="noStrike">
+              <a:solidFill>
+                <a:srgbClr val="000000"/>
+              </a:solidFill>
+              <a:latin typeface="Arial"/>
+            </a:endParaRPr>
+          </a:p>
+          <a:p>
+            <a:pPr lvl="3" marL="1728000" indent="-216000">
+              <a:spcBef>
+                <a:spcPts val="567"/>
+              </a:spcBef>
+              <a:buClr>
+                <a:srgbClr val="000000"/>
+              </a:buClr>
+              <a:buSzPct val="75000"/>
+              <a:buFont typeface="Symbol" charset="2"/>
+              <a:buChar char=""/>
+            </a:pPr>
+            <a:r>
+              <a:rPr b="0" lang="pt-BR" sz="1800" spc="-1" strike="noStrike">
+                <a:solidFill>
+                  <a:srgbClr val="000000"/>
+                </a:solidFill>
+                <a:latin typeface="Arial"/>
+              </a:rPr>
+              <a:t>4.º nível de tópicos</a:t>
+            </a:r>
+            <a:endParaRPr b="0" lang="pt-BR" sz="1800" spc="-1" strike="noStrike">
+              <a:solidFill>
+                <a:srgbClr val="000000"/>
+              </a:solidFill>
+              <a:latin typeface="Arial"/>
+            </a:endParaRPr>
+          </a:p>
+          <a:p>
+            <a:pPr lvl="4" marL="2160000" indent="-216000">
+              <a:spcBef>
+                <a:spcPts val="283"/>
+              </a:spcBef>
+              <a:buClr>
+                <a:srgbClr val="000000"/>
+              </a:buClr>
+              <a:buSzPct val="45000"/>
+              <a:buFont typeface="Wingdings" charset="2"/>
+              <a:buChar char=""/>
+            </a:pPr>
+            <a:r>
+              <a:rPr b="0" lang="pt-BR" sz="1800" spc="-1" strike="noStrike">
+                <a:solidFill>
+                  <a:srgbClr val="000000"/>
+                </a:solidFill>
+                <a:latin typeface="Arial"/>
+              </a:rPr>
+              <a:t>5.º nível de tópicos</a:t>
+            </a:r>
+            <a:endParaRPr b="0" lang="pt-BR" sz="1800" spc="-1" strike="noStrike">
+              <a:solidFill>
+                <a:srgbClr val="000000"/>
+              </a:solidFill>
+              <a:latin typeface="Arial"/>
+            </a:endParaRPr>
+          </a:p>
+          <a:p>
+            <a:pPr lvl="5" marL="2592000" indent="-216000">
+              <a:spcBef>
+                <a:spcPts val="283"/>
+              </a:spcBef>
+              <a:buClr>
+                <a:srgbClr val="000000"/>
+              </a:buClr>
+              <a:buSzPct val="45000"/>
+              <a:buFont typeface="Wingdings" charset="2"/>
+              <a:buChar char=""/>
+            </a:pPr>
+            <a:r>
+              <a:rPr b="0" lang="pt-BR" sz="1800" spc="-1" strike="noStrike">
+                <a:solidFill>
+                  <a:srgbClr val="000000"/>
+                </a:solidFill>
+                <a:latin typeface="Arial"/>
+              </a:rPr>
+              <a:t>6.º nível de tópicos</a:t>
+            </a:r>
+            <a:endParaRPr b="0" lang="pt-BR" sz="1800" spc="-1" strike="noStrike">
+              <a:solidFill>
+                <a:srgbClr val="000000"/>
+              </a:solidFill>
+              <a:latin typeface="Arial"/>
+            </a:endParaRPr>
+          </a:p>
+          <a:p>
+            <a:pPr lvl="6" marL="3024000" indent="-216000">
+              <a:spcBef>
+                <a:spcPts val="283"/>
+              </a:spcBef>
+              <a:buClr>
+                <a:srgbClr val="000000"/>
+              </a:buClr>
+              <a:buSzPct val="45000"/>
+              <a:buFont typeface="Wingdings" charset="2"/>
+              <a:buChar char=""/>
+            </a:pPr>
+            <a:r>
+              <a:rPr b="0" lang="pt-BR" sz="1800" spc="-1" strike="noStrike">
+                <a:solidFill>
+                  <a:srgbClr val="000000"/>
+                </a:solidFill>
+                <a:latin typeface="Arial"/>
+              </a:rPr>
+              <a:t>7.º nível de tópicos</a:t>
+            </a:r>
+            <a:endParaRPr b="0" lang="pt-BR" sz="1800" spc="-1" strike="noStrike">
+              <a:solidFill>
+                <a:srgbClr val="000000"/>
+              </a:solidFill>
+              <a:latin typeface="Arial"/>
+            </a:endParaRPr>
+          </a:p>
+        </p:txBody>
+      </p:sp>
+      <p:sp>
+        <p:nvSpPr>
+          <p:cNvPr id="51" name="PlaceHolder 3"/>
           <p:cNvSpPr>
             <a:spLocks noGrp="1"/>
           </p:cNvSpPr>
@@ -2701,7 +2829,7 @@
         <p:spPr>
           <a:xfrm>
             <a:off x="6328800" y="9296280"/>
-            <a:ext cx="339840" cy="324000"/>
+            <a:ext cx="339480" cy="323640"/>
           </a:xfrm>
           <a:prstGeom prst="rect">
             <a:avLst/>
@@ -2715,11 +2843,37 @@
           <a:bodyPr lIns="50760" rIns="50760" tIns="50760" bIns="50760" anchor="t">
             <a:noAutofit/>
           </a:bodyPr>
+          <a:lstStyle>
+            <a:lvl1pPr indent="0">
+              <a:lnSpc>
+                <a:spcPct val="100000"/>
+              </a:lnSpc>
+              <a:buNone/>
+              <a:defRPr b="0" lang="pt-BR" sz="1400" spc="-1" strike="noStrike">
+                <a:solidFill>
+                  <a:srgbClr val="000000"/>
+                </a:solidFill>
+                <a:latin typeface="Times New Roman"/>
+              </a:defRPr>
+            </a:lvl1pPr>
+          </a:lstStyle>
           <a:p>
             <a:pPr indent="0">
+              <a:lnSpc>
+                <a:spcPct val="100000"/>
+              </a:lnSpc>
               <a:buNone/>
             </a:pPr>
-            <a:endParaRPr b="0" lang="en-US" sz="1600" spc="-1" strike="noStrike">
+            <a:fld id="{F3488CCF-2105-4C68-B493-84E977627BAE}" type="slidenum">
+              <a:rPr b="0" lang="pt-BR" sz="1400" spc="-1" strike="noStrike">
+                <a:solidFill>
+                  <a:srgbClr val="000000"/>
+                </a:solidFill>
+                <a:latin typeface="Times New Roman"/>
+              </a:rPr>
+              <a:t>&lt;número&gt;</a:t>
+            </a:fld>
+            <a:endParaRPr b="0" lang="pt-BR" sz="1400" spc="-1" strike="noStrike">
               <a:solidFill>
                 <a:srgbClr val="000000"/>
               </a:solidFill>
@@ -2773,46 +2927,39 @@
         </p:nvSpPr>
         <p:spPr>
           <a:xfrm>
-            <a:off x="952560" y="254160"/>
-            <a:ext cx="11099520" cy="2158560"/>
+            <a:off x="650160" y="389160"/>
+            <a:ext cx="11703240" cy="1627920"/>
           </a:xfrm>
           <a:prstGeom prst="rect">
             <a:avLst/>
           </a:prstGeom>
           <a:noFill/>
-          <a:ln w="12600">
+          <a:ln w="0">
             <a:noFill/>
           </a:ln>
         </p:spPr>
         <p:txBody>
-          <a:bodyPr lIns="50760" rIns="50760" tIns="50760" bIns="50760" anchor="ctr">
+          <a:bodyPr lIns="0" rIns="0" tIns="0" bIns="0" anchor="ctr">
             <a:noAutofit/>
           </a:bodyPr>
           <a:p>
-            <a:pPr indent="0" algn="ctr" defTabSz="584280">
-              <a:lnSpc>
-                <a:spcPct val="100000"/>
-              </a:lnSpc>
+            <a:pPr indent="0">
               <a:buNone/>
-              <a:tabLst>
-                <a:tab algn="l" pos="0"/>
-              </a:tabLst>
-            </a:pPr>
-            <a:r>
-              <a:rPr b="0" lang="en-US" sz="8000" spc="-1" strike="noStrike">
-                <a:solidFill>
-                  <a:srgbClr val="000000"/>
-                </a:solidFill>
-                <a:latin typeface="Helvetica Neue Medium"/>
-                <a:ea typeface="Helvetica Neue Medium"/>
-              </a:rPr>
-              <a:t>Texto do título</a:t>
-            </a:r>
-            <a:endParaRPr b="0" lang="en-US" sz="8000" spc="-1" strike="noStrike">
-              <a:solidFill>
-                <a:srgbClr val="000000"/>
-              </a:solidFill>
-              <a:latin typeface="Helvetica Neue"/>
+            </a:pPr>
+            <a:r>
+              <a:rPr b="0" lang="pt-BR" sz="1800" spc="-1" strike="noStrike">
+                <a:solidFill>
+                  <a:srgbClr val="000000"/>
+                </a:solidFill>
+                <a:latin typeface="Arial"/>
+              </a:rPr>
+              <a:t>Clique para editar o formato do texto do título</a:t>
+            </a:r>
+            <a:endParaRPr b="0" lang="pt-BR" sz="1800" spc="-1" strike="noStrike">
+              <a:solidFill>
+                <a:srgbClr val="000000"/>
+              </a:solidFill>
+              <a:latin typeface="Arial"/>
             </a:endParaRPr>
           </a:p>
         </p:txBody>
@@ -2829,179 +2976,215 @@
         </p:nvSpPr>
         <p:spPr>
           <a:xfrm>
-            <a:off x="952560" y="2590920"/>
-            <a:ext cx="11099520" cy="6286320"/>
+            <a:off x="650160" y="2282040"/>
+            <a:ext cx="11703240" cy="5655960"/>
           </a:xfrm>
           <a:prstGeom prst="rect">
             <a:avLst/>
           </a:prstGeom>
           <a:noFill/>
-          <a:ln w="12600">
+          <a:ln w="0">
             <a:noFill/>
           </a:ln>
         </p:spPr>
         <p:txBody>
-          <a:bodyPr lIns="50760" rIns="50760" tIns="50760" bIns="50760" anchor="ctr">
-            <a:noAutofit/>
+          <a:bodyPr lIns="0" rIns="0" tIns="0" bIns="0" anchor="t">
+            <a:normAutofit/>
           </a:bodyPr>
           <a:p>
-            <a:pPr marL="444600" indent="-444600" defTabSz="584280">
-              <a:lnSpc>
-                <a:spcPct val="100000"/>
-              </a:lnSpc>
-              <a:spcBef>
-                <a:spcPts val="4201"/>
+            <a:pPr marL="432000" indent="-324000">
+              <a:spcBef>
+                <a:spcPts val="1417"/>
               </a:spcBef>
               <a:buClr>
                 <a:srgbClr val="000000"/>
               </a:buClr>
-              <a:buSzPct val="145000"/>
+              <a:buSzPct val="45000"/>
+              <a:buFont typeface="Wingdings" charset="2"/>
+              <a:buChar char=""/>
+            </a:pPr>
+            <a:r>
+              <a:rPr b="0" lang="pt-BR" sz="1800" spc="-1" strike="noStrike">
+                <a:solidFill>
+                  <a:srgbClr val="000000"/>
+                </a:solidFill>
+                <a:latin typeface="Arial"/>
+              </a:rPr>
+              <a:t>Clique para editar o formato de texto dos tópicos</a:t>
+            </a:r>
+            <a:endParaRPr b="0" lang="pt-BR" sz="1800" spc="-1" strike="noStrike">
+              <a:solidFill>
+                <a:srgbClr val="000000"/>
+              </a:solidFill>
+              <a:latin typeface="Arial"/>
+            </a:endParaRPr>
+          </a:p>
+          <a:p>
+            <a:pPr lvl="1" marL="864000" indent="-324000">
+              <a:spcBef>
+                <a:spcPts val="1134"/>
+              </a:spcBef>
+              <a:buClr>
+                <a:srgbClr val="000000"/>
+              </a:buClr>
+              <a:buSzPct val="75000"/>
               <a:buFont typeface="Symbol" charset="2"/>
-              <a:buChar char=""/>
-            </a:pPr>
-            <a:r>
-              <a:rPr b="0" lang="en-US" sz="3200" spc="-1" strike="noStrike">
-                <a:solidFill>
-                  <a:srgbClr val="000000"/>
-                </a:solidFill>
-                <a:latin typeface="Helvetica Neue"/>
-                <a:ea typeface="Helvetica Neue"/>
-              </a:rPr>
-              <a:t>Nível um</a:t>
-            </a:r>
-            <a:endParaRPr b="0" lang="en-US" sz="3200" spc="-1" strike="noStrike">
-              <a:solidFill>
-                <a:srgbClr val="000000"/>
-              </a:solidFill>
-              <a:latin typeface="Helvetica Neue"/>
-            </a:endParaRPr>
-          </a:p>
-          <a:p>
-            <a:pPr lvl="1" marL="888840" indent="-444600" defTabSz="584280">
-              <a:lnSpc>
-                <a:spcPct val="100000"/>
-              </a:lnSpc>
-              <a:spcBef>
-                <a:spcPts val="4201"/>
+              <a:buChar char=""/>
+            </a:pPr>
+            <a:r>
+              <a:rPr b="0" lang="pt-BR" sz="1800" spc="-1" strike="noStrike">
+                <a:solidFill>
+                  <a:srgbClr val="000000"/>
+                </a:solidFill>
+                <a:latin typeface="Arial"/>
+              </a:rPr>
+              <a:t>2.º nível de tópicos</a:t>
+            </a:r>
+            <a:endParaRPr b="0" lang="pt-BR" sz="1800" spc="-1" strike="noStrike">
+              <a:solidFill>
+                <a:srgbClr val="000000"/>
+              </a:solidFill>
+              <a:latin typeface="Arial"/>
+            </a:endParaRPr>
+          </a:p>
+          <a:p>
+            <a:pPr lvl="2" marL="1296000" indent="-288000">
+              <a:spcBef>
+                <a:spcPts val="850"/>
               </a:spcBef>
               <a:buClr>
                 <a:srgbClr val="000000"/>
               </a:buClr>
-              <a:buSzPct val="145000"/>
+              <a:buSzPct val="45000"/>
+              <a:buFont typeface="Wingdings" charset="2"/>
+              <a:buChar char=""/>
+            </a:pPr>
+            <a:r>
+              <a:rPr b="0" lang="pt-BR" sz="1800" spc="-1" strike="noStrike">
+                <a:solidFill>
+                  <a:srgbClr val="000000"/>
+                </a:solidFill>
+                <a:latin typeface="Arial"/>
+              </a:rPr>
+              <a:t>3.º nível de tópicos</a:t>
+            </a:r>
+            <a:endParaRPr b="0" lang="pt-BR" sz="1800" spc="-1" strike="noStrike">
+              <a:solidFill>
+                <a:srgbClr val="000000"/>
+              </a:solidFill>
+              <a:latin typeface="Arial"/>
+            </a:endParaRPr>
+          </a:p>
+          <a:p>
+            <a:pPr lvl="3" marL="1728000" indent="-216000">
+              <a:spcBef>
+                <a:spcPts val="567"/>
+              </a:spcBef>
+              <a:buClr>
+                <a:srgbClr val="000000"/>
+              </a:buClr>
+              <a:buSzPct val="75000"/>
               <a:buFont typeface="Symbol" charset="2"/>
-              <a:buChar char=""/>
-            </a:pPr>
-            <a:r>
-              <a:rPr b="0" lang="en-US" sz="3200" spc="-1" strike="noStrike">
-                <a:solidFill>
-                  <a:srgbClr val="000000"/>
-                </a:solidFill>
-                <a:latin typeface="Helvetica Neue"/>
-                <a:ea typeface="Helvetica Neue"/>
-              </a:rPr>
-              <a:t>Nível dois</a:t>
-            </a:r>
-            <a:endParaRPr b="0" lang="en-US" sz="3200" spc="-1" strike="noStrike">
-              <a:solidFill>
-                <a:srgbClr val="000000"/>
-              </a:solidFill>
-              <a:latin typeface="Helvetica Neue"/>
-            </a:endParaRPr>
-          </a:p>
-          <a:p>
-            <a:pPr lvl="2" marL="1333440" indent="-444600" defTabSz="584280">
-              <a:lnSpc>
-                <a:spcPct val="100000"/>
-              </a:lnSpc>
-              <a:spcBef>
-                <a:spcPts val="4201"/>
+              <a:buChar char=""/>
+            </a:pPr>
+            <a:r>
+              <a:rPr b="0" lang="pt-BR" sz="1800" spc="-1" strike="noStrike">
+                <a:solidFill>
+                  <a:srgbClr val="000000"/>
+                </a:solidFill>
+                <a:latin typeface="Arial"/>
+              </a:rPr>
+              <a:t>4.º nível de tópicos</a:t>
+            </a:r>
+            <a:endParaRPr b="0" lang="pt-BR" sz="1800" spc="-1" strike="noStrike">
+              <a:solidFill>
+                <a:srgbClr val="000000"/>
+              </a:solidFill>
+              <a:latin typeface="Arial"/>
+            </a:endParaRPr>
+          </a:p>
+          <a:p>
+            <a:pPr lvl="4" marL="2160000" indent="-216000">
+              <a:spcBef>
+                <a:spcPts val="283"/>
               </a:spcBef>
               <a:buClr>
                 <a:srgbClr val="000000"/>
               </a:buClr>
-              <a:buSzPct val="145000"/>
-              <a:buFont typeface="Symbol" charset="2"/>
-              <a:buChar char=""/>
-            </a:pPr>
-            <a:r>
-              <a:rPr b="0" lang="en-US" sz="3200" spc="-1" strike="noStrike">
-                <a:solidFill>
-                  <a:srgbClr val="000000"/>
-                </a:solidFill>
-                <a:latin typeface="Helvetica Neue"/>
-                <a:ea typeface="Helvetica Neue"/>
-              </a:rPr>
-              <a:t>Nível três</a:t>
-            </a:r>
-            <a:endParaRPr b="0" lang="en-US" sz="3200" spc="-1" strike="noStrike">
-              <a:solidFill>
-                <a:srgbClr val="000000"/>
-              </a:solidFill>
-              <a:latin typeface="Helvetica Neue"/>
-            </a:endParaRPr>
-          </a:p>
-          <a:p>
-            <a:pPr lvl="3" marL="1778040" indent="-444600" defTabSz="584280">
-              <a:lnSpc>
-                <a:spcPct val="100000"/>
-              </a:lnSpc>
-              <a:spcBef>
-                <a:spcPts val="4201"/>
+              <a:buSzPct val="45000"/>
+              <a:buFont typeface="Wingdings" charset="2"/>
+              <a:buChar char=""/>
+            </a:pPr>
+            <a:r>
+              <a:rPr b="0" lang="pt-BR" sz="1800" spc="-1" strike="noStrike">
+                <a:solidFill>
+                  <a:srgbClr val="000000"/>
+                </a:solidFill>
+                <a:latin typeface="Arial"/>
+              </a:rPr>
+              <a:t>5.º nível de tópicos</a:t>
+            </a:r>
+            <a:endParaRPr b="0" lang="pt-BR" sz="1800" spc="-1" strike="noStrike">
+              <a:solidFill>
+                <a:srgbClr val="000000"/>
+              </a:solidFill>
+              <a:latin typeface="Arial"/>
+            </a:endParaRPr>
+          </a:p>
+          <a:p>
+            <a:pPr lvl="5" marL="2592000" indent="-216000">
+              <a:spcBef>
+                <a:spcPts val="283"/>
               </a:spcBef>
               <a:buClr>
                 <a:srgbClr val="000000"/>
               </a:buClr>
-              <a:buSzPct val="145000"/>
-              <a:buFont typeface="Symbol" charset="2"/>
-              <a:buChar char=""/>
-            </a:pPr>
-            <a:r>
-              <a:rPr b="0" lang="en-US" sz="3200" spc="-1" strike="noStrike">
-                <a:solidFill>
-                  <a:srgbClr val="000000"/>
-                </a:solidFill>
-                <a:latin typeface="Helvetica Neue"/>
-                <a:ea typeface="Helvetica Neue"/>
-              </a:rPr>
-              <a:t>Nível quatro</a:t>
-            </a:r>
-            <a:endParaRPr b="0" lang="en-US" sz="3200" spc="-1" strike="noStrike">
-              <a:solidFill>
-                <a:srgbClr val="000000"/>
-              </a:solidFill>
-              <a:latin typeface="Helvetica Neue"/>
-            </a:endParaRPr>
-          </a:p>
-          <a:p>
-            <a:pPr lvl="4" marL="2222640" indent="-444600" defTabSz="584280">
-              <a:lnSpc>
-                <a:spcPct val="100000"/>
-              </a:lnSpc>
-              <a:spcBef>
-                <a:spcPts val="4201"/>
+              <a:buSzPct val="45000"/>
+              <a:buFont typeface="Wingdings" charset="2"/>
+              <a:buChar char=""/>
+            </a:pPr>
+            <a:r>
+              <a:rPr b="0" lang="pt-BR" sz="1800" spc="-1" strike="noStrike">
+                <a:solidFill>
+                  <a:srgbClr val="000000"/>
+                </a:solidFill>
+                <a:latin typeface="Arial"/>
+              </a:rPr>
+              <a:t>6.º nível de tópicos</a:t>
+            </a:r>
+            <a:endParaRPr b="0" lang="pt-BR" sz="1800" spc="-1" strike="noStrike">
+              <a:solidFill>
+                <a:srgbClr val="000000"/>
+              </a:solidFill>
+              <a:latin typeface="Arial"/>
+            </a:endParaRPr>
+          </a:p>
+          <a:p>
+            <a:pPr lvl="6" marL="3024000" indent="-216000">
+              <a:spcBef>
+                <a:spcPts val="283"/>
               </a:spcBef>
               <a:buClr>
                 <a:srgbClr val="000000"/>
               </a:buClr>
-              <a:buSzPct val="145000"/>
-              <a:buFont typeface="Symbol" charset="2"/>
-              <a:buChar char=""/>
-            </a:pPr>
-            <a:r>
-              <a:rPr b="0" lang="en-US" sz="3200" spc="-1" strike="noStrike">
-                <a:solidFill>
-                  <a:srgbClr val="000000"/>
-                </a:solidFill>
-                <a:latin typeface="Helvetica Neue"/>
-                <a:ea typeface="Helvetica Neue"/>
-              </a:rPr>
-              <a:t>Nível cinco</a:t>
-            </a:r>
-            <a:endParaRPr b="0" lang="en-US" sz="3200" spc="-1" strike="noStrike">
-              <a:solidFill>
-                <a:srgbClr val="000000"/>
-              </a:solidFill>
-              <a:latin typeface="Helvetica Neue"/>
+              <a:buSzPct val="45000"/>
+              <a:buFont typeface="Wingdings" charset="2"/>
+              <a:buChar char=""/>
+            </a:pPr>
+            <a:r>
+              <a:rPr b="0" lang="pt-BR" sz="1800" spc="-1" strike="noStrike">
+                <a:solidFill>
+                  <a:srgbClr val="000000"/>
+                </a:solidFill>
+                <a:latin typeface="Arial"/>
+              </a:rPr>
+              <a:t>7.º nível de tópicos</a:t>
+            </a:r>
+            <a:endParaRPr b="0" lang="pt-BR" sz="1800" spc="-1" strike="noStrike">
+              <a:solidFill>
+                <a:srgbClr val="000000"/>
+              </a:solidFill>
+              <a:latin typeface="Arial"/>
             </a:endParaRPr>
           </a:p>
         </p:txBody>
@@ -3019,7 +3202,7 @@
         <p:spPr>
           <a:xfrm>
             <a:off x="6328800" y="9296280"/>
-            <a:ext cx="339840" cy="324000"/>
+            <a:ext cx="339480" cy="323640"/>
           </a:xfrm>
           <a:prstGeom prst="rect">
             <a:avLst/>
@@ -3033,11 +3216,37 @@
           <a:bodyPr lIns="50760" rIns="50760" tIns="50760" bIns="50760" anchor="t">
             <a:noAutofit/>
           </a:bodyPr>
+          <a:lstStyle>
+            <a:lvl1pPr indent="0">
+              <a:lnSpc>
+                <a:spcPct val="100000"/>
+              </a:lnSpc>
+              <a:buNone/>
+              <a:defRPr b="0" lang="pt-BR" sz="1400" spc="-1" strike="noStrike">
+                <a:solidFill>
+                  <a:srgbClr val="000000"/>
+                </a:solidFill>
+                <a:latin typeface="Times New Roman"/>
+              </a:defRPr>
+            </a:lvl1pPr>
+          </a:lstStyle>
           <a:p>
             <a:pPr indent="0">
+              <a:lnSpc>
+                <a:spcPct val="100000"/>
+              </a:lnSpc>
               <a:buNone/>
             </a:pPr>
-            <a:endParaRPr b="0" lang="en-US" sz="1600" spc="-1" strike="noStrike">
+            <a:fld id="{27E59AAE-2B70-4C2D-85CA-18D9146F2D56}" type="slidenum">
+              <a:rPr b="0" lang="pt-BR" sz="1400" spc="-1" strike="noStrike">
+                <a:solidFill>
+                  <a:srgbClr val="000000"/>
+                </a:solidFill>
+                <a:latin typeface="Times New Roman"/>
+              </a:rPr>
+              <a:t>&lt;número&gt;</a:t>
+            </a:fld>
+            <a:endParaRPr b="0" lang="pt-BR" sz="1400" spc="-1" strike="noStrike">
               <a:solidFill>
                 <a:srgbClr val="000000"/>
               </a:solidFill>
@@ -3086,13 +3295,13 @@
             <a:spLocks noGrp="1"/>
           </p:cNvSpPr>
           <p:nvPr>
-            <p:ph type="body"/>
+            <p:ph type="title"/>
           </p:nvPr>
         </p:nvSpPr>
         <p:spPr>
           <a:xfrm>
-            <a:off x="3809880" y="2590920"/>
-            <a:ext cx="9429480" cy="6286320"/>
+            <a:off x="650160" y="389160"/>
+            <a:ext cx="11703240" cy="1627920"/>
           </a:xfrm>
           <a:prstGeom prst="rect">
             <a:avLst/>
@@ -3103,203 +3312,27 @@
           </a:ln>
         </p:spPr>
         <p:txBody>
-          <a:bodyPr lIns="91440" rIns="91440" tIns="45720" bIns="45720" anchor="t">
+          <a:bodyPr lIns="0" rIns="0" tIns="0" bIns="0" anchor="ctr">
             <a:noAutofit/>
           </a:bodyPr>
           <a:p>
-            <a:pPr marL="432000" indent="-324000">
-              <a:spcBef>
-                <a:spcPts val="1417"/>
-              </a:spcBef>
-              <a:buClr>
-                <a:srgbClr val="000000"/>
-              </a:buClr>
-              <a:buSzPct val="45000"/>
-              <a:buFont typeface="Wingdings" charset="2"/>
-              <a:buChar char=""/>
-            </a:pPr>
-            <a:r>
-              <a:rPr b="0" lang="en-US" sz="3200" spc="-1" strike="noStrike">
-                <a:solidFill>
-                  <a:srgbClr val="000000"/>
-                </a:solidFill>
-                <a:latin typeface="Helvetica Neue"/>
-              </a:rPr>
-              <a:t>Click to edit the outline text format</a:t>
-            </a:r>
-            <a:endParaRPr b="0" lang="en-US" sz="3200" spc="-1" strike="noStrike">
-              <a:solidFill>
-                <a:srgbClr val="000000"/>
-              </a:solidFill>
-              <a:latin typeface="Helvetica Neue"/>
-            </a:endParaRPr>
-          </a:p>
-          <a:p>
-            <a:pPr lvl="1" marL="864000" indent="-324000">
-              <a:spcBef>
-                <a:spcPts val="1134"/>
-              </a:spcBef>
-              <a:buClr>
-                <a:srgbClr val="000000"/>
-              </a:buClr>
-              <a:buSzPct val="75000"/>
-              <a:buFont typeface="Symbol" charset="2"/>
-              <a:buChar char=""/>
-            </a:pPr>
-            <a:r>
-              <a:rPr b="0" lang="en-US" sz="3200" spc="-1" strike="noStrike">
-                <a:solidFill>
-                  <a:srgbClr val="000000"/>
-                </a:solidFill>
-                <a:latin typeface="Helvetica Neue"/>
-              </a:rPr>
-              <a:t>Second Outline Level</a:t>
-            </a:r>
-            <a:endParaRPr b="0" lang="en-US" sz="3200" spc="-1" strike="noStrike">
-              <a:solidFill>
-                <a:srgbClr val="000000"/>
-              </a:solidFill>
-              <a:latin typeface="Helvetica Neue"/>
-            </a:endParaRPr>
-          </a:p>
-          <a:p>
-            <a:pPr lvl="2" marL="1296000" indent="-288000">
-              <a:spcBef>
-                <a:spcPts val="850"/>
-              </a:spcBef>
-              <a:buClr>
-                <a:srgbClr val="000000"/>
-              </a:buClr>
-              <a:buSzPct val="45000"/>
-              <a:buFont typeface="Wingdings" charset="2"/>
-              <a:buChar char=""/>
-            </a:pPr>
-            <a:r>
-              <a:rPr b="0" lang="en-US" sz="3200" spc="-1" strike="noStrike">
-                <a:solidFill>
-                  <a:srgbClr val="000000"/>
-                </a:solidFill>
-                <a:latin typeface="Helvetica Neue"/>
-              </a:rPr>
-              <a:t>Third Outline Level</a:t>
-            </a:r>
-            <a:endParaRPr b="0" lang="en-US" sz="3200" spc="-1" strike="noStrike">
-              <a:solidFill>
-                <a:srgbClr val="000000"/>
-              </a:solidFill>
-              <a:latin typeface="Helvetica Neue"/>
-            </a:endParaRPr>
-          </a:p>
-          <a:p>
-            <a:pPr lvl="3" marL="1728000" indent="-216000">
-              <a:spcBef>
-                <a:spcPts val="567"/>
-              </a:spcBef>
-              <a:buClr>
-                <a:srgbClr val="000000"/>
-              </a:buClr>
-              <a:buSzPct val="75000"/>
-              <a:buFont typeface="Symbol" charset="2"/>
-              <a:buChar char=""/>
-            </a:pPr>
-            <a:r>
-              <a:rPr b="0" lang="en-US" sz="3200" spc="-1" strike="noStrike">
-                <a:solidFill>
-                  <a:srgbClr val="000000"/>
-                </a:solidFill>
-                <a:latin typeface="Helvetica Neue"/>
-              </a:rPr>
-              <a:t>Fourth Outline Level</a:t>
-            </a:r>
-            <a:endParaRPr b="0" lang="en-US" sz="3200" spc="-1" strike="noStrike">
-              <a:solidFill>
-                <a:srgbClr val="000000"/>
-              </a:solidFill>
-              <a:latin typeface="Helvetica Neue"/>
-            </a:endParaRPr>
-          </a:p>
-          <a:p>
-            <a:pPr lvl="4" marL="2160000" indent="-216000">
-              <a:spcBef>
-                <a:spcPts val="283"/>
-              </a:spcBef>
-              <a:buClr>
-                <a:srgbClr val="000000"/>
-              </a:buClr>
-              <a:buSzPct val="45000"/>
-              <a:buFont typeface="Wingdings" charset="2"/>
-              <a:buChar char=""/>
-            </a:pPr>
-            <a:r>
-              <a:rPr b="0" lang="en-US" sz="3200" spc="-1" strike="noStrike">
-                <a:solidFill>
-                  <a:srgbClr val="000000"/>
-                </a:solidFill>
-                <a:latin typeface="Helvetica Neue"/>
-              </a:rPr>
-              <a:t>Fifth Outline Level</a:t>
-            </a:r>
-            <a:endParaRPr b="0" lang="en-US" sz="3200" spc="-1" strike="noStrike">
-              <a:solidFill>
-                <a:srgbClr val="000000"/>
-              </a:solidFill>
-              <a:latin typeface="Helvetica Neue"/>
-            </a:endParaRPr>
-          </a:p>
-          <a:p>
-            <a:pPr lvl="5" marL="2592000" indent="-216000">
-              <a:spcBef>
-                <a:spcPts val="283"/>
-              </a:spcBef>
-              <a:buClr>
-                <a:srgbClr val="000000"/>
-              </a:buClr>
-              <a:buSzPct val="45000"/>
-              <a:buFont typeface="Wingdings" charset="2"/>
-              <a:buChar char=""/>
-            </a:pPr>
-            <a:r>
-              <a:rPr b="0" lang="en-US" sz="3200" spc="-1" strike="noStrike">
-                <a:solidFill>
-                  <a:srgbClr val="000000"/>
-                </a:solidFill>
-                <a:latin typeface="Helvetica Neue"/>
-              </a:rPr>
-              <a:t>Sixth Outline Level</a:t>
-            </a:r>
-            <a:endParaRPr b="0" lang="en-US" sz="3200" spc="-1" strike="noStrike">
-              <a:solidFill>
-                <a:srgbClr val="000000"/>
-              </a:solidFill>
-              <a:latin typeface="Helvetica Neue"/>
-            </a:endParaRPr>
-          </a:p>
-          <a:p>
-            <a:pPr lvl="6" marL="3024000" indent="-216000">
-              <a:spcBef>
-                <a:spcPts val="283"/>
-              </a:spcBef>
-              <a:buClr>
-                <a:srgbClr val="000000"/>
-              </a:buClr>
-              <a:buSzPct val="45000"/>
-              <a:buFont typeface="Wingdings" charset="2"/>
-              <a:buChar char=""/>
-            </a:pPr>
-            <a:r>
-              <a:rPr b="0" lang="en-US" sz="3200" spc="-1" strike="noStrike">
-                <a:solidFill>
-                  <a:srgbClr val="000000"/>
-                </a:solidFill>
-                <a:latin typeface="Helvetica Neue"/>
-              </a:rPr>
-              <a:t>Seventh Outline Level</a:t>
-            </a:r>
-            <a:endParaRPr b="0" lang="en-US" sz="3200" spc="-1" strike="noStrike">
-              <a:solidFill>
-                <a:srgbClr val="000000"/>
-              </a:solidFill>
-              <a:latin typeface="Helvetica Neue"/>
+            <a:pPr indent="0">
+              <a:buNone/>
+            </a:pPr>
+            <a:r>
+              <a:rPr b="0" lang="pt-BR" sz="1800" spc="-1" strike="noStrike">
+                <a:solidFill>
+                  <a:srgbClr val="000000"/>
+                </a:solidFill>
+                <a:latin typeface="Arial"/>
+              </a:rPr>
+              <a:t>Clique para editar o formato do texto do título</a:t>
+            </a:r>
+            <a:endParaRPr b="0" lang="pt-BR" sz="1800" spc="-1" strike="noStrike">
+              <a:solidFill>
+                <a:srgbClr val="000000"/>
+              </a:solidFill>
+              <a:latin typeface="Arial"/>
             </a:endParaRPr>
           </a:p>
         </p:txBody>
@@ -3311,51 +3344,220 @@
             <a:spLocks noGrp="1"/>
           </p:cNvSpPr>
           <p:nvPr>
-            <p:ph type="title"/>
+            <p:ph type="body"/>
           </p:nvPr>
         </p:nvSpPr>
         <p:spPr>
           <a:xfrm>
-            <a:off x="952560" y="254160"/>
-            <a:ext cx="11099520" cy="2158560"/>
+            <a:off x="650160" y="2282040"/>
+            <a:ext cx="11703240" cy="5655960"/>
           </a:xfrm>
           <a:prstGeom prst="rect">
             <a:avLst/>
           </a:prstGeom>
           <a:noFill/>
-          <a:ln w="12600">
+          <a:ln w="0">
             <a:noFill/>
           </a:ln>
         </p:spPr>
         <p:txBody>
-          <a:bodyPr lIns="50760" rIns="50760" tIns="50760" bIns="50760" anchor="ctr">
-            <a:noAutofit/>
+          <a:bodyPr lIns="0" rIns="0" tIns="0" bIns="0" anchor="t">
+            <a:normAutofit/>
           </a:bodyPr>
           <a:p>
-            <a:pPr indent="0" algn="ctr" defTabSz="584280">
-              <a:lnSpc>
-                <a:spcPct val="100000"/>
-              </a:lnSpc>
-              <a:buNone/>
-              <a:tabLst>
-                <a:tab algn="l" pos="0"/>
-              </a:tabLst>
-            </a:pPr>
-            <a:r>
-              <a:rPr b="0" lang="en-US" sz="8000" spc="-1" strike="noStrike">
-                <a:solidFill>
-                  <a:srgbClr val="000000"/>
-                </a:solidFill>
-                <a:latin typeface="Helvetica Neue Medium"/>
-                <a:ea typeface="Helvetica Neue Medium"/>
-              </a:rPr>
-              <a:t>Texto do título</a:t>
-            </a:r>
-            <a:endParaRPr b="0" lang="en-US" sz="8000" spc="-1" strike="noStrike">
-              <a:solidFill>
-                <a:srgbClr val="000000"/>
-              </a:solidFill>
-              <a:latin typeface="Helvetica Neue"/>
+            <a:pPr marL="432000" indent="-324000">
+              <a:spcBef>
+                <a:spcPts val="1417"/>
+              </a:spcBef>
+              <a:buClr>
+                <a:srgbClr val="000000"/>
+              </a:buClr>
+              <a:buSzPct val="45000"/>
+              <a:buFont typeface="Wingdings" charset="2"/>
+              <a:buChar char=""/>
+            </a:pPr>
+            <a:r>
+              <a:rPr b="0" lang="pt-BR" sz="1800" spc="-1" strike="noStrike">
+                <a:solidFill>
+                  <a:srgbClr val="000000"/>
+                </a:solidFill>
+                <a:latin typeface="Arial"/>
+              </a:rPr>
+              <a:t>Clique para editar o formato de texto dos tópicos</a:t>
+            </a:r>
+            <a:endParaRPr b="0" lang="pt-BR" sz="1800" spc="-1" strike="noStrike">
+              <a:solidFill>
+                <a:srgbClr val="000000"/>
+              </a:solidFill>
+              <a:latin typeface="Arial"/>
+            </a:endParaRPr>
+          </a:p>
+          <a:p>
+            <a:pPr lvl="1" marL="864000" indent="-324000">
+              <a:spcBef>
+                <a:spcPts val="1134"/>
+              </a:spcBef>
+              <a:buClr>
+                <a:srgbClr val="000000"/>
+              </a:buClr>
+              <a:buSzPct val="75000"/>
+              <a:buFont typeface="Symbol" charset="2"/>
+              <a:buChar char=""/>
+            </a:pPr>
+            <a:r>
+              <a:rPr b="0" lang="pt-BR" sz="1800" spc="-1" strike="noStrike">
+                <a:solidFill>
+                  <a:srgbClr val="000000"/>
+                </a:solidFill>
+                <a:latin typeface="Arial"/>
+              </a:rPr>
+              <a:t>2.º nível de tópicos</a:t>
+            </a:r>
+            <a:endParaRPr b="0" lang="pt-BR" sz="1800" spc="-1" strike="noStrike">
+              <a:solidFill>
+                <a:srgbClr val="000000"/>
+              </a:solidFill>
+              <a:latin typeface="Arial"/>
+            </a:endParaRPr>
+          </a:p>
+          <a:p>
+            <a:pPr lvl="2" marL="1296000" indent="-288000">
+              <a:spcBef>
+                <a:spcPts val="850"/>
+              </a:spcBef>
+              <a:buClr>
+                <a:srgbClr val="000000"/>
+              </a:buClr>
+              <a:buSzPct val="45000"/>
+              <a:buFont typeface="Wingdings" charset="2"/>
+              <a:buChar char=""/>
+            </a:pPr>
+            <a:r>
+              <a:rPr b="0" lang="pt-BR" sz="1800" spc="-1" strike="noStrike">
+                <a:solidFill>
+                  <a:srgbClr val="000000"/>
+                </a:solidFill>
+                <a:latin typeface="Arial"/>
+              </a:rPr>
+              <a:t>3.º nível de tópicos</a:t>
+            </a:r>
+            <a:endParaRPr b="0" lang="pt-BR" sz="1800" spc="-1" strike="noStrike">
+              <a:solidFill>
+                <a:srgbClr val="000000"/>
+              </a:solidFill>
+              <a:latin typeface="Arial"/>
+            </a:endParaRPr>
+          </a:p>
+          <a:p>
+            <a:pPr lvl="3" marL="1728000" indent="-216000">
+              <a:spcBef>
+                <a:spcPts val="567"/>
+              </a:spcBef>
+              <a:buClr>
+                <a:srgbClr val="000000"/>
+              </a:buClr>
+              <a:buSzPct val="75000"/>
+              <a:buFont typeface="Symbol" charset="2"/>
+              <a:buChar char=""/>
+            </a:pPr>
+            <a:r>
+              <a:rPr b="0" lang="pt-BR" sz="1800" spc="-1" strike="noStrike">
+                <a:solidFill>
+                  <a:srgbClr val="000000"/>
+                </a:solidFill>
+                <a:latin typeface="Arial"/>
+              </a:rPr>
+              <a:t>4.º nível de tópicos</a:t>
+            </a:r>
+            <a:endParaRPr b="0" lang="pt-BR" sz="1800" spc="-1" strike="noStrike">
+              <a:solidFill>
+                <a:srgbClr val="000000"/>
+              </a:solidFill>
+              <a:latin typeface="Arial"/>
+            </a:endParaRPr>
+          </a:p>
+          <a:p>
+            <a:pPr lvl="4" marL="2160000" indent="-216000">
+              <a:spcBef>
+                <a:spcPts val="283"/>
+              </a:spcBef>
+              <a:buClr>
+                <a:srgbClr val="000000"/>
+              </a:buClr>
+              <a:buSzPct val="45000"/>
+              <a:buFont typeface="Wingdings" charset="2"/>
+              <a:buChar char=""/>
+            </a:pPr>
+            <a:r>
+              <a:rPr b="0" lang="pt-BR" sz="1800" spc="-1" strike="noStrike">
+                <a:solidFill>
+                  <a:srgbClr val="000000"/>
+                </a:solidFill>
+                <a:latin typeface="Arial"/>
+              </a:rPr>
+              <a:t>5.º nível de tópicos</a:t>
+            </a:r>
+            <a:endParaRPr b="0" lang="pt-BR" sz="1800" spc="-1" strike="noStrike">
+              <a:solidFill>
+                <a:srgbClr val="000000"/>
+              </a:solidFill>
+              <a:latin typeface="Arial"/>
+            </a:endParaRPr>
+          </a:p>
+          <a:p>
+            <a:pPr lvl="5" marL="2592000" indent="-216000">
+              <a:spcBef>
+                <a:spcPts val="283"/>
+              </a:spcBef>
+              <a:buClr>
+                <a:srgbClr val="000000"/>
+              </a:buClr>
+              <a:buSzPct val="45000"/>
+              <a:buFont typeface="Wingdings" charset="2"/>
+              <a:buChar char=""/>
+            </a:pPr>
+            <a:r>
+              <a:rPr b="0" lang="pt-BR" sz="1800" spc="-1" strike="noStrike">
+                <a:solidFill>
+                  <a:srgbClr val="000000"/>
+                </a:solidFill>
+                <a:latin typeface="Arial"/>
+              </a:rPr>
+              <a:t>6.º nível de tópicos</a:t>
+            </a:r>
+            <a:endParaRPr b="0" lang="pt-BR" sz="1800" spc="-1" strike="noStrike">
+              <a:solidFill>
+                <a:srgbClr val="000000"/>
+              </a:solidFill>
+              <a:latin typeface="Arial"/>
+            </a:endParaRPr>
+          </a:p>
+          <a:p>
+            <a:pPr lvl="6" marL="3024000" indent="-216000">
+              <a:spcBef>
+                <a:spcPts val="283"/>
+              </a:spcBef>
+              <a:buClr>
+                <a:srgbClr val="000000"/>
+              </a:buClr>
+              <a:buSzPct val="45000"/>
+              <a:buFont typeface="Wingdings" charset="2"/>
+              <a:buChar char=""/>
+            </a:pPr>
+            <a:r>
+              <a:rPr b="0" lang="pt-BR" sz="1800" spc="-1" strike="noStrike">
+                <a:solidFill>
+                  <a:srgbClr val="000000"/>
+                </a:solidFill>
+                <a:latin typeface="Arial"/>
+              </a:rPr>
+              <a:t>7.º nível de tópicos</a:t>
+            </a:r>
+            <a:endParaRPr b="0" lang="pt-BR" sz="1800" spc="-1" strike="noStrike">
+              <a:solidFill>
+                <a:srgbClr val="000000"/>
+              </a:solidFill>
+              <a:latin typeface="Arial"/>
             </a:endParaRPr>
           </a:p>
         </p:txBody>
@@ -3363,195 +3565,6 @@
       <p:sp>
         <p:nvSpPr>
           <p:cNvPr id="61" name="PlaceHolder 3"/>
-          <p:cNvSpPr>
-            <a:spLocks noGrp="1"/>
-          </p:cNvSpPr>
-          <p:nvPr>
-            <p:ph type="body"/>
-          </p:nvPr>
-        </p:nvSpPr>
-        <p:spPr>
-          <a:xfrm>
-            <a:off x="952560" y="2590920"/>
-            <a:ext cx="5333760" cy="6286320"/>
-          </a:xfrm>
-          <a:prstGeom prst="rect">
-            <a:avLst/>
-          </a:prstGeom>
-          <a:noFill/>
-          <a:ln w="12600">
-            <a:noFill/>
-          </a:ln>
-        </p:spPr>
-        <p:txBody>
-          <a:bodyPr lIns="50760" rIns="50760" tIns="50760" bIns="50760" anchor="ctr">
-            <a:noAutofit/>
-          </a:bodyPr>
-          <a:p>
-            <a:pPr marL="343080" indent="-343080" defTabSz="584280">
-              <a:lnSpc>
-                <a:spcPct val="100000"/>
-              </a:lnSpc>
-              <a:spcBef>
-                <a:spcPts val="3200"/>
-              </a:spcBef>
-              <a:buClr>
-                <a:srgbClr val="000000"/>
-              </a:buClr>
-              <a:buSzPct val="145000"/>
-              <a:buFont typeface="Symbol" charset="2"/>
-              <a:buChar char=""/>
-            </a:pPr>
-            <a:r>
-              <a:rPr b="0" lang="en-US" sz="2800" spc="-1" strike="noStrike">
-                <a:solidFill>
-                  <a:srgbClr val="000000"/>
-                </a:solidFill>
-                <a:latin typeface="Helvetica Neue"/>
-                <a:ea typeface="Helvetica Neue"/>
-              </a:rPr>
-              <a:t>Nível um</a:t>
-            </a:r>
-            <a:endParaRPr b="0" lang="en-US" sz="2800" spc="-1" strike="noStrike">
-              <a:solidFill>
-                <a:srgbClr val="000000"/>
-              </a:solidFill>
-              <a:latin typeface="Helvetica Neue"/>
-            </a:endParaRPr>
-          </a:p>
-          <a:p>
-            <a:pPr lvl="1" marL="685800" indent="-343080" defTabSz="584280">
-              <a:lnSpc>
-                <a:spcPct val="100000"/>
-              </a:lnSpc>
-              <a:spcBef>
-                <a:spcPts val="3200"/>
-              </a:spcBef>
-              <a:buClr>
-                <a:srgbClr val="000000"/>
-              </a:buClr>
-              <a:buSzPct val="145000"/>
-              <a:buFont typeface="Symbol" charset="2"/>
-              <a:buChar char=""/>
-            </a:pPr>
-            <a:r>
-              <a:rPr b="0" lang="en-US" sz="2800" spc="-1" strike="noStrike">
-                <a:solidFill>
-                  <a:srgbClr val="000000"/>
-                </a:solidFill>
-                <a:latin typeface="Helvetica Neue"/>
-                <a:ea typeface="Helvetica Neue"/>
-              </a:rPr>
-              <a:t>Nível dois</a:t>
-            </a:r>
-            <a:endParaRPr b="0" lang="en-US" sz="2800" spc="-1" strike="noStrike">
-              <a:solidFill>
-                <a:srgbClr val="000000"/>
-              </a:solidFill>
-              <a:latin typeface="Helvetica Neue"/>
-            </a:endParaRPr>
-          </a:p>
-          <a:p>
-            <a:pPr lvl="2" marL="1028880" indent="-343080" defTabSz="584280">
-              <a:lnSpc>
-                <a:spcPct val="100000"/>
-              </a:lnSpc>
-              <a:spcBef>
-                <a:spcPts val="3200"/>
-              </a:spcBef>
-              <a:buClr>
-                <a:srgbClr val="000000"/>
-              </a:buClr>
-              <a:buSzPct val="145000"/>
-              <a:buFont typeface="Symbol" charset="2"/>
-              <a:buChar char=""/>
-            </a:pPr>
-            <a:r>
-              <a:rPr b="0" lang="en-US" sz="2800" spc="-1" strike="noStrike">
-                <a:solidFill>
-                  <a:srgbClr val="000000"/>
-                </a:solidFill>
-                <a:latin typeface="Helvetica Neue"/>
-                <a:ea typeface="Helvetica Neue"/>
-              </a:rPr>
-              <a:t>Nível três</a:t>
-            </a:r>
-            <a:endParaRPr b="0" lang="en-US" sz="2800" spc="-1" strike="noStrike">
-              <a:solidFill>
-                <a:srgbClr val="000000"/>
-              </a:solidFill>
-              <a:latin typeface="Helvetica Neue"/>
-            </a:endParaRPr>
-          </a:p>
-          <a:p>
-            <a:pPr lvl="3" marL="1371600" indent="-343080" defTabSz="584280">
-              <a:lnSpc>
-                <a:spcPct val="100000"/>
-              </a:lnSpc>
-              <a:spcBef>
-                <a:spcPts val="3200"/>
-              </a:spcBef>
-              <a:buClr>
-                <a:srgbClr val="000000"/>
-              </a:buClr>
-              <a:buSzPct val="145000"/>
-              <a:buFont typeface="Symbol" charset="2"/>
-              <a:buChar char=""/>
-            </a:pPr>
-            <a:r>
-              <a:rPr b="0" lang="en-US" sz="2800" spc="-1" strike="noStrike">
-                <a:solidFill>
-                  <a:srgbClr val="000000"/>
-                </a:solidFill>
-                <a:latin typeface="Helvetica Neue"/>
-                <a:ea typeface="Helvetica Neue"/>
-              </a:rPr>
-              <a:t>Nível quatro</a:t>
-            </a:r>
-            <a:endParaRPr b="0" lang="en-US" sz="2800" spc="-1" strike="noStrike">
-              <a:solidFill>
-                <a:srgbClr val="000000"/>
-              </a:solidFill>
-              <a:latin typeface="Helvetica Neue"/>
-            </a:endParaRPr>
-          </a:p>
-          <a:p>
-            <a:pPr lvl="4" marL="1714680" indent="-343080" defTabSz="584280">
-              <a:lnSpc>
-                <a:spcPct val="100000"/>
-              </a:lnSpc>
-              <a:spcBef>
-                <a:spcPts val="3200"/>
-              </a:spcBef>
-              <a:buClr>
-                <a:srgbClr val="000000"/>
-              </a:buClr>
-              <a:buSzPct val="145000"/>
-              <a:buFont typeface="Symbol" charset="2"/>
-              <a:buChar char=""/>
-            </a:pPr>
-            <a:r>
-              <a:rPr b="0" lang="en-US" sz="2800" spc="-1" strike="noStrike">
-                <a:solidFill>
-                  <a:srgbClr val="000000"/>
-                </a:solidFill>
-                <a:latin typeface="Helvetica Neue"/>
-                <a:ea typeface="Helvetica Neue"/>
-              </a:rPr>
-              <a:t>Nível cinco</a:t>
-            </a:r>
-            <a:endParaRPr b="0" lang="en-US" sz="2800" spc="-1" strike="noStrike">
-              <a:solidFill>
-                <a:srgbClr val="000000"/>
-              </a:solidFill>
-              <a:latin typeface="Helvetica Neue"/>
-            </a:endParaRPr>
-          </a:p>
-        </p:txBody>
-      </p:sp>
-      <p:sp>
-        <p:nvSpPr>
-          <p:cNvPr id="62" name="PlaceHolder 4"/>
           <p:cNvSpPr>
             <a:spLocks noGrp="1"/>
           </p:cNvSpPr>
@@ -3562,7 +3575,7 @@
         <p:spPr>
           <a:xfrm>
             <a:off x="6328800" y="9296280"/>
-            <a:ext cx="339840" cy="342720"/>
+            <a:ext cx="339480" cy="342360"/>
           </a:xfrm>
           <a:prstGeom prst="rect">
             <a:avLst/>
@@ -3576,11 +3589,37 @@
           <a:bodyPr lIns="50760" rIns="50760" tIns="50760" bIns="50760" anchor="t">
             <a:noAutofit/>
           </a:bodyPr>
+          <a:lstStyle>
+            <a:lvl1pPr indent="0">
+              <a:lnSpc>
+                <a:spcPct val="100000"/>
+              </a:lnSpc>
+              <a:buNone/>
+              <a:defRPr b="0" lang="pt-BR" sz="1400" spc="-1" strike="noStrike">
+                <a:solidFill>
+                  <a:srgbClr val="000000"/>
+                </a:solidFill>
+                <a:latin typeface="Times New Roman"/>
+              </a:defRPr>
+            </a:lvl1pPr>
+          </a:lstStyle>
           <a:p>
             <a:pPr indent="0">
+              <a:lnSpc>
+                <a:spcPct val="100000"/>
+              </a:lnSpc>
               <a:buNone/>
             </a:pPr>
-            <a:endParaRPr b="0" lang="en-US" sz="1600" spc="-1" strike="noStrike">
+            <a:fld id="{91ED37E3-DC3C-41AB-A609-88B0BC79D262}" type="slidenum">
+              <a:rPr b="0" lang="pt-BR" sz="1400" spc="-1" strike="noStrike">
+                <a:solidFill>
+                  <a:srgbClr val="000000"/>
+                </a:solidFill>
+                <a:latin typeface="Times New Roman"/>
+              </a:rPr>
+              <a:t>&lt;número&gt;</a:t>
+            </a:fld>
+            <a:endParaRPr b="0" lang="pt-BR" sz="1400" spc="-1" strike="noStrike">
               <a:solidFill>
                 <a:srgbClr val="000000"/>
               </a:solidFill>
@@ -3624,7 +3663,7 @@
       </p:grpSpPr>
       <p:sp>
         <p:nvSpPr>
-          <p:cNvPr id="65" name="PlaceHolder 1"/>
+          <p:cNvPr id="64" name="PlaceHolder 1"/>
           <p:cNvSpPr>
             <a:spLocks noGrp="1"/>
           </p:cNvSpPr>
@@ -3634,53 +3673,46 @@
         </p:nvSpPr>
         <p:spPr>
           <a:xfrm>
-            <a:off x="952560" y="254160"/>
-            <a:ext cx="11099520" cy="2158560"/>
+            <a:off x="650160" y="389160"/>
+            <a:ext cx="11703240" cy="1627920"/>
           </a:xfrm>
           <a:prstGeom prst="rect">
             <a:avLst/>
           </a:prstGeom>
           <a:noFill/>
-          <a:ln w="12600">
+          <a:ln w="0">
             <a:noFill/>
           </a:ln>
         </p:spPr>
         <p:txBody>
-          <a:bodyPr lIns="50760" rIns="50760" tIns="50760" bIns="50760" anchor="ctr">
+          <a:bodyPr lIns="0" rIns="0" tIns="0" bIns="0" anchor="ctr">
             <a:noAutofit/>
           </a:bodyPr>
           <a:p>
-            <a:pPr indent="0" algn="ctr" defTabSz="584280">
-              <a:lnSpc>
-                <a:spcPct val="100000"/>
-              </a:lnSpc>
+            <a:pPr indent="0">
               <a:buNone/>
-              <a:tabLst>
-                <a:tab algn="l" pos="0"/>
-              </a:tabLst>
-            </a:pPr>
-            <a:r>
-              <a:rPr b="0" lang="en-US" sz="8000" spc="-1" strike="noStrike">
-                <a:solidFill>
-                  <a:srgbClr val="000000"/>
-                </a:solidFill>
-                <a:latin typeface="Helvetica Neue Medium"/>
-                <a:ea typeface="Helvetica Neue Medium"/>
-              </a:rPr>
-              <a:t>Texto do título</a:t>
-            </a:r>
-            <a:endParaRPr b="0" lang="en-US" sz="8000" spc="-1" strike="noStrike">
-              <a:solidFill>
-                <a:srgbClr val="000000"/>
-              </a:solidFill>
-              <a:latin typeface="Helvetica Neue"/>
+            </a:pPr>
+            <a:r>
+              <a:rPr b="0" lang="pt-BR" sz="1800" spc="-1" strike="noStrike">
+                <a:solidFill>
+                  <a:srgbClr val="000000"/>
+                </a:solidFill>
+                <a:latin typeface="Arial"/>
+              </a:rPr>
+              <a:t>Clique para editar o formato do texto do título</a:t>
+            </a:r>
+            <a:endParaRPr b="0" lang="pt-BR" sz="1800" spc="-1" strike="noStrike">
+              <a:solidFill>
+                <a:srgbClr val="000000"/>
+              </a:solidFill>
+              <a:latin typeface="Arial"/>
             </a:endParaRPr>
           </a:p>
         </p:txBody>
       </p:sp>
       <p:sp>
         <p:nvSpPr>
-          <p:cNvPr id="66" name="PlaceHolder 2"/>
+          <p:cNvPr id="65" name="PlaceHolder 2"/>
           <p:cNvSpPr>
             <a:spLocks noGrp="1"/>
           </p:cNvSpPr>
@@ -3690,186 +3722,222 @@
         </p:nvSpPr>
         <p:spPr>
           <a:xfrm>
-            <a:off x="952560" y="2590920"/>
-            <a:ext cx="5333760" cy="6286320"/>
+            <a:off x="650160" y="2282040"/>
+            <a:ext cx="11703240" cy="5655960"/>
           </a:xfrm>
           <a:prstGeom prst="rect">
             <a:avLst/>
           </a:prstGeom>
           <a:noFill/>
-          <a:ln w="12600">
+          <a:ln w="0">
             <a:noFill/>
           </a:ln>
         </p:spPr>
         <p:txBody>
-          <a:bodyPr lIns="50760" rIns="50760" tIns="50760" bIns="50760" anchor="ctr">
-            <a:noAutofit/>
+          <a:bodyPr lIns="0" rIns="0" tIns="0" bIns="0" anchor="t">
+            <a:normAutofit/>
           </a:bodyPr>
           <a:p>
-            <a:pPr marL="343080" indent="-343080" defTabSz="584280">
-              <a:lnSpc>
-                <a:spcPct val="100000"/>
-              </a:lnSpc>
-              <a:spcBef>
-                <a:spcPts val="3200"/>
+            <a:pPr marL="432000" indent="-324000">
+              <a:spcBef>
+                <a:spcPts val="1417"/>
               </a:spcBef>
               <a:buClr>
                 <a:srgbClr val="000000"/>
               </a:buClr>
-              <a:buSzPct val="145000"/>
+              <a:buSzPct val="45000"/>
+              <a:buFont typeface="Wingdings" charset="2"/>
+              <a:buChar char=""/>
+            </a:pPr>
+            <a:r>
+              <a:rPr b="0" lang="pt-BR" sz="1800" spc="-1" strike="noStrike">
+                <a:solidFill>
+                  <a:srgbClr val="000000"/>
+                </a:solidFill>
+                <a:latin typeface="Arial"/>
+              </a:rPr>
+              <a:t>Clique para editar o formato de texto dos tópicos</a:t>
+            </a:r>
+            <a:endParaRPr b="0" lang="pt-BR" sz="1800" spc="-1" strike="noStrike">
+              <a:solidFill>
+                <a:srgbClr val="000000"/>
+              </a:solidFill>
+              <a:latin typeface="Arial"/>
+            </a:endParaRPr>
+          </a:p>
+          <a:p>
+            <a:pPr lvl="1" marL="864000" indent="-324000">
+              <a:spcBef>
+                <a:spcPts val="1134"/>
+              </a:spcBef>
+              <a:buClr>
+                <a:srgbClr val="000000"/>
+              </a:buClr>
+              <a:buSzPct val="75000"/>
               <a:buFont typeface="Symbol" charset="2"/>
-              <a:buChar char=""/>
-            </a:pPr>
-            <a:r>
-              <a:rPr b="0" lang="en-US" sz="2800" spc="-1" strike="noStrike">
-                <a:solidFill>
-                  <a:srgbClr val="000000"/>
-                </a:solidFill>
-                <a:latin typeface="Helvetica Neue"/>
-                <a:ea typeface="Helvetica Neue"/>
-              </a:rPr>
-              <a:t>Nível um</a:t>
-            </a:r>
-            <a:endParaRPr b="0" lang="en-US" sz="2800" spc="-1" strike="noStrike">
-              <a:solidFill>
-                <a:srgbClr val="000000"/>
-              </a:solidFill>
-              <a:latin typeface="Helvetica Neue"/>
-            </a:endParaRPr>
-          </a:p>
-          <a:p>
-            <a:pPr lvl="1" marL="685800" indent="-343080" defTabSz="584280">
-              <a:lnSpc>
-                <a:spcPct val="100000"/>
-              </a:lnSpc>
-              <a:spcBef>
-                <a:spcPts val="3200"/>
+              <a:buChar char=""/>
+            </a:pPr>
+            <a:r>
+              <a:rPr b="0" lang="pt-BR" sz="1800" spc="-1" strike="noStrike">
+                <a:solidFill>
+                  <a:srgbClr val="000000"/>
+                </a:solidFill>
+                <a:latin typeface="Arial"/>
+              </a:rPr>
+              <a:t>2.º nível de tópicos</a:t>
+            </a:r>
+            <a:endParaRPr b="0" lang="pt-BR" sz="1800" spc="-1" strike="noStrike">
+              <a:solidFill>
+                <a:srgbClr val="000000"/>
+              </a:solidFill>
+              <a:latin typeface="Arial"/>
+            </a:endParaRPr>
+          </a:p>
+          <a:p>
+            <a:pPr lvl="2" marL="1296000" indent="-288000">
+              <a:spcBef>
+                <a:spcPts val="850"/>
               </a:spcBef>
               <a:buClr>
                 <a:srgbClr val="000000"/>
               </a:buClr>
-              <a:buSzPct val="145000"/>
+              <a:buSzPct val="45000"/>
+              <a:buFont typeface="Wingdings" charset="2"/>
+              <a:buChar char=""/>
+            </a:pPr>
+            <a:r>
+              <a:rPr b="0" lang="pt-BR" sz="1800" spc="-1" strike="noStrike">
+                <a:solidFill>
+                  <a:srgbClr val="000000"/>
+                </a:solidFill>
+                <a:latin typeface="Arial"/>
+              </a:rPr>
+              <a:t>3.º nível de tópicos</a:t>
+            </a:r>
+            <a:endParaRPr b="0" lang="pt-BR" sz="1800" spc="-1" strike="noStrike">
+              <a:solidFill>
+                <a:srgbClr val="000000"/>
+              </a:solidFill>
+              <a:latin typeface="Arial"/>
+            </a:endParaRPr>
+          </a:p>
+          <a:p>
+            <a:pPr lvl="3" marL="1728000" indent="-216000">
+              <a:spcBef>
+                <a:spcPts val="567"/>
+              </a:spcBef>
+              <a:buClr>
+                <a:srgbClr val="000000"/>
+              </a:buClr>
+              <a:buSzPct val="75000"/>
               <a:buFont typeface="Symbol" charset="2"/>
-              <a:buChar char=""/>
-            </a:pPr>
-            <a:r>
-              <a:rPr b="0" lang="en-US" sz="2800" spc="-1" strike="noStrike">
-                <a:solidFill>
-                  <a:srgbClr val="000000"/>
-                </a:solidFill>
-                <a:latin typeface="Helvetica Neue"/>
-                <a:ea typeface="Helvetica Neue"/>
-              </a:rPr>
-              <a:t>Nível dois</a:t>
-            </a:r>
-            <a:endParaRPr b="0" lang="en-US" sz="2800" spc="-1" strike="noStrike">
-              <a:solidFill>
-                <a:srgbClr val="000000"/>
-              </a:solidFill>
-              <a:latin typeface="Helvetica Neue"/>
-            </a:endParaRPr>
-          </a:p>
-          <a:p>
-            <a:pPr lvl="2" marL="1028880" indent="-343080" defTabSz="584280">
-              <a:lnSpc>
-                <a:spcPct val="100000"/>
-              </a:lnSpc>
-              <a:spcBef>
-                <a:spcPts val="3200"/>
+              <a:buChar char=""/>
+            </a:pPr>
+            <a:r>
+              <a:rPr b="0" lang="pt-BR" sz="1800" spc="-1" strike="noStrike">
+                <a:solidFill>
+                  <a:srgbClr val="000000"/>
+                </a:solidFill>
+                <a:latin typeface="Arial"/>
+              </a:rPr>
+              <a:t>4.º nível de tópicos</a:t>
+            </a:r>
+            <a:endParaRPr b="0" lang="pt-BR" sz="1800" spc="-1" strike="noStrike">
+              <a:solidFill>
+                <a:srgbClr val="000000"/>
+              </a:solidFill>
+              <a:latin typeface="Arial"/>
+            </a:endParaRPr>
+          </a:p>
+          <a:p>
+            <a:pPr lvl="4" marL="2160000" indent="-216000">
+              <a:spcBef>
+                <a:spcPts val="283"/>
               </a:spcBef>
               <a:buClr>
                 <a:srgbClr val="000000"/>
               </a:buClr>
-              <a:buSzPct val="145000"/>
-              <a:buFont typeface="Symbol" charset="2"/>
-              <a:buChar char=""/>
-            </a:pPr>
-            <a:r>
-              <a:rPr b="0" lang="en-US" sz="2800" spc="-1" strike="noStrike">
-                <a:solidFill>
-                  <a:srgbClr val="000000"/>
-                </a:solidFill>
-                <a:latin typeface="Helvetica Neue"/>
-                <a:ea typeface="Helvetica Neue"/>
-              </a:rPr>
-              <a:t>Nível três</a:t>
-            </a:r>
-            <a:endParaRPr b="0" lang="en-US" sz="2800" spc="-1" strike="noStrike">
-              <a:solidFill>
-                <a:srgbClr val="000000"/>
-              </a:solidFill>
-              <a:latin typeface="Helvetica Neue"/>
-            </a:endParaRPr>
-          </a:p>
-          <a:p>
-            <a:pPr lvl="3" marL="1371600" indent="-343080" defTabSz="584280">
-              <a:lnSpc>
-                <a:spcPct val="100000"/>
-              </a:lnSpc>
-              <a:spcBef>
-                <a:spcPts val="3200"/>
+              <a:buSzPct val="45000"/>
+              <a:buFont typeface="Wingdings" charset="2"/>
+              <a:buChar char=""/>
+            </a:pPr>
+            <a:r>
+              <a:rPr b="0" lang="pt-BR" sz="1800" spc="-1" strike="noStrike">
+                <a:solidFill>
+                  <a:srgbClr val="000000"/>
+                </a:solidFill>
+                <a:latin typeface="Arial"/>
+              </a:rPr>
+              <a:t>5.º nível de tópicos</a:t>
+            </a:r>
+            <a:endParaRPr b="0" lang="pt-BR" sz="1800" spc="-1" strike="noStrike">
+              <a:solidFill>
+                <a:srgbClr val="000000"/>
+              </a:solidFill>
+              <a:latin typeface="Arial"/>
+            </a:endParaRPr>
+          </a:p>
+          <a:p>
+            <a:pPr lvl="5" marL="2592000" indent="-216000">
+              <a:spcBef>
+                <a:spcPts val="283"/>
               </a:spcBef>
               <a:buClr>
                 <a:srgbClr val="000000"/>
               </a:buClr>
-              <a:buSzPct val="145000"/>
-              <a:buFont typeface="Symbol" charset="2"/>
-              <a:buChar char=""/>
-            </a:pPr>
-            <a:r>
-              <a:rPr b="0" lang="en-US" sz="2800" spc="-1" strike="noStrike">
-                <a:solidFill>
-                  <a:srgbClr val="000000"/>
-                </a:solidFill>
-                <a:latin typeface="Helvetica Neue"/>
-                <a:ea typeface="Helvetica Neue"/>
-              </a:rPr>
-              <a:t>Nível quatro</a:t>
-            </a:r>
-            <a:endParaRPr b="0" lang="en-US" sz="2800" spc="-1" strike="noStrike">
-              <a:solidFill>
-                <a:srgbClr val="000000"/>
-              </a:solidFill>
-              <a:latin typeface="Helvetica Neue"/>
-            </a:endParaRPr>
-          </a:p>
-          <a:p>
-            <a:pPr lvl="4" marL="1714680" indent="-343080" defTabSz="584280">
-              <a:lnSpc>
-                <a:spcPct val="100000"/>
-              </a:lnSpc>
-              <a:spcBef>
-                <a:spcPts val="3200"/>
+              <a:buSzPct val="45000"/>
+              <a:buFont typeface="Wingdings" charset="2"/>
+              <a:buChar char=""/>
+            </a:pPr>
+            <a:r>
+              <a:rPr b="0" lang="pt-BR" sz="1800" spc="-1" strike="noStrike">
+                <a:solidFill>
+                  <a:srgbClr val="000000"/>
+                </a:solidFill>
+                <a:latin typeface="Arial"/>
+              </a:rPr>
+              <a:t>6.º nível de tópicos</a:t>
+            </a:r>
+            <a:endParaRPr b="0" lang="pt-BR" sz="1800" spc="-1" strike="noStrike">
+              <a:solidFill>
+                <a:srgbClr val="000000"/>
+              </a:solidFill>
+              <a:latin typeface="Arial"/>
+            </a:endParaRPr>
+          </a:p>
+          <a:p>
+            <a:pPr lvl="6" marL="3024000" indent="-216000">
+              <a:spcBef>
+                <a:spcPts val="283"/>
               </a:spcBef>
               <a:buClr>
                 <a:srgbClr val="000000"/>
               </a:buClr>
-              <a:buSzPct val="145000"/>
-              <a:buFont typeface="Symbol" charset="2"/>
-              <a:buChar char=""/>
-            </a:pPr>
-            <a:r>
-              <a:rPr b="0" lang="en-US" sz="2800" spc="-1" strike="noStrike">
-                <a:solidFill>
-                  <a:srgbClr val="000000"/>
-                </a:solidFill>
-                <a:latin typeface="Helvetica Neue"/>
-                <a:ea typeface="Helvetica Neue"/>
-              </a:rPr>
-              <a:t>Nível cinco</a:t>
-            </a:r>
-            <a:endParaRPr b="0" lang="en-US" sz="2800" spc="-1" strike="noStrike">
-              <a:solidFill>
-                <a:srgbClr val="000000"/>
-              </a:solidFill>
-              <a:latin typeface="Helvetica Neue"/>
+              <a:buSzPct val="45000"/>
+              <a:buFont typeface="Wingdings" charset="2"/>
+              <a:buChar char=""/>
+            </a:pPr>
+            <a:r>
+              <a:rPr b="0" lang="pt-BR" sz="1800" spc="-1" strike="noStrike">
+                <a:solidFill>
+                  <a:srgbClr val="000000"/>
+                </a:solidFill>
+                <a:latin typeface="Arial"/>
+              </a:rPr>
+              <a:t>7.º nível de tópicos</a:t>
+            </a:r>
+            <a:endParaRPr b="0" lang="pt-BR" sz="1800" spc="-1" strike="noStrike">
+              <a:solidFill>
+                <a:srgbClr val="000000"/>
+              </a:solidFill>
+              <a:latin typeface="Arial"/>
             </a:endParaRPr>
           </a:p>
         </p:txBody>
       </p:sp>
       <p:sp>
         <p:nvSpPr>
-          <p:cNvPr id="67" name="PlaceHolder 3"/>
+          <p:cNvPr id="66" name="PlaceHolder 3"/>
           <p:cNvSpPr>
             <a:spLocks noGrp="1"/>
           </p:cNvSpPr>
@@ -3880,7 +3948,7 @@
         <p:spPr>
           <a:xfrm>
             <a:off x="6328800" y="9296280"/>
-            <a:ext cx="339840" cy="342720"/>
+            <a:ext cx="339480" cy="342360"/>
           </a:xfrm>
           <a:prstGeom prst="rect">
             <a:avLst/>
@@ -3894,11 +3962,37 @@
           <a:bodyPr lIns="50760" rIns="50760" tIns="50760" bIns="50760" anchor="t">
             <a:noAutofit/>
           </a:bodyPr>
+          <a:lstStyle>
+            <a:lvl1pPr indent="0">
+              <a:lnSpc>
+                <a:spcPct val="100000"/>
+              </a:lnSpc>
+              <a:buNone/>
+              <a:defRPr b="0" lang="pt-BR" sz="1400" spc="-1" strike="noStrike">
+                <a:solidFill>
+                  <a:srgbClr val="000000"/>
+                </a:solidFill>
+                <a:latin typeface="Times New Roman"/>
+              </a:defRPr>
+            </a:lvl1pPr>
+          </a:lstStyle>
           <a:p>
             <a:pPr indent="0">
+              <a:lnSpc>
+                <a:spcPct val="100000"/>
+              </a:lnSpc>
               <a:buNone/>
             </a:pPr>
-            <a:endParaRPr b="0" lang="en-US" sz="1600" spc="-1" strike="noStrike">
+            <a:fld id="{338BA972-543F-40B7-AC31-5A85B65EDB45}" type="slidenum">
+              <a:rPr b="0" lang="pt-BR" sz="1400" spc="-1" strike="noStrike">
+                <a:solidFill>
+                  <a:srgbClr val="000000"/>
+                </a:solidFill>
+                <a:latin typeface="Times New Roman"/>
+              </a:rPr>
+              <a:t>&lt;número&gt;</a:t>
+            </a:fld>
+            <a:endParaRPr b="0" lang="pt-BR" sz="1400" spc="-1" strike="noStrike">
               <a:solidFill>
                 <a:srgbClr val="000000"/>
               </a:solidFill>
@@ -3947,191 +4041,276 @@
             <a:spLocks noGrp="1"/>
           </p:cNvSpPr>
           <p:nvPr>
+            <p:ph type="title"/>
+          </p:nvPr>
+        </p:nvSpPr>
+        <p:spPr>
+          <a:xfrm>
+            <a:off x="650160" y="389160"/>
+            <a:ext cx="11703240" cy="1627920"/>
+          </a:xfrm>
+          <a:prstGeom prst="rect">
+            <a:avLst/>
+          </a:prstGeom>
+          <a:noFill/>
+          <a:ln w="0">
+            <a:noFill/>
+          </a:ln>
+        </p:spPr>
+        <p:txBody>
+          <a:bodyPr lIns="0" rIns="0" tIns="0" bIns="0" anchor="ctr">
+            <a:noAutofit/>
+          </a:bodyPr>
+          <a:p>
+            <a:pPr indent="0">
+              <a:buNone/>
+            </a:pPr>
+            <a:r>
+              <a:rPr b="0" lang="pt-BR" sz="1800" spc="-1" strike="noStrike">
+                <a:solidFill>
+                  <a:srgbClr val="000000"/>
+                </a:solidFill>
+                <a:latin typeface="Arial"/>
+              </a:rPr>
+              <a:t>Clique para editar o formato do texto do título</a:t>
+            </a:r>
+            <a:endParaRPr b="0" lang="pt-BR" sz="1800" spc="-1" strike="noStrike">
+              <a:solidFill>
+                <a:srgbClr val="000000"/>
+              </a:solidFill>
+              <a:latin typeface="Arial"/>
+            </a:endParaRPr>
+          </a:p>
+        </p:txBody>
+      </p:sp>
+      <p:sp>
+        <p:nvSpPr>
+          <p:cNvPr id="6" name="PlaceHolder 2"/>
+          <p:cNvSpPr>
+            <a:spLocks noGrp="1"/>
+          </p:cNvSpPr>
+          <p:nvPr>
             <p:ph type="body"/>
           </p:nvPr>
         </p:nvSpPr>
         <p:spPr>
           <a:xfrm>
-            <a:off x="952560" y="1270080"/>
-            <a:ext cx="11099520" cy="7213320"/>
+            <a:off x="650160" y="2282040"/>
+            <a:ext cx="11703240" cy="5655960"/>
           </a:xfrm>
           <a:prstGeom prst="rect">
             <a:avLst/>
           </a:prstGeom>
           <a:noFill/>
-          <a:ln w="12600">
+          <a:ln w="0">
             <a:noFill/>
           </a:ln>
         </p:spPr>
         <p:txBody>
-          <a:bodyPr lIns="50760" rIns="50760" tIns="50760" bIns="50760" anchor="ctr">
-            <a:noAutofit/>
+          <a:bodyPr lIns="0" rIns="0" tIns="0" bIns="0" anchor="t">
+            <a:normAutofit/>
           </a:bodyPr>
           <a:p>
-            <a:pPr marL="444600" indent="-444600" defTabSz="584280">
-              <a:lnSpc>
-                <a:spcPct val="100000"/>
-              </a:lnSpc>
-              <a:spcBef>
-                <a:spcPts val="4201"/>
+            <a:pPr marL="432000" indent="-324000">
+              <a:spcBef>
+                <a:spcPts val="1417"/>
               </a:spcBef>
               <a:buClr>
                 <a:srgbClr val="000000"/>
               </a:buClr>
-              <a:buSzPct val="145000"/>
+              <a:buSzPct val="45000"/>
+              <a:buFont typeface="Wingdings" charset="2"/>
+              <a:buChar char=""/>
+            </a:pPr>
+            <a:r>
+              <a:rPr b="0" lang="pt-BR" sz="1800" spc="-1" strike="noStrike">
+                <a:solidFill>
+                  <a:srgbClr val="000000"/>
+                </a:solidFill>
+                <a:latin typeface="Arial"/>
+              </a:rPr>
+              <a:t>Clique para editar o formato de texto dos tópicos</a:t>
+            </a:r>
+            <a:endParaRPr b="0" lang="pt-BR" sz="1800" spc="-1" strike="noStrike">
+              <a:solidFill>
+                <a:srgbClr val="000000"/>
+              </a:solidFill>
+              <a:latin typeface="Arial"/>
+            </a:endParaRPr>
+          </a:p>
+          <a:p>
+            <a:pPr lvl="1" marL="864000" indent="-324000">
+              <a:spcBef>
+                <a:spcPts val="1134"/>
+              </a:spcBef>
+              <a:buClr>
+                <a:srgbClr val="000000"/>
+              </a:buClr>
+              <a:buSzPct val="75000"/>
               <a:buFont typeface="Symbol" charset="2"/>
-              <a:buChar char=""/>
-            </a:pPr>
-            <a:r>
-              <a:rPr b="0" lang="en-US" sz="3200" spc="-1" strike="noStrike">
-                <a:solidFill>
-                  <a:srgbClr val="000000"/>
-                </a:solidFill>
-                <a:latin typeface="Helvetica Neue"/>
-                <a:ea typeface="Helvetica Neue"/>
-              </a:rPr>
-              <a:t>Nível um</a:t>
-            </a:r>
-            <a:endParaRPr b="0" lang="en-US" sz="3200" spc="-1" strike="noStrike">
-              <a:solidFill>
-                <a:srgbClr val="000000"/>
-              </a:solidFill>
-              <a:latin typeface="Helvetica Neue"/>
-            </a:endParaRPr>
-          </a:p>
-          <a:p>
-            <a:pPr lvl="1" marL="888840" indent="-444600" defTabSz="584280">
-              <a:lnSpc>
-                <a:spcPct val="100000"/>
-              </a:lnSpc>
-              <a:spcBef>
-                <a:spcPts val="4201"/>
+              <a:buChar char=""/>
+            </a:pPr>
+            <a:r>
+              <a:rPr b="0" lang="pt-BR" sz="1800" spc="-1" strike="noStrike">
+                <a:solidFill>
+                  <a:srgbClr val="000000"/>
+                </a:solidFill>
+                <a:latin typeface="Arial"/>
+              </a:rPr>
+              <a:t>2.º nível de tópicos</a:t>
+            </a:r>
+            <a:endParaRPr b="0" lang="pt-BR" sz="1800" spc="-1" strike="noStrike">
+              <a:solidFill>
+                <a:srgbClr val="000000"/>
+              </a:solidFill>
+              <a:latin typeface="Arial"/>
+            </a:endParaRPr>
+          </a:p>
+          <a:p>
+            <a:pPr lvl="2" marL="1296000" indent="-288000">
+              <a:spcBef>
+                <a:spcPts val="850"/>
               </a:spcBef>
               <a:buClr>
                 <a:srgbClr val="000000"/>
               </a:buClr>
-              <a:buSzPct val="145000"/>
+              <a:buSzPct val="45000"/>
+              <a:buFont typeface="Wingdings" charset="2"/>
+              <a:buChar char=""/>
+            </a:pPr>
+            <a:r>
+              <a:rPr b="0" lang="pt-BR" sz="1800" spc="-1" strike="noStrike">
+                <a:solidFill>
+                  <a:srgbClr val="000000"/>
+                </a:solidFill>
+                <a:latin typeface="Arial"/>
+              </a:rPr>
+              <a:t>3.º nível de tópicos</a:t>
+            </a:r>
+            <a:endParaRPr b="0" lang="pt-BR" sz="1800" spc="-1" strike="noStrike">
+              <a:solidFill>
+                <a:srgbClr val="000000"/>
+              </a:solidFill>
+              <a:latin typeface="Arial"/>
+            </a:endParaRPr>
+          </a:p>
+          <a:p>
+            <a:pPr lvl="3" marL="1728000" indent="-216000">
+              <a:spcBef>
+                <a:spcPts val="567"/>
+              </a:spcBef>
+              <a:buClr>
+                <a:srgbClr val="000000"/>
+              </a:buClr>
+              <a:buSzPct val="75000"/>
               <a:buFont typeface="Symbol" charset="2"/>
-              <a:buChar char=""/>
-            </a:pPr>
-            <a:r>
-              <a:rPr b="0" lang="en-US" sz="3200" spc="-1" strike="noStrike">
-                <a:solidFill>
-                  <a:srgbClr val="000000"/>
-                </a:solidFill>
-                <a:latin typeface="Helvetica Neue"/>
-                <a:ea typeface="Helvetica Neue"/>
-              </a:rPr>
-              <a:t>Nível dois</a:t>
-            </a:r>
-            <a:endParaRPr b="0" lang="en-US" sz="3200" spc="-1" strike="noStrike">
-              <a:solidFill>
-                <a:srgbClr val="000000"/>
-              </a:solidFill>
-              <a:latin typeface="Helvetica Neue"/>
-            </a:endParaRPr>
-          </a:p>
-          <a:p>
-            <a:pPr lvl="2" marL="1333440" indent="-444600" defTabSz="584280">
-              <a:lnSpc>
-                <a:spcPct val="100000"/>
-              </a:lnSpc>
-              <a:spcBef>
-                <a:spcPts val="4201"/>
+              <a:buChar char=""/>
+            </a:pPr>
+            <a:r>
+              <a:rPr b="0" lang="pt-BR" sz="1800" spc="-1" strike="noStrike">
+                <a:solidFill>
+                  <a:srgbClr val="000000"/>
+                </a:solidFill>
+                <a:latin typeface="Arial"/>
+              </a:rPr>
+              <a:t>4.º nível de tópicos</a:t>
+            </a:r>
+            <a:endParaRPr b="0" lang="pt-BR" sz="1800" spc="-1" strike="noStrike">
+              <a:solidFill>
+                <a:srgbClr val="000000"/>
+              </a:solidFill>
+              <a:latin typeface="Arial"/>
+            </a:endParaRPr>
+          </a:p>
+          <a:p>
+            <a:pPr lvl="4" marL="2160000" indent="-216000">
+              <a:spcBef>
+                <a:spcPts val="283"/>
               </a:spcBef>
               <a:buClr>
                 <a:srgbClr val="000000"/>
               </a:buClr>
-              <a:buSzPct val="145000"/>
-              <a:buFont typeface="Symbol" charset="2"/>
-              <a:buChar char=""/>
-            </a:pPr>
-            <a:r>
-              <a:rPr b="0" lang="en-US" sz="3200" spc="-1" strike="noStrike">
-                <a:solidFill>
-                  <a:srgbClr val="000000"/>
-                </a:solidFill>
-                <a:latin typeface="Helvetica Neue"/>
-                <a:ea typeface="Helvetica Neue"/>
-              </a:rPr>
-              <a:t>Nível três</a:t>
-            </a:r>
-            <a:endParaRPr b="0" lang="en-US" sz="3200" spc="-1" strike="noStrike">
-              <a:solidFill>
-                <a:srgbClr val="000000"/>
-              </a:solidFill>
-              <a:latin typeface="Helvetica Neue"/>
-            </a:endParaRPr>
-          </a:p>
-          <a:p>
-            <a:pPr lvl="3" marL="1778040" indent="-444600" defTabSz="584280">
-              <a:lnSpc>
-                <a:spcPct val="100000"/>
-              </a:lnSpc>
-              <a:spcBef>
-                <a:spcPts val="4201"/>
+              <a:buSzPct val="45000"/>
+              <a:buFont typeface="Wingdings" charset="2"/>
+              <a:buChar char=""/>
+            </a:pPr>
+            <a:r>
+              <a:rPr b="0" lang="pt-BR" sz="1800" spc="-1" strike="noStrike">
+                <a:solidFill>
+                  <a:srgbClr val="000000"/>
+                </a:solidFill>
+                <a:latin typeface="Arial"/>
+              </a:rPr>
+              <a:t>5.º nível de tópicos</a:t>
+            </a:r>
+            <a:endParaRPr b="0" lang="pt-BR" sz="1800" spc="-1" strike="noStrike">
+              <a:solidFill>
+                <a:srgbClr val="000000"/>
+              </a:solidFill>
+              <a:latin typeface="Arial"/>
+            </a:endParaRPr>
+          </a:p>
+          <a:p>
+            <a:pPr lvl="5" marL="2592000" indent="-216000">
+              <a:spcBef>
+                <a:spcPts val="283"/>
               </a:spcBef>
               <a:buClr>
                 <a:srgbClr val="000000"/>
               </a:buClr>
-              <a:buSzPct val="145000"/>
-              <a:buFont typeface="Symbol" charset="2"/>
-              <a:buChar char=""/>
-            </a:pPr>
-            <a:r>
-              <a:rPr b="0" lang="en-US" sz="3200" spc="-1" strike="noStrike">
-                <a:solidFill>
-                  <a:srgbClr val="000000"/>
-                </a:solidFill>
-                <a:latin typeface="Helvetica Neue"/>
-                <a:ea typeface="Helvetica Neue"/>
-              </a:rPr>
-              <a:t>Nível quatro</a:t>
-            </a:r>
-            <a:endParaRPr b="0" lang="en-US" sz="3200" spc="-1" strike="noStrike">
-              <a:solidFill>
-                <a:srgbClr val="000000"/>
-              </a:solidFill>
-              <a:latin typeface="Helvetica Neue"/>
-            </a:endParaRPr>
-          </a:p>
-          <a:p>
-            <a:pPr lvl="4" marL="2222640" indent="-444600" defTabSz="584280">
-              <a:lnSpc>
-                <a:spcPct val="100000"/>
-              </a:lnSpc>
-              <a:spcBef>
-                <a:spcPts val="4201"/>
+              <a:buSzPct val="45000"/>
+              <a:buFont typeface="Wingdings" charset="2"/>
+              <a:buChar char=""/>
+            </a:pPr>
+            <a:r>
+              <a:rPr b="0" lang="pt-BR" sz="1800" spc="-1" strike="noStrike">
+                <a:solidFill>
+                  <a:srgbClr val="000000"/>
+                </a:solidFill>
+                <a:latin typeface="Arial"/>
+              </a:rPr>
+              <a:t>6.º nível de tópicos</a:t>
+            </a:r>
+            <a:endParaRPr b="0" lang="pt-BR" sz="1800" spc="-1" strike="noStrike">
+              <a:solidFill>
+                <a:srgbClr val="000000"/>
+              </a:solidFill>
+              <a:latin typeface="Arial"/>
+            </a:endParaRPr>
+          </a:p>
+          <a:p>
+            <a:pPr lvl="6" marL="3024000" indent="-216000">
+              <a:spcBef>
+                <a:spcPts val="283"/>
               </a:spcBef>
               <a:buClr>
                 <a:srgbClr val="000000"/>
               </a:buClr>
-              <a:buSzPct val="145000"/>
-              <a:buFont typeface="Symbol" charset="2"/>
-              <a:buChar char=""/>
-            </a:pPr>
-            <a:r>
-              <a:rPr b="0" lang="en-US" sz="3200" spc="-1" strike="noStrike">
-                <a:solidFill>
-                  <a:srgbClr val="000000"/>
-                </a:solidFill>
-                <a:latin typeface="Helvetica Neue"/>
-                <a:ea typeface="Helvetica Neue"/>
-              </a:rPr>
-              <a:t>Nível cinco</a:t>
-            </a:r>
-            <a:endParaRPr b="0" lang="en-US" sz="3200" spc="-1" strike="noStrike">
-              <a:solidFill>
-                <a:srgbClr val="000000"/>
-              </a:solidFill>
-              <a:latin typeface="Helvetica Neue"/>
+              <a:buSzPct val="45000"/>
+              <a:buFont typeface="Wingdings" charset="2"/>
+              <a:buChar char=""/>
+            </a:pPr>
+            <a:r>
+              <a:rPr b="0" lang="pt-BR" sz="1800" spc="-1" strike="noStrike">
+                <a:solidFill>
+                  <a:srgbClr val="000000"/>
+                </a:solidFill>
+                <a:latin typeface="Arial"/>
+              </a:rPr>
+              <a:t>7.º nível de tópicos</a:t>
+            </a:r>
+            <a:endParaRPr b="0" lang="pt-BR" sz="1800" spc="-1" strike="noStrike">
+              <a:solidFill>
+                <a:srgbClr val="000000"/>
+              </a:solidFill>
+              <a:latin typeface="Arial"/>
             </a:endParaRPr>
           </a:p>
         </p:txBody>
       </p:sp>
       <p:sp>
         <p:nvSpPr>
-          <p:cNvPr id="6" name="PlaceHolder 2"/>
+          <p:cNvPr id="7" name="PlaceHolder 3"/>
           <p:cNvSpPr>
             <a:spLocks noGrp="1"/>
           </p:cNvSpPr>
@@ -4142,7 +4321,7 @@
         <p:spPr>
           <a:xfrm>
             <a:off x="6328800" y="9296280"/>
-            <a:ext cx="339840" cy="324000"/>
+            <a:ext cx="339480" cy="323640"/>
           </a:xfrm>
           <a:prstGeom prst="rect">
             <a:avLst/>
@@ -4156,11 +4335,37 @@
           <a:bodyPr lIns="50760" rIns="50760" tIns="50760" bIns="50760" anchor="t">
             <a:noAutofit/>
           </a:bodyPr>
+          <a:lstStyle>
+            <a:lvl1pPr indent="0">
+              <a:lnSpc>
+                <a:spcPct val="100000"/>
+              </a:lnSpc>
+              <a:buNone/>
+              <a:defRPr b="0" lang="pt-BR" sz="1400" spc="-1" strike="noStrike">
+                <a:solidFill>
+                  <a:srgbClr val="000000"/>
+                </a:solidFill>
+                <a:latin typeface="Times New Roman"/>
+              </a:defRPr>
+            </a:lvl1pPr>
+          </a:lstStyle>
           <a:p>
             <a:pPr indent="0">
+              <a:lnSpc>
+                <a:spcPct val="100000"/>
+              </a:lnSpc>
               <a:buNone/>
             </a:pPr>
-            <a:endParaRPr b="0" lang="en-US" sz="1600" spc="-1" strike="noStrike">
+            <a:fld id="{22DB4EF3-CE95-497A-AA41-52885680AB6A}" type="slidenum">
+              <a:rPr b="0" lang="pt-BR" sz="1400" spc="-1" strike="noStrike">
+                <a:solidFill>
+                  <a:srgbClr val="000000"/>
+                </a:solidFill>
+                <a:latin typeface="Times New Roman"/>
+              </a:rPr>
+              <a:t>&lt;número&gt;</a:t>
+            </a:fld>
+            <a:endParaRPr b="0" lang="pt-BR" sz="1400" spc="-1" strike="noStrike">
               <a:solidFill>
                 <a:srgbClr val="000000"/>
               </a:solidFill>
@@ -4204,18 +4409,18 @@
       </p:grpSpPr>
       <p:sp>
         <p:nvSpPr>
-          <p:cNvPr id="9" name="PlaceHolder 1"/>
+          <p:cNvPr id="10" name="PlaceHolder 1"/>
           <p:cNvSpPr>
             <a:spLocks noGrp="1"/>
           </p:cNvSpPr>
           <p:nvPr>
-            <p:ph type="body"/>
+            <p:ph type="title"/>
           </p:nvPr>
         </p:nvSpPr>
         <p:spPr>
           <a:xfrm>
-            <a:off x="6556320" y="5092560"/>
-            <a:ext cx="5657400" cy="3771720"/>
+            <a:off x="650160" y="389160"/>
+            <a:ext cx="11703240" cy="1627920"/>
           </a:xfrm>
           <a:prstGeom prst="rect">
             <a:avLst/>
@@ -4226,210 +4431,34 @@
           </a:ln>
         </p:spPr>
         <p:txBody>
-          <a:bodyPr lIns="91440" rIns="91440" tIns="45720" bIns="45720" anchor="t">
+          <a:bodyPr lIns="0" rIns="0" tIns="0" bIns="0" anchor="ctr">
             <a:noAutofit/>
           </a:bodyPr>
           <a:p>
-            <a:pPr marL="432000" indent="-324000">
-              <a:spcBef>
-                <a:spcPts val="1417"/>
-              </a:spcBef>
-              <a:buClr>
-                <a:srgbClr val="000000"/>
-              </a:buClr>
-              <a:buSzPct val="45000"/>
-              <a:buFont typeface="Wingdings" charset="2"/>
-              <a:buChar char=""/>
-            </a:pPr>
-            <a:r>
-              <a:rPr b="0" lang="en-US" sz="3200" spc="-1" strike="noStrike">
-                <a:solidFill>
-                  <a:srgbClr val="000000"/>
-                </a:solidFill>
-                <a:latin typeface="Helvetica Neue"/>
-              </a:rPr>
-              <a:t>Click to edit the outline text format</a:t>
-            </a:r>
-            <a:endParaRPr b="0" lang="en-US" sz="3200" spc="-1" strike="noStrike">
-              <a:solidFill>
-                <a:srgbClr val="000000"/>
-              </a:solidFill>
-              <a:latin typeface="Helvetica Neue"/>
-            </a:endParaRPr>
-          </a:p>
-          <a:p>
-            <a:pPr lvl="1" marL="864000" indent="-324000">
-              <a:spcBef>
-                <a:spcPts val="1134"/>
-              </a:spcBef>
-              <a:buClr>
-                <a:srgbClr val="000000"/>
-              </a:buClr>
-              <a:buSzPct val="75000"/>
-              <a:buFont typeface="Symbol" charset="2"/>
-              <a:buChar char=""/>
-            </a:pPr>
-            <a:r>
-              <a:rPr b="0" lang="en-US" sz="3200" spc="-1" strike="noStrike">
-                <a:solidFill>
-                  <a:srgbClr val="000000"/>
-                </a:solidFill>
-                <a:latin typeface="Helvetica Neue"/>
-              </a:rPr>
-              <a:t>Second Outline Level</a:t>
-            </a:r>
-            <a:endParaRPr b="0" lang="en-US" sz="3200" spc="-1" strike="noStrike">
-              <a:solidFill>
-                <a:srgbClr val="000000"/>
-              </a:solidFill>
-              <a:latin typeface="Helvetica Neue"/>
-            </a:endParaRPr>
-          </a:p>
-          <a:p>
-            <a:pPr lvl="2" marL="1296000" indent="-288000">
-              <a:spcBef>
-                <a:spcPts val="850"/>
-              </a:spcBef>
-              <a:buClr>
-                <a:srgbClr val="000000"/>
-              </a:buClr>
-              <a:buSzPct val="45000"/>
-              <a:buFont typeface="Wingdings" charset="2"/>
-              <a:buChar char=""/>
-            </a:pPr>
-            <a:r>
-              <a:rPr b="0" lang="en-US" sz="3200" spc="-1" strike="noStrike">
-                <a:solidFill>
-                  <a:srgbClr val="000000"/>
-                </a:solidFill>
-                <a:latin typeface="Helvetica Neue"/>
-              </a:rPr>
-              <a:t>Third Outline Level</a:t>
-            </a:r>
-            <a:endParaRPr b="0" lang="en-US" sz="3200" spc="-1" strike="noStrike">
-              <a:solidFill>
-                <a:srgbClr val="000000"/>
-              </a:solidFill>
-              <a:latin typeface="Helvetica Neue"/>
-            </a:endParaRPr>
-          </a:p>
-          <a:p>
-            <a:pPr lvl="3" marL="1728000" indent="-216000">
-              <a:spcBef>
-                <a:spcPts val="567"/>
-              </a:spcBef>
-              <a:buClr>
-                <a:srgbClr val="000000"/>
-              </a:buClr>
-              <a:buSzPct val="75000"/>
-              <a:buFont typeface="Symbol" charset="2"/>
-              <a:buChar char=""/>
-            </a:pPr>
-            <a:r>
-              <a:rPr b="0" lang="en-US" sz="3200" spc="-1" strike="noStrike">
-                <a:solidFill>
-                  <a:srgbClr val="000000"/>
-                </a:solidFill>
-                <a:latin typeface="Helvetica Neue"/>
-              </a:rPr>
-              <a:t>Fourth Outline Level</a:t>
-            </a:r>
-            <a:endParaRPr b="0" lang="en-US" sz="3200" spc="-1" strike="noStrike">
-              <a:solidFill>
-                <a:srgbClr val="000000"/>
-              </a:solidFill>
-              <a:latin typeface="Helvetica Neue"/>
-            </a:endParaRPr>
-          </a:p>
-          <a:p>
-            <a:pPr lvl="4" marL="2160000" indent="-216000">
-              <a:spcBef>
-                <a:spcPts val="283"/>
-              </a:spcBef>
-              <a:buClr>
-                <a:srgbClr val="000000"/>
-              </a:buClr>
-              <a:buSzPct val="45000"/>
-              <a:buFont typeface="Wingdings" charset="2"/>
-              <a:buChar char=""/>
-            </a:pPr>
-            <a:r>
-              <a:rPr b="0" lang="en-US" sz="3200" spc="-1" strike="noStrike">
-                <a:solidFill>
-                  <a:srgbClr val="000000"/>
-                </a:solidFill>
-                <a:latin typeface="Helvetica Neue"/>
-              </a:rPr>
-              <a:t>Fifth Outline Level</a:t>
-            </a:r>
-            <a:endParaRPr b="0" lang="en-US" sz="3200" spc="-1" strike="noStrike">
-              <a:solidFill>
-                <a:srgbClr val="000000"/>
-              </a:solidFill>
-              <a:latin typeface="Helvetica Neue"/>
-            </a:endParaRPr>
-          </a:p>
-          <a:p>
-            <a:pPr lvl="5" marL="2592000" indent="-216000">
-              <a:spcBef>
-                <a:spcPts val="283"/>
-              </a:spcBef>
-              <a:buClr>
-                <a:srgbClr val="000000"/>
-              </a:buClr>
-              <a:buSzPct val="45000"/>
-              <a:buFont typeface="Wingdings" charset="2"/>
-              <a:buChar char=""/>
-            </a:pPr>
-            <a:r>
-              <a:rPr b="0" lang="en-US" sz="3200" spc="-1" strike="noStrike">
-                <a:solidFill>
-                  <a:srgbClr val="000000"/>
-                </a:solidFill>
-                <a:latin typeface="Helvetica Neue"/>
-              </a:rPr>
-              <a:t>Sixth Outline Level</a:t>
-            </a:r>
-            <a:endParaRPr b="0" lang="en-US" sz="3200" spc="-1" strike="noStrike">
-              <a:solidFill>
-                <a:srgbClr val="000000"/>
-              </a:solidFill>
-              <a:latin typeface="Helvetica Neue"/>
-            </a:endParaRPr>
-          </a:p>
-          <a:p>
-            <a:pPr lvl="6" marL="3024000" indent="-216000">
-              <a:spcBef>
-                <a:spcPts val="283"/>
-              </a:spcBef>
-              <a:buClr>
-                <a:srgbClr val="000000"/>
-              </a:buClr>
-              <a:buSzPct val="45000"/>
-              <a:buFont typeface="Wingdings" charset="2"/>
-              <a:buChar char=""/>
-            </a:pPr>
-            <a:r>
-              <a:rPr b="0" lang="en-US" sz="3200" spc="-1" strike="noStrike">
-                <a:solidFill>
-                  <a:srgbClr val="000000"/>
-                </a:solidFill>
-                <a:latin typeface="Helvetica Neue"/>
-              </a:rPr>
-              <a:t>Seventh Outline Level</a:t>
-            </a:r>
-            <a:endParaRPr b="0" lang="en-US" sz="3200" spc="-1" strike="noStrike">
-              <a:solidFill>
-                <a:srgbClr val="000000"/>
-              </a:solidFill>
-              <a:latin typeface="Helvetica Neue"/>
+            <a:pPr indent="0">
+              <a:buNone/>
+            </a:pPr>
+            <a:r>
+              <a:rPr b="0" lang="pt-BR" sz="1800" spc="-1" strike="noStrike">
+                <a:solidFill>
+                  <a:srgbClr val="000000"/>
+                </a:solidFill>
+                <a:latin typeface="Arial"/>
+              </a:rPr>
+              <a:t>Clique para editar o formato do texto do título</a:t>
+            </a:r>
+            <a:endParaRPr b="0" lang="pt-BR" sz="1800" spc="-1" strike="noStrike">
+              <a:solidFill>
+                <a:srgbClr val="000000"/>
+              </a:solidFill>
+              <a:latin typeface="Arial"/>
             </a:endParaRPr>
           </a:p>
         </p:txBody>
       </p:sp>
       <p:sp>
         <p:nvSpPr>
-          <p:cNvPr id="10" name="PlaceHolder 2"/>
+          <p:cNvPr id="11" name="PlaceHolder 2"/>
           <p:cNvSpPr>
             <a:spLocks noGrp="1"/>
           </p:cNvSpPr>
@@ -4439,8 +4468,8 @@
         </p:nvSpPr>
         <p:spPr>
           <a:xfrm>
-            <a:off x="6718320" y="749160"/>
-            <a:ext cx="5333760" cy="5333760"/>
+            <a:off x="650160" y="2282040"/>
+            <a:ext cx="11703240" cy="5655960"/>
           </a:xfrm>
           <a:prstGeom prst="rect">
             <a:avLst/>
@@ -4451,8 +4480,8 @@
           </a:ln>
         </p:spPr>
         <p:txBody>
-          <a:bodyPr lIns="91440" rIns="91440" tIns="45720" bIns="45720" anchor="t">
-            <a:noAutofit/>
+          <a:bodyPr lIns="0" rIns="0" tIns="0" bIns="0" anchor="t">
+            <a:normAutofit/>
           </a:bodyPr>
           <a:p>
             <a:pPr marL="432000" indent="-324000">
@@ -4467,19 +4496,19 @@
               <a:buChar char=""/>
             </a:pPr>
             <a:r>
-              <a:rPr b="0" lang="en-US" sz="3200" spc="-1" strike="noStrike">
-                <a:solidFill>
-                  <a:srgbClr val="000000"/>
-                </a:solidFill>
-                <a:latin typeface="Helvetica Neue"/>
-              </a:rPr>
-              <a:t>Click to edit the outline text format</a:t>
-            </a:r>
-            <a:endParaRPr b="0" lang="en-US" sz="3200" spc="-1" strike="noStrike">
-              <a:solidFill>
-                <a:srgbClr val="000000"/>
-              </a:solidFill>
-              <a:latin typeface="Helvetica Neue"/>
+              <a:rPr b="0" lang="pt-BR" sz="1800" spc="-1" strike="noStrike">
+                <a:solidFill>
+                  <a:srgbClr val="000000"/>
+                </a:solidFill>
+                <a:latin typeface="Arial"/>
+              </a:rPr>
+              <a:t>Clique para editar o formato de texto dos tópicos</a:t>
+            </a:r>
+            <a:endParaRPr b="0" lang="pt-BR" sz="1800" spc="-1" strike="noStrike">
+              <a:solidFill>
+                <a:srgbClr val="000000"/>
+              </a:solidFill>
+              <a:latin typeface="Arial"/>
             </a:endParaRPr>
           </a:p>
           <a:p>
@@ -4495,19 +4524,19 @@
               <a:buChar char=""/>
             </a:pPr>
             <a:r>
-              <a:rPr b="0" lang="en-US" sz="3200" spc="-1" strike="noStrike">
-                <a:solidFill>
-                  <a:srgbClr val="000000"/>
-                </a:solidFill>
-                <a:latin typeface="Helvetica Neue"/>
-              </a:rPr>
-              <a:t>Second Outline Level</a:t>
-            </a:r>
-            <a:endParaRPr b="0" lang="en-US" sz="3200" spc="-1" strike="noStrike">
-              <a:solidFill>
-                <a:srgbClr val="000000"/>
-              </a:solidFill>
-              <a:latin typeface="Helvetica Neue"/>
+              <a:rPr b="0" lang="pt-BR" sz="1800" spc="-1" strike="noStrike">
+                <a:solidFill>
+                  <a:srgbClr val="000000"/>
+                </a:solidFill>
+                <a:latin typeface="Arial"/>
+              </a:rPr>
+              <a:t>2.º nível de tópicos</a:t>
+            </a:r>
+            <a:endParaRPr b="0" lang="pt-BR" sz="1800" spc="-1" strike="noStrike">
+              <a:solidFill>
+                <a:srgbClr val="000000"/>
+              </a:solidFill>
+              <a:latin typeface="Arial"/>
             </a:endParaRPr>
           </a:p>
           <a:p>
@@ -4523,19 +4552,19 @@
               <a:buChar char=""/>
             </a:pPr>
             <a:r>
-              <a:rPr b="0" lang="en-US" sz="3200" spc="-1" strike="noStrike">
-                <a:solidFill>
-                  <a:srgbClr val="000000"/>
-                </a:solidFill>
-                <a:latin typeface="Helvetica Neue"/>
-              </a:rPr>
-              <a:t>Third Outline Level</a:t>
-            </a:r>
-            <a:endParaRPr b="0" lang="en-US" sz="3200" spc="-1" strike="noStrike">
-              <a:solidFill>
-                <a:srgbClr val="000000"/>
-              </a:solidFill>
-              <a:latin typeface="Helvetica Neue"/>
+              <a:rPr b="0" lang="pt-BR" sz="1800" spc="-1" strike="noStrike">
+                <a:solidFill>
+                  <a:srgbClr val="000000"/>
+                </a:solidFill>
+                <a:latin typeface="Arial"/>
+              </a:rPr>
+              <a:t>3.º nível de tópicos</a:t>
+            </a:r>
+            <a:endParaRPr b="0" lang="pt-BR" sz="1800" spc="-1" strike="noStrike">
+              <a:solidFill>
+                <a:srgbClr val="000000"/>
+              </a:solidFill>
+              <a:latin typeface="Arial"/>
             </a:endParaRPr>
           </a:p>
           <a:p>
@@ -4551,19 +4580,19 @@
               <a:buChar char=""/>
             </a:pPr>
             <a:r>
-              <a:rPr b="0" lang="en-US" sz="3200" spc="-1" strike="noStrike">
-                <a:solidFill>
-                  <a:srgbClr val="000000"/>
-                </a:solidFill>
-                <a:latin typeface="Helvetica Neue"/>
-              </a:rPr>
-              <a:t>Fourth Outline Level</a:t>
-            </a:r>
-            <a:endParaRPr b="0" lang="en-US" sz="3200" spc="-1" strike="noStrike">
-              <a:solidFill>
-                <a:srgbClr val="000000"/>
-              </a:solidFill>
-              <a:latin typeface="Helvetica Neue"/>
+              <a:rPr b="0" lang="pt-BR" sz="1800" spc="-1" strike="noStrike">
+                <a:solidFill>
+                  <a:srgbClr val="000000"/>
+                </a:solidFill>
+                <a:latin typeface="Arial"/>
+              </a:rPr>
+              <a:t>4.º nível de tópicos</a:t>
+            </a:r>
+            <a:endParaRPr b="0" lang="pt-BR" sz="1800" spc="-1" strike="noStrike">
+              <a:solidFill>
+                <a:srgbClr val="000000"/>
+              </a:solidFill>
+              <a:latin typeface="Arial"/>
             </a:endParaRPr>
           </a:p>
           <a:p>
@@ -4579,19 +4608,19 @@
               <a:buChar char=""/>
             </a:pPr>
             <a:r>
-              <a:rPr b="0" lang="en-US" sz="3200" spc="-1" strike="noStrike">
-                <a:solidFill>
-                  <a:srgbClr val="000000"/>
-                </a:solidFill>
-                <a:latin typeface="Helvetica Neue"/>
-              </a:rPr>
-              <a:t>Fifth Outline Level</a:t>
-            </a:r>
-            <a:endParaRPr b="0" lang="en-US" sz="3200" spc="-1" strike="noStrike">
-              <a:solidFill>
-                <a:srgbClr val="000000"/>
-              </a:solidFill>
-              <a:latin typeface="Helvetica Neue"/>
+              <a:rPr b="0" lang="pt-BR" sz="1800" spc="-1" strike="noStrike">
+                <a:solidFill>
+                  <a:srgbClr val="000000"/>
+                </a:solidFill>
+                <a:latin typeface="Arial"/>
+              </a:rPr>
+              <a:t>5.º nível de tópicos</a:t>
+            </a:r>
+            <a:endParaRPr b="0" lang="pt-BR" sz="1800" spc="-1" strike="noStrike">
+              <a:solidFill>
+                <a:srgbClr val="000000"/>
+              </a:solidFill>
+              <a:latin typeface="Arial"/>
             </a:endParaRPr>
           </a:p>
           <a:p>
@@ -4607,19 +4636,19 @@
               <a:buChar char=""/>
             </a:pPr>
             <a:r>
-              <a:rPr b="0" lang="en-US" sz="3200" spc="-1" strike="noStrike">
-                <a:solidFill>
-                  <a:srgbClr val="000000"/>
-                </a:solidFill>
-                <a:latin typeface="Helvetica Neue"/>
-              </a:rPr>
-              <a:t>Sixth Outline Level</a:t>
-            </a:r>
-            <a:endParaRPr b="0" lang="en-US" sz="3200" spc="-1" strike="noStrike">
-              <a:solidFill>
-                <a:srgbClr val="000000"/>
-              </a:solidFill>
-              <a:latin typeface="Helvetica Neue"/>
+              <a:rPr b="0" lang="pt-BR" sz="1800" spc="-1" strike="noStrike">
+                <a:solidFill>
+                  <a:srgbClr val="000000"/>
+                </a:solidFill>
+                <a:latin typeface="Arial"/>
+              </a:rPr>
+              <a:t>6.º nível de tópicos</a:t>
+            </a:r>
+            <a:endParaRPr b="0" lang="pt-BR" sz="1800" spc="-1" strike="noStrike">
+              <a:solidFill>
+                <a:srgbClr val="000000"/>
+              </a:solidFill>
+              <a:latin typeface="Arial"/>
             </a:endParaRPr>
           </a:p>
           <a:p>
@@ -4635,251 +4664,26 @@
               <a:buChar char=""/>
             </a:pPr>
             <a:r>
-              <a:rPr b="0" lang="en-US" sz="3200" spc="-1" strike="noStrike">
-                <a:solidFill>
-                  <a:srgbClr val="000000"/>
-                </a:solidFill>
-                <a:latin typeface="Helvetica Neue"/>
-              </a:rPr>
-              <a:t>Seventh Outline Level</a:t>
-            </a:r>
-            <a:endParaRPr b="0" lang="en-US" sz="3200" spc="-1" strike="noStrike">
-              <a:solidFill>
-                <a:srgbClr val="000000"/>
-              </a:solidFill>
-              <a:latin typeface="Helvetica Neue"/>
+              <a:rPr b="0" lang="pt-BR" sz="1800" spc="-1" strike="noStrike">
+                <a:solidFill>
+                  <a:srgbClr val="000000"/>
+                </a:solidFill>
+                <a:latin typeface="Arial"/>
+              </a:rPr>
+              <a:t>7.º nível de tópicos</a:t>
+            </a:r>
+            <a:endParaRPr b="0" lang="pt-BR" sz="1800" spc="-1" strike="noStrike">
+              <a:solidFill>
+                <a:srgbClr val="000000"/>
+              </a:solidFill>
+              <a:latin typeface="Arial"/>
             </a:endParaRPr>
           </a:p>
         </p:txBody>
       </p:sp>
       <p:sp>
         <p:nvSpPr>
-          <p:cNvPr id="11" name="PlaceHolder 3"/>
-          <p:cNvSpPr>
-            <a:spLocks noGrp="1"/>
-          </p:cNvSpPr>
-          <p:nvPr>
-            <p:ph type="body"/>
-          </p:nvPr>
-        </p:nvSpPr>
-        <p:spPr>
-          <a:xfrm>
-            <a:off x="-2832120" y="888840"/>
-            <a:ext cx="11963160" cy="7975080"/>
-          </a:xfrm>
-          <a:prstGeom prst="rect">
-            <a:avLst/>
-          </a:prstGeom>
-          <a:noFill/>
-          <a:ln w="0">
-            <a:noFill/>
-          </a:ln>
-        </p:spPr>
-        <p:txBody>
-          <a:bodyPr lIns="91440" rIns="91440" tIns="45720" bIns="45720" anchor="t">
-            <a:noAutofit/>
-          </a:bodyPr>
-          <a:p>
-            <a:pPr marL="432000" indent="-324000">
-              <a:spcBef>
-                <a:spcPts val="1417"/>
-              </a:spcBef>
-              <a:buClr>
-                <a:srgbClr val="000000"/>
-              </a:buClr>
-              <a:buSzPct val="45000"/>
-              <a:buFont typeface="Wingdings" charset="2"/>
-              <a:buChar char=""/>
-            </a:pPr>
-            <a:r>
-              <a:rPr b="0" lang="en-US" sz="3200" spc="-1" strike="noStrike">
-                <a:solidFill>
-                  <a:srgbClr val="000000"/>
-                </a:solidFill>
-                <a:latin typeface="Helvetica Neue"/>
-              </a:rPr>
-              <a:t>Click to edit the outline text format</a:t>
-            </a:r>
-            <a:endParaRPr b="0" lang="en-US" sz="3200" spc="-1" strike="noStrike">
-              <a:solidFill>
-                <a:srgbClr val="000000"/>
-              </a:solidFill>
-              <a:latin typeface="Helvetica Neue"/>
-            </a:endParaRPr>
-          </a:p>
-          <a:p>
-            <a:pPr lvl="1" marL="864000" indent="-324000">
-              <a:spcBef>
-                <a:spcPts val="1134"/>
-              </a:spcBef>
-              <a:buClr>
-                <a:srgbClr val="000000"/>
-              </a:buClr>
-              <a:buSzPct val="75000"/>
-              <a:buFont typeface="Symbol" charset="2"/>
-              <a:buChar char=""/>
-            </a:pPr>
-            <a:r>
-              <a:rPr b="0" lang="en-US" sz="3200" spc="-1" strike="noStrike">
-                <a:solidFill>
-                  <a:srgbClr val="000000"/>
-                </a:solidFill>
-                <a:latin typeface="Helvetica Neue"/>
-              </a:rPr>
-              <a:t>Second Outline Level</a:t>
-            </a:r>
-            <a:endParaRPr b="0" lang="en-US" sz="3200" spc="-1" strike="noStrike">
-              <a:solidFill>
-                <a:srgbClr val="000000"/>
-              </a:solidFill>
-              <a:latin typeface="Helvetica Neue"/>
-            </a:endParaRPr>
-          </a:p>
-          <a:p>
-            <a:pPr lvl="2" marL="1296000" indent="-288000">
-              <a:spcBef>
-                <a:spcPts val="850"/>
-              </a:spcBef>
-              <a:buClr>
-                <a:srgbClr val="000000"/>
-              </a:buClr>
-              <a:buSzPct val="45000"/>
-              <a:buFont typeface="Wingdings" charset="2"/>
-              <a:buChar char=""/>
-            </a:pPr>
-            <a:r>
-              <a:rPr b="0" lang="en-US" sz="3200" spc="-1" strike="noStrike">
-                <a:solidFill>
-                  <a:srgbClr val="000000"/>
-                </a:solidFill>
-                <a:latin typeface="Helvetica Neue"/>
-              </a:rPr>
-              <a:t>Third Outline Level</a:t>
-            </a:r>
-            <a:endParaRPr b="0" lang="en-US" sz="3200" spc="-1" strike="noStrike">
-              <a:solidFill>
-                <a:srgbClr val="000000"/>
-              </a:solidFill>
-              <a:latin typeface="Helvetica Neue"/>
-            </a:endParaRPr>
-          </a:p>
-          <a:p>
-            <a:pPr lvl="3" marL="1728000" indent="-216000">
-              <a:spcBef>
-                <a:spcPts val="567"/>
-              </a:spcBef>
-              <a:buClr>
-                <a:srgbClr val="000000"/>
-              </a:buClr>
-              <a:buSzPct val="75000"/>
-              <a:buFont typeface="Symbol" charset="2"/>
-              <a:buChar char=""/>
-            </a:pPr>
-            <a:r>
-              <a:rPr b="0" lang="en-US" sz="3200" spc="-1" strike="noStrike">
-                <a:solidFill>
-                  <a:srgbClr val="000000"/>
-                </a:solidFill>
-                <a:latin typeface="Helvetica Neue"/>
-              </a:rPr>
-              <a:t>Fourth Outline Level</a:t>
-            </a:r>
-            <a:endParaRPr b="0" lang="en-US" sz="3200" spc="-1" strike="noStrike">
-              <a:solidFill>
-                <a:srgbClr val="000000"/>
-              </a:solidFill>
-              <a:latin typeface="Helvetica Neue"/>
-            </a:endParaRPr>
-          </a:p>
-          <a:p>
-            <a:pPr lvl="4" marL="2160000" indent="-216000">
-              <a:spcBef>
-                <a:spcPts val="283"/>
-              </a:spcBef>
-              <a:buClr>
-                <a:srgbClr val="000000"/>
-              </a:buClr>
-              <a:buSzPct val="45000"/>
-              <a:buFont typeface="Wingdings" charset="2"/>
-              <a:buChar char=""/>
-            </a:pPr>
-            <a:r>
-              <a:rPr b="0" lang="en-US" sz="3200" spc="-1" strike="noStrike">
-                <a:solidFill>
-                  <a:srgbClr val="000000"/>
-                </a:solidFill>
-                <a:latin typeface="Helvetica Neue"/>
-              </a:rPr>
-              <a:t>Fifth Outline Level</a:t>
-            </a:r>
-            <a:endParaRPr b="0" lang="en-US" sz="3200" spc="-1" strike="noStrike">
-              <a:solidFill>
-                <a:srgbClr val="000000"/>
-              </a:solidFill>
-              <a:latin typeface="Helvetica Neue"/>
-            </a:endParaRPr>
-          </a:p>
-          <a:p>
-            <a:pPr lvl="5" marL="2592000" indent="-216000">
-              <a:spcBef>
-                <a:spcPts val="283"/>
-              </a:spcBef>
-              <a:buClr>
-                <a:srgbClr val="000000"/>
-              </a:buClr>
-              <a:buSzPct val="45000"/>
-              <a:buFont typeface="Wingdings" charset="2"/>
-              <a:buChar char=""/>
-            </a:pPr>
-            <a:r>
-              <a:rPr b="0" lang="en-US" sz="3200" spc="-1" strike="noStrike">
-                <a:solidFill>
-                  <a:srgbClr val="000000"/>
-                </a:solidFill>
-                <a:latin typeface="Helvetica Neue"/>
-              </a:rPr>
-              <a:t>Sixth Outline Level</a:t>
-            </a:r>
-            <a:endParaRPr b="0" lang="en-US" sz="3200" spc="-1" strike="noStrike">
-              <a:solidFill>
-                <a:srgbClr val="000000"/>
-              </a:solidFill>
-              <a:latin typeface="Helvetica Neue"/>
-            </a:endParaRPr>
-          </a:p>
-          <a:p>
-            <a:pPr lvl="6" marL="3024000" indent="-216000">
-              <a:spcBef>
-                <a:spcPts val="283"/>
-              </a:spcBef>
-              <a:buClr>
-                <a:srgbClr val="000000"/>
-              </a:buClr>
-              <a:buSzPct val="45000"/>
-              <a:buFont typeface="Wingdings" charset="2"/>
-              <a:buChar char=""/>
-            </a:pPr>
-            <a:r>
-              <a:rPr b="0" lang="en-US" sz="3200" spc="-1" strike="noStrike">
-                <a:solidFill>
-                  <a:srgbClr val="000000"/>
-                </a:solidFill>
-                <a:latin typeface="Helvetica Neue"/>
-              </a:rPr>
-              <a:t>Seventh Outline Level</a:t>
-            </a:r>
-            <a:endParaRPr b="0" lang="en-US" sz="3200" spc="-1" strike="noStrike">
-              <a:solidFill>
-                <a:srgbClr val="000000"/>
-              </a:solidFill>
-              <a:latin typeface="Helvetica Neue"/>
-            </a:endParaRPr>
-          </a:p>
-        </p:txBody>
-      </p:sp>
-      <p:sp>
-        <p:nvSpPr>
-          <p:cNvPr id="12" name="PlaceHolder 4"/>
+          <p:cNvPr id="12" name="PlaceHolder 3"/>
           <p:cNvSpPr>
             <a:spLocks noGrp="1"/>
           </p:cNvSpPr>
@@ -4890,7 +4694,7 @@
         <p:spPr>
           <a:xfrm>
             <a:off x="6328800" y="9296280"/>
-            <a:ext cx="339840" cy="324000"/>
+            <a:ext cx="339480" cy="323640"/>
           </a:xfrm>
           <a:prstGeom prst="rect">
             <a:avLst/>
@@ -4904,11 +4708,37 @@
           <a:bodyPr lIns="50760" rIns="50760" tIns="50760" bIns="50760" anchor="t">
             <a:noAutofit/>
           </a:bodyPr>
+          <a:lstStyle>
+            <a:lvl1pPr indent="0">
+              <a:lnSpc>
+                <a:spcPct val="100000"/>
+              </a:lnSpc>
+              <a:buNone/>
+              <a:defRPr b="0" lang="pt-BR" sz="1400" spc="-1" strike="noStrike">
+                <a:solidFill>
+                  <a:srgbClr val="000000"/>
+                </a:solidFill>
+                <a:latin typeface="Times New Roman"/>
+              </a:defRPr>
+            </a:lvl1pPr>
+          </a:lstStyle>
           <a:p>
             <a:pPr indent="0">
+              <a:lnSpc>
+                <a:spcPct val="100000"/>
+              </a:lnSpc>
               <a:buNone/>
             </a:pPr>
-            <a:endParaRPr b="0" lang="en-US" sz="1600" spc="-1" strike="noStrike">
+            <a:fld id="{D651D56F-6C99-43D5-ABDA-C6F4422B31C9}" type="slidenum">
+              <a:rPr b="0" lang="pt-BR" sz="1400" spc="-1" strike="noStrike">
+                <a:solidFill>
+                  <a:srgbClr val="000000"/>
+                </a:solidFill>
+                <a:latin typeface="Times New Roman"/>
+              </a:rPr>
+              <a:t>&lt;número&gt;</a:t>
+            </a:fld>
+            <a:endParaRPr b="0" lang="pt-BR" sz="1400" spc="-1" strike="noStrike">
               <a:solidFill>
                 <a:srgbClr val="000000"/>
               </a:solidFill>
@@ -4957,61 +4787,44 @@
             <a:spLocks noGrp="1"/>
           </p:cNvSpPr>
           <p:nvPr>
-            <p:ph type="body"/>
+            <p:ph type="title"/>
           </p:nvPr>
         </p:nvSpPr>
         <p:spPr>
           <a:xfrm>
-            <a:off x="1270080" y="6362640"/>
-            <a:ext cx="10464480" cy="5758200"/>
+            <a:off x="650160" y="389160"/>
+            <a:ext cx="11703240" cy="1627920"/>
           </a:xfrm>
           <a:prstGeom prst="rect">
             <a:avLst/>
           </a:prstGeom>
           <a:noFill/>
-          <a:ln w="12600">
+          <a:ln w="0">
             <a:noFill/>
           </a:ln>
         </p:spPr>
         <p:txBody>
-          <a:bodyPr lIns="50760" rIns="50760" tIns="50760" bIns="50760" anchor="t">
+          <a:bodyPr lIns="0" rIns="0" tIns="0" bIns="0" anchor="ctr">
             <a:noAutofit/>
           </a:bodyPr>
           <a:p>
-            <a:pPr indent="0" algn="ctr" defTabSz="584280">
-              <a:lnSpc>
-                <a:spcPct val="100000"/>
-              </a:lnSpc>
+            <a:pPr indent="0">
               <a:buNone/>
-              <a:tabLst>
-                <a:tab algn="l" pos="0"/>
-              </a:tabLst>
-            </a:pPr>
-            <a:r>
-              <a:rPr b="0" i="1" lang="en-US" sz="2400" spc="-1" strike="noStrike">
-                <a:solidFill>
-                  <a:srgbClr val="000000"/>
-                </a:solidFill>
-                <a:latin typeface="Helvetica Neue"/>
-                <a:ea typeface="Helvetica Neue"/>
-              </a:rPr>
-              <a:t>–</a:t>
-            </a:r>
-            <a:r>
-              <a:rPr b="0" i="1" lang="en-US" sz="2400" spc="-1" strike="noStrike">
-                <a:solidFill>
-                  <a:srgbClr val="000000"/>
-                </a:solidFill>
-                <a:latin typeface="Helvetica Neue"/>
-                <a:ea typeface="Helvetica Neue"/>
-              </a:rPr>
-              <a:t>Manuel Macieira</a:t>
-            </a:r>
-            <a:endParaRPr b="0" lang="en-US" sz="2400" spc="-1" strike="noStrike">
-              <a:solidFill>
-                <a:srgbClr val="000000"/>
-              </a:solidFill>
-              <a:latin typeface="Helvetica Neue"/>
+            </a:pPr>
+            <a:r>
+              <a:rPr b="0" lang="pt-BR" sz="1800" spc="-1" strike="noStrike">
+                <a:solidFill>
+                  <a:srgbClr val="000000"/>
+                </a:solidFill>
+                <a:latin typeface="Arial"/>
+              </a:rPr>
+              <a:t>Clique para editar o formato do texto do título</a:t>
+            </a:r>
+            <a:endParaRPr b="0" lang="pt-BR" sz="1800" spc="-1" strike="noStrike">
+              <a:solidFill>
+                <a:srgbClr val="000000"/>
+              </a:solidFill>
+              <a:latin typeface="Arial"/>
             </a:endParaRPr>
           </a:p>
         </p:txBody>
@@ -5028,56 +4841,215 @@
         </p:nvSpPr>
         <p:spPr>
           <a:xfrm>
-            <a:off x="1270080" y="1692720"/>
-            <a:ext cx="10464480" cy="5758200"/>
+            <a:off x="650160" y="2282040"/>
+            <a:ext cx="11703240" cy="5655960"/>
           </a:xfrm>
           <a:prstGeom prst="rect">
             <a:avLst/>
           </a:prstGeom>
           <a:noFill/>
-          <a:ln w="12600">
+          <a:ln w="0">
             <a:noFill/>
           </a:ln>
         </p:spPr>
         <p:txBody>
-          <a:bodyPr lIns="50760" rIns="50760" tIns="50760" bIns="50760" anchor="ctr">
-            <a:noAutofit/>
+          <a:bodyPr lIns="0" rIns="0" tIns="0" bIns="0" anchor="t">
+            <a:normAutofit/>
           </a:bodyPr>
           <a:p>
-            <a:pPr indent="0" algn="ctr" defTabSz="584280">
-              <a:lnSpc>
-                <a:spcPct val="100000"/>
-              </a:lnSpc>
-              <a:buNone/>
-              <a:tabLst>
-                <a:tab algn="l" pos="0"/>
-              </a:tabLst>
-            </a:pPr>
-            <a:r>
-              <a:rPr b="0" lang="en-US" sz="3400" spc="-1" strike="noStrike">
-                <a:solidFill>
-                  <a:srgbClr val="000000"/>
-                </a:solidFill>
-                <a:latin typeface="Helvetica Neue Medium"/>
-                <a:ea typeface="Helvetica Neue Medium"/>
-              </a:rPr>
-              <a:t>“</a:t>
-            </a:r>
-            <a:r>
-              <a:rPr b="0" lang="en-US" sz="3400" spc="-1" strike="noStrike">
-                <a:solidFill>
-                  <a:srgbClr val="000000"/>
-                </a:solidFill>
-                <a:latin typeface="Helvetica Neue Medium"/>
-                <a:ea typeface="Helvetica Neue Medium"/>
-              </a:rPr>
-              <a:t>Digite aqui uma citação.” </a:t>
-            </a:r>
-            <a:endParaRPr b="0" lang="en-US" sz="3400" spc="-1" strike="noStrike">
-              <a:solidFill>
-                <a:srgbClr val="000000"/>
-              </a:solidFill>
-              <a:latin typeface="Helvetica Neue"/>
+            <a:pPr marL="432000" indent="-324000">
+              <a:spcBef>
+                <a:spcPts val="1417"/>
+              </a:spcBef>
+              <a:buClr>
+                <a:srgbClr val="000000"/>
+              </a:buClr>
+              <a:buSzPct val="45000"/>
+              <a:buFont typeface="Wingdings" charset="2"/>
+              <a:buChar char=""/>
+            </a:pPr>
+            <a:r>
+              <a:rPr b="0" lang="pt-BR" sz="1800" spc="-1" strike="noStrike">
+                <a:solidFill>
+                  <a:srgbClr val="000000"/>
+                </a:solidFill>
+                <a:latin typeface="Arial"/>
+              </a:rPr>
+              <a:t>Clique para editar o formato de texto dos tópicos</a:t>
+            </a:r>
+            <a:endParaRPr b="0" lang="pt-BR" sz="1800" spc="-1" strike="noStrike">
+              <a:solidFill>
+                <a:srgbClr val="000000"/>
+              </a:solidFill>
+              <a:latin typeface="Arial"/>
+            </a:endParaRPr>
+          </a:p>
+          <a:p>
+            <a:pPr lvl="1" marL="864000" indent="-324000">
+              <a:spcBef>
+                <a:spcPts val="1134"/>
+              </a:spcBef>
+              <a:buClr>
+                <a:srgbClr val="000000"/>
+              </a:buClr>
+              <a:buSzPct val="75000"/>
+              <a:buFont typeface="Symbol" charset="2"/>
+              <a:buChar char=""/>
+            </a:pPr>
+            <a:r>
+              <a:rPr b="0" lang="pt-BR" sz="1800" spc="-1" strike="noStrike">
+                <a:solidFill>
+                  <a:srgbClr val="000000"/>
+                </a:solidFill>
+                <a:latin typeface="Arial"/>
+              </a:rPr>
+              <a:t>2.º nível de tópicos</a:t>
+            </a:r>
+            <a:endParaRPr b="0" lang="pt-BR" sz="1800" spc="-1" strike="noStrike">
+              <a:solidFill>
+                <a:srgbClr val="000000"/>
+              </a:solidFill>
+              <a:latin typeface="Arial"/>
+            </a:endParaRPr>
+          </a:p>
+          <a:p>
+            <a:pPr lvl="2" marL="1296000" indent="-288000">
+              <a:spcBef>
+                <a:spcPts val="850"/>
+              </a:spcBef>
+              <a:buClr>
+                <a:srgbClr val="000000"/>
+              </a:buClr>
+              <a:buSzPct val="45000"/>
+              <a:buFont typeface="Wingdings" charset="2"/>
+              <a:buChar char=""/>
+            </a:pPr>
+            <a:r>
+              <a:rPr b="0" lang="pt-BR" sz="1800" spc="-1" strike="noStrike">
+                <a:solidFill>
+                  <a:srgbClr val="000000"/>
+                </a:solidFill>
+                <a:latin typeface="Arial"/>
+              </a:rPr>
+              <a:t>3.º nível de tópicos</a:t>
+            </a:r>
+            <a:endParaRPr b="0" lang="pt-BR" sz="1800" spc="-1" strike="noStrike">
+              <a:solidFill>
+                <a:srgbClr val="000000"/>
+              </a:solidFill>
+              <a:latin typeface="Arial"/>
+            </a:endParaRPr>
+          </a:p>
+          <a:p>
+            <a:pPr lvl="3" marL="1728000" indent="-216000">
+              <a:spcBef>
+                <a:spcPts val="567"/>
+              </a:spcBef>
+              <a:buClr>
+                <a:srgbClr val="000000"/>
+              </a:buClr>
+              <a:buSzPct val="75000"/>
+              <a:buFont typeface="Symbol" charset="2"/>
+              <a:buChar char=""/>
+            </a:pPr>
+            <a:r>
+              <a:rPr b="0" lang="pt-BR" sz="1800" spc="-1" strike="noStrike">
+                <a:solidFill>
+                  <a:srgbClr val="000000"/>
+                </a:solidFill>
+                <a:latin typeface="Arial"/>
+              </a:rPr>
+              <a:t>4.º nível de tópicos</a:t>
+            </a:r>
+            <a:endParaRPr b="0" lang="pt-BR" sz="1800" spc="-1" strike="noStrike">
+              <a:solidFill>
+                <a:srgbClr val="000000"/>
+              </a:solidFill>
+              <a:latin typeface="Arial"/>
+            </a:endParaRPr>
+          </a:p>
+          <a:p>
+            <a:pPr lvl="4" marL="2160000" indent="-216000">
+              <a:spcBef>
+                <a:spcPts val="283"/>
+              </a:spcBef>
+              <a:buClr>
+                <a:srgbClr val="000000"/>
+              </a:buClr>
+              <a:buSzPct val="45000"/>
+              <a:buFont typeface="Wingdings" charset="2"/>
+              <a:buChar char=""/>
+            </a:pPr>
+            <a:r>
+              <a:rPr b="0" lang="pt-BR" sz="1800" spc="-1" strike="noStrike">
+                <a:solidFill>
+                  <a:srgbClr val="000000"/>
+                </a:solidFill>
+                <a:latin typeface="Arial"/>
+              </a:rPr>
+              <a:t>5.º nível de tópicos</a:t>
+            </a:r>
+            <a:endParaRPr b="0" lang="pt-BR" sz="1800" spc="-1" strike="noStrike">
+              <a:solidFill>
+                <a:srgbClr val="000000"/>
+              </a:solidFill>
+              <a:latin typeface="Arial"/>
+            </a:endParaRPr>
+          </a:p>
+          <a:p>
+            <a:pPr lvl="5" marL="2592000" indent="-216000">
+              <a:spcBef>
+                <a:spcPts val="283"/>
+              </a:spcBef>
+              <a:buClr>
+                <a:srgbClr val="000000"/>
+              </a:buClr>
+              <a:buSzPct val="45000"/>
+              <a:buFont typeface="Wingdings" charset="2"/>
+              <a:buChar char=""/>
+            </a:pPr>
+            <a:r>
+              <a:rPr b="0" lang="pt-BR" sz="1800" spc="-1" strike="noStrike">
+                <a:solidFill>
+                  <a:srgbClr val="000000"/>
+                </a:solidFill>
+                <a:latin typeface="Arial"/>
+              </a:rPr>
+              <a:t>6.º nível de tópicos</a:t>
+            </a:r>
+            <a:endParaRPr b="0" lang="pt-BR" sz="1800" spc="-1" strike="noStrike">
+              <a:solidFill>
+                <a:srgbClr val="000000"/>
+              </a:solidFill>
+              <a:latin typeface="Arial"/>
+            </a:endParaRPr>
+          </a:p>
+          <a:p>
+            <a:pPr lvl="6" marL="3024000" indent="-216000">
+              <a:spcBef>
+                <a:spcPts val="283"/>
+              </a:spcBef>
+              <a:buClr>
+                <a:srgbClr val="000000"/>
+              </a:buClr>
+              <a:buSzPct val="45000"/>
+              <a:buFont typeface="Wingdings" charset="2"/>
+              <a:buChar char=""/>
+            </a:pPr>
+            <a:r>
+              <a:rPr b="0" lang="pt-BR" sz="1800" spc="-1" strike="noStrike">
+                <a:solidFill>
+                  <a:srgbClr val="000000"/>
+                </a:solidFill>
+                <a:latin typeface="Arial"/>
+              </a:rPr>
+              <a:t>7.º nível de tópicos</a:t>
+            </a:r>
+            <a:endParaRPr b="0" lang="pt-BR" sz="1800" spc="-1" strike="noStrike">
+              <a:solidFill>
+                <a:srgbClr val="000000"/>
+              </a:solidFill>
+              <a:latin typeface="Arial"/>
             </a:endParaRPr>
           </a:p>
         </p:txBody>
@@ -5095,7 +5067,7 @@
         <p:spPr>
           <a:xfrm>
             <a:off x="6328800" y="9296280"/>
-            <a:ext cx="339840" cy="324000"/>
+            <a:ext cx="339480" cy="323640"/>
           </a:xfrm>
           <a:prstGeom prst="rect">
             <a:avLst/>
@@ -5109,11 +5081,37 @@
           <a:bodyPr lIns="50760" rIns="50760" tIns="50760" bIns="50760" anchor="t">
             <a:noAutofit/>
           </a:bodyPr>
+          <a:lstStyle>
+            <a:lvl1pPr indent="0">
+              <a:lnSpc>
+                <a:spcPct val="100000"/>
+              </a:lnSpc>
+              <a:buNone/>
+              <a:defRPr b="0" lang="pt-BR" sz="1400" spc="-1" strike="noStrike">
+                <a:solidFill>
+                  <a:srgbClr val="000000"/>
+                </a:solidFill>
+                <a:latin typeface="Times New Roman"/>
+              </a:defRPr>
+            </a:lvl1pPr>
+          </a:lstStyle>
           <a:p>
             <a:pPr indent="0">
+              <a:lnSpc>
+                <a:spcPct val="100000"/>
+              </a:lnSpc>
               <a:buNone/>
             </a:pPr>
-            <a:endParaRPr b="0" lang="en-US" sz="1600" spc="-1" strike="noStrike">
+            <a:fld id="{E1AFA87B-271B-4EEC-AB85-987567DBC9ED}" type="slidenum">
+              <a:rPr b="0" lang="pt-BR" sz="1400" spc="-1" strike="noStrike">
+                <a:solidFill>
+                  <a:srgbClr val="000000"/>
+                </a:solidFill>
+                <a:latin typeface="Times New Roman"/>
+              </a:rPr>
+              <a:t>&lt;número&gt;</a:t>
+            </a:fld>
+            <a:endParaRPr b="0" lang="pt-BR" sz="1400" spc="-1" strike="noStrike">
               <a:solidFill>
                 <a:srgbClr val="000000"/>
               </a:solidFill>
@@ -5162,13 +5160,13 @@
             <a:spLocks noGrp="1"/>
           </p:cNvSpPr>
           <p:nvPr>
-            <p:ph type="body"/>
+            <p:ph type="title"/>
           </p:nvPr>
         </p:nvSpPr>
         <p:spPr>
           <a:xfrm>
-            <a:off x="-1308240" y="-50760"/>
-            <a:ext cx="14782320" cy="9855000"/>
+            <a:off x="650160" y="389160"/>
+            <a:ext cx="11703240" cy="1627920"/>
           </a:xfrm>
           <a:prstGeom prst="rect">
             <a:avLst/>
@@ -5179,203 +5177,27 @@
           </a:ln>
         </p:spPr>
         <p:txBody>
-          <a:bodyPr lIns="91440" rIns="91440" tIns="45720" bIns="45720" anchor="t">
+          <a:bodyPr lIns="0" rIns="0" tIns="0" bIns="0" anchor="ctr">
             <a:noAutofit/>
           </a:bodyPr>
           <a:p>
-            <a:pPr marL="432000" indent="-324000">
-              <a:spcBef>
-                <a:spcPts val="1417"/>
-              </a:spcBef>
-              <a:buClr>
-                <a:srgbClr val="000000"/>
-              </a:buClr>
-              <a:buSzPct val="45000"/>
-              <a:buFont typeface="Wingdings" charset="2"/>
-              <a:buChar char=""/>
-            </a:pPr>
-            <a:r>
-              <a:rPr b="0" lang="en-US" sz="3200" spc="-1" strike="noStrike">
-                <a:solidFill>
-                  <a:srgbClr val="000000"/>
-                </a:solidFill>
-                <a:latin typeface="Helvetica Neue"/>
-              </a:rPr>
-              <a:t>Click to edit the outline text format</a:t>
-            </a:r>
-            <a:endParaRPr b="0" lang="en-US" sz="3200" spc="-1" strike="noStrike">
-              <a:solidFill>
-                <a:srgbClr val="000000"/>
-              </a:solidFill>
-              <a:latin typeface="Helvetica Neue"/>
-            </a:endParaRPr>
-          </a:p>
-          <a:p>
-            <a:pPr lvl="1" marL="864000" indent="-324000">
-              <a:spcBef>
-                <a:spcPts val="1134"/>
-              </a:spcBef>
-              <a:buClr>
-                <a:srgbClr val="000000"/>
-              </a:buClr>
-              <a:buSzPct val="75000"/>
-              <a:buFont typeface="Symbol" charset="2"/>
-              <a:buChar char=""/>
-            </a:pPr>
-            <a:r>
-              <a:rPr b="0" lang="en-US" sz="3200" spc="-1" strike="noStrike">
-                <a:solidFill>
-                  <a:srgbClr val="000000"/>
-                </a:solidFill>
-                <a:latin typeface="Helvetica Neue"/>
-              </a:rPr>
-              <a:t>Second Outline Level</a:t>
-            </a:r>
-            <a:endParaRPr b="0" lang="en-US" sz="3200" spc="-1" strike="noStrike">
-              <a:solidFill>
-                <a:srgbClr val="000000"/>
-              </a:solidFill>
-              <a:latin typeface="Helvetica Neue"/>
-            </a:endParaRPr>
-          </a:p>
-          <a:p>
-            <a:pPr lvl="2" marL="1296000" indent="-288000">
-              <a:spcBef>
-                <a:spcPts val="850"/>
-              </a:spcBef>
-              <a:buClr>
-                <a:srgbClr val="000000"/>
-              </a:buClr>
-              <a:buSzPct val="45000"/>
-              <a:buFont typeface="Wingdings" charset="2"/>
-              <a:buChar char=""/>
-            </a:pPr>
-            <a:r>
-              <a:rPr b="0" lang="en-US" sz="3200" spc="-1" strike="noStrike">
-                <a:solidFill>
-                  <a:srgbClr val="000000"/>
-                </a:solidFill>
-                <a:latin typeface="Helvetica Neue"/>
-              </a:rPr>
-              <a:t>Third Outline Level</a:t>
-            </a:r>
-            <a:endParaRPr b="0" lang="en-US" sz="3200" spc="-1" strike="noStrike">
-              <a:solidFill>
-                <a:srgbClr val="000000"/>
-              </a:solidFill>
-              <a:latin typeface="Helvetica Neue"/>
-            </a:endParaRPr>
-          </a:p>
-          <a:p>
-            <a:pPr lvl="3" marL="1728000" indent="-216000">
-              <a:spcBef>
-                <a:spcPts val="567"/>
-              </a:spcBef>
-              <a:buClr>
-                <a:srgbClr val="000000"/>
-              </a:buClr>
-              <a:buSzPct val="75000"/>
-              <a:buFont typeface="Symbol" charset="2"/>
-              <a:buChar char=""/>
-            </a:pPr>
-            <a:r>
-              <a:rPr b="0" lang="en-US" sz="3200" spc="-1" strike="noStrike">
-                <a:solidFill>
-                  <a:srgbClr val="000000"/>
-                </a:solidFill>
-                <a:latin typeface="Helvetica Neue"/>
-              </a:rPr>
-              <a:t>Fourth Outline Level</a:t>
-            </a:r>
-            <a:endParaRPr b="0" lang="en-US" sz="3200" spc="-1" strike="noStrike">
-              <a:solidFill>
-                <a:srgbClr val="000000"/>
-              </a:solidFill>
-              <a:latin typeface="Helvetica Neue"/>
-            </a:endParaRPr>
-          </a:p>
-          <a:p>
-            <a:pPr lvl="4" marL="2160000" indent="-216000">
-              <a:spcBef>
-                <a:spcPts val="283"/>
-              </a:spcBef>
-              <a:buClr>
-                <a:srgbClr val="000000"/>
-              </a:buClr>
-              <a:buSzPct val="45000"/>
-              <a:buFont typeface="Wingdings" charset="2"/>
-              <a:buChar char=""/>
-            </a:pPr>
-            <a:r>
-              <a:rPr b="0" lang="en-US" sz="3200" spc="-1" strike="noStrike">
-                <a:solidFill>
-                  <a:srgbClr val="000000"/>
-                </a:solidFill>
-                <a:latin typeface="Helvetica Neue"/>
-              </a:rPr>
-              <a:t>Fifth Outline Level</a:t>
-            </a:r>
-            <a:endParaRPr b="0" lang="en-US" sz="3200" spc="-1" strike="noStrike">
-              <a:solidFill>
-                <a:srgbClr val="000000"/>
-              </a:solidFill>
-              <a:latin typeface="Helvetica Neue"/>
-            </a:endParaRPr>
-          </a:p>
-          <a:p>
-            <a:pPr lvl="5" marL="2592000" indent="-216000">
-              <a:spcBef>
-                <a:spcPts val="283"/>
-              </a:spcBef>
-              <a:buClr>
-                <a:srgbClr val="000000"/>
-              </a:buClr>
-              <a:buSzPct val="45000"/>
-              <a:buFont typeface="Wingdings" charset="2"/>
-              <a:buChar char=""/>
-            </a:pPr>
-            <a:r>
-              <a:rPr b="0" lang="en-US" sz="3200" spc="-1" strike="noStrike">
-                <a:solidFill>
-                  <a:srgbClr val="000000"/>
-                </a:solidFill>
-                <a:latin typeface="Helvetica Neue"/>
-              </a:rPr>
-              <a:t>Sixth Outline Level</a:t>
-            </a:r>
-            <a:endParaRPr b="0" lang="en-US" sz="3200" spc="-1" strike="noStrike">
-              <a:solidFill>
-                <a:srgbClr val="000000"/>
-              </a:solidFill>
-              <a:latin typeface="Helvetica Neue"/>
-            </a:endParaRPr>
-          </a:p>
-          <a:p>
-            <a:pPr lvl="6" marL="3024000" indent="-216000">
-              <a:spcBef>
-                <a:spcPts val="283"/>
-              </a:spcBef>
-              <a:buClr>
-                <a:srgbClr val="000000"/>
-              </a:buClr>
-              <a:buSzPct val="45000"/>
-              <a:buFont typeface="Wingdings" charset="2"/>
-              <a:buChar char=""/>
-            </a:pPr>
-            <a:r>
-              <a:rPr b="0" lang="en-US" sz="3200" spc="-1" strike="noStrike">
-                <a:solidFill>
-                  <a:srgbClr val="000000"/>
-                </a:solidFill>
-                <a:latin typeface="Helvetica Neue"/>
-              </a:rPr>
-              <a:t>Seventh Outline Level</a:t>
-            </a:r>
-            <a:endParaRPr b="0" lang="en-US" sz="3200" spc="-1" strike="noStrike">
-              <a:solidFill>
-                <a:srgbClr val="000000"/>
-              </a:solidFill>
-              <a:latin typeface="Helvetica Neue"/>
+            <a:pPr indent="0">
+              <a:buNone/>
+            </a:pPr>
+            <a:r>
+              <a:rPr b="0" lang="pt-BR" sz="1800" spc="-1" strike="noStrike">
+                <a:solidFill>
+                  <a:srgbClr val="000000"/>
+                </a:solidFill>
+                <a:latin typeface="Arial"/>
+              </a:rPr>
+              <a:t>Clique para editar o formato do texto do título</a:t>
+            </a:r>
+            <a:endParaRPr b="0" lang="pt-BR" sz="1800" spc="-1" strike="noStrike">
+              <a:solidFill>
+                <a:srgbClr val="000000"/>
+              </a:solidFill>
+              <a:latin typeface="Arial"/>
             </a:endParaRPr>
           </a:p>
         </p:txBody>
@@ -5383,6 +5205,231 @@
       <p:sp>
         <p:nvSpPr>
           <p:cNvPr id="21" name="PlaceHolder 2"/>
+          <p:cNvSpPr>
+            <a:spLocks noGrp="1"/>
+          </p:cNvSpPr>
+          <p:nvPr>
+            <p:ph type="body"/>
+          </p:nvPr>
+        </p:nvSpPr>
+        <p:spPr>
+          <a:xfrm>
+            <a:off x="650160" y="2282040"/>
+            <a:ext cx="11703240" cy="5655960"/>
+          </a:xfrm>
+          <a:prstGeom prst="rect">
+            <a:avLst/>
+          </a:prstGeom>
+          <a:noFill/>
+          <a:ln w="0">
+            <a:noFill/>
+          </a:ln>
+        </p:spPr>
+        <p:txBody>
+          <a:bodyPr lIns="0" rIns="0" tIns="0" bIns="0" anchor="t">
+            <a:normAutofit/>
+          </a:bodyPr>
+          <a:p>
+            <a:pPr marL="432000" indent="-324000">
+              <a:spcBef>
+                <a:spcPts val="1417"/>
+              </a:spcBef>
+              <a:buClr>
+                <a:srgbClr val="000000"/>
+              </a:buClr>
+              <a:buSzPct val="45000"/>
+              <a:buFont typeface="Wingdings" charset="2"/>
+              <a:buChar char=""/>
+            </a:pPr>
+            <a:r>
+              <a:rPr b="0" lang="pt-BR" sz="1800" spc="-1" strike="noStrike">
+                <a:solidFill>
+                  <a:srgbClr val="000000"/>
+                </a:solidFill>
+                <a:latin typeface="Arial"/>
+              </a:rPr>
+              <a:t>Clique para editar o formato de texto dos tópicos</a:t>
+            </a:r>
+            <a:endParaRPr b="0" lang="pt-BR" sz="1800" spc="-1" strike="noStrike">
+              <a:solidFill>
+                <a:srgbClr val="000000"/>
+              </a:solidFill>
+              <a:latin typeface="Arial"/>
+            </a:endParaRPr>
+          </a:p>
+          <a:p>
+            <a:pPr lvl="1" marL="864000" indent="-324000">
+              <a:spcBef>
+                <a:spcPts val="1134"/>
+              </a:spcBef>
+              <a:buClr>
+                <a:srgbClr val="000000"/>
+              </a:buClr>
+              <a:buSzPct val="75000"/>
+              <a:buFont typeface="Symbol" charset="2"/>
+              <a:buChar char=""/>
+            </a:pPr>
+            <a:r>
+              <a:rPr b="0" lang="pt-BR" sz="1800" spc="-1" strike="noStrike">
+                <a:solidFill>
+                  <a:srgbClr val="000000"/>
+                </a:solidFill>
+                <a:latin typeface="Arial"/>
+              </a:rPr>
+              <a:t>2.º nível de tópicos</a:t>
+            </a:r>
+            <a:endParaRPr b="0" lang="pt-BR" sz="1800" spc="-1" strike="noStrike">
+              <a:solidFill>
+                <a:srgbClr val="000000"/>
+              </a:solidFill>
+              <a:latin typeface="Arial"/>
+            </a:endParaRPr>
+          </a:p>
+          <a:p>
+            <a:pPr lvl="2" marL="1296000" indent="-288000">
+              <a:spcBef>
+                <a:spcPts val="850"/>
+              </a:spcBef>
+              <a:buClr>
+                <a:srgbClr val="000000"/>
+              </a:buClr>
+              <a:buSzPct val="45000"/>
+              <a:buFont typeface="Wingdings" charset="2"/>
+              <a:buChar char=""/>
+            </a:pPr>
+            <a:r>
+              <a:rPr b="0" lang="pt-BR" sz="1800" spc="-1" strike="noStrike">
+                <a:solidFill>
+                  <a:srgbClr val="000000"/>
+                </a:solidFill>
+                <a:latin typeface="Arial"/>
+              </a:rPr>
+              <a:t>3.º nível de tópicos</a:t>
+            </a:r>
+            <a:endParaRPr b="0" lang="pt-BR" sz="1800" spc="-1" strike="noStrike">
+              <a:solidFill>
+                <a:srgbClr val="000000"/>
+              </a:solidFill>
+              <a:latin typeface="Arial"/>
+            </a:endParaRPr>
+          </a:p>
+          <a:p>
+            <a:pPr lvl="3" marL="1728000" indent="-216000">
+              <a:spcBef>
+                <a:spcPts val="567"/>
+              </a:spcBef>
+              <a:buClr>
+                <a:srgbClr val="000000"/>
+              </a:buClr>
+              <a:buSzPct val="75000"/>
+              <a:buFont typeface="Symbol" charset="2"/>
+              <a:buChar char=""/>
+            </a:pPr>
+            <a:r>
+              <a:rPr b="0" lang="pt-BR" sz="1800" spc="-1" strike="noStrike">
+                <a:solidFill>
+                  <a:srgbClr val="000000"/>
+                </a:solidFill>
+                <a:latin typeface="Arial"/>
+              </a:rPr>
+              <a:t>4.º nível de tópicos</a:t>
+            </a:r>
+            <a:endParaRPr b="0" lang="pt-BR" sz="1800" spc="-1" strike="noStrike">
+              <a:solidFill>
+                <a:srgbClr val="000000"/>
+              </a:solidFill>
+              <a:latin typeface="Arial"/>
+            </a:endParaRPr>
+          </a:p>
+          <a:p>
+            <a:pPr lvl="4" marL="2160000" indent="-216000">
+              <a:spcBef>
+                <a:spcPts val="283"/>
+              </a:spcBef>
+              <a:buClr>
+                <a:srgbClr val="000000"/>
+              </a:buClr>
+              <a:buSzPct val="45000"/>
+              <a:buFont typeface="Wingdings" charset="2"/>
+              <a:buChar char=""/>
+            </a:pPr>
+            <a:r>
+              <a:rPr b="0" lang="pt-BR" sz="1800" spc="-1" strike="noStrike">
+                <a:solidFill>
+                  <a:srgbClr val="000000"/>
+                </a:solidFill>
+                <a:latin typeface="Arial"/>
+              </a:rPr>
+              <a:t>5.º nível de tópicos</a:t>
+            </a:r>
+            <a:endParaRPr b="0" lang="pt-BR" sz="1800" spc="-1" strike="noStrike">
+              <a:solidFill>
+                <a:srgbClr val="000000"/>
+              </a:solidFill>
+              <a:latin typeface="Arial"/>
+            </a:endParaRPr>
+          </a:p>
+          <a:p>
+            <a:pPr lvl="5" marL="2592000" indent="-216000">
+              <a:spcBef>
+                <a:spcPts val="283"/>
+              </a:spcBef>
+              <a:buClr>
+                <a:srgbClr val="000000"/>
+              </a:buClr>
+              <a:buSzPct val="45000"/>
+              <a:buFont typeface="Wingdings" charset="2"/>
+              <a:buChar char=""/>
+            </a:pPr>
+            <a:r>
+              <a:rPr b="0" lang="pt-BR" sz="1800" spc="-1" strike="noStrike">
+                <a:solidFill>
+                  <a:srgbClr val="000000"/>
+                </a:solidFill>
+                <a:latin typeface="Arial"/>
+              </a:rPr>
+              <a:t>6.º nível de tópicos</a:t>
+            </a:r>
+            <a:endParaRPr b="0" lang="pt-BR" sz="1800" spc="-1" strike="noStrike">
+              <a:solidFill>
+                <a:srgbClr val="000000"/>
+              </a:solidFill>
+              <a:latin typeface="Arial"/>
+            </a:endParaRPr>
+          </a:p>
+          <a:p>
+            <a:pPr lvl="6" marL="3024000" indent="-216000">
+              <a:spcBef>
+                <a:spcPts val="283"/>
+              </a:spcBef>
+              <a:buClr>
+                <a:srgbClr val="000000"/>
+              </a:buClr>
+              <a:buSzPct val="45000"/>
+              <a:buFont typeface="Wingdings" charset="2"/>
+              <a:buChar char=""/>
+            </a:pPr>
+            <a:r>
+              <a:rPr b="0" lang="pt-BR" sz="1800" spc="-1" strike="noStrike">
+                <a:solidFill>
+                  <a:srgbClr val="000000"/>
+                </a:solidFill>
+                <a:latin typeface="Arial"/>
+              </a:rPr>
+              <a:t>7.º nível de tópicos</a:t>
+            </a:r>
+            <a:endParaRPr b="0" lang="pt-BR" sz="1800" spc="-1" strike="noStrike">
+              <a:solidFill>
+                <a:srgbClr val="000000"/>
+              </a:solidFill>
+              <a:latin typeface="Arial"/>
+            </a:endParaRPr>
+          </a:p>
+        </p:txBody>
+      </p:sp>
+      <p:sp>
+        <p:nvSpPr>
+          <p:cNvPr id="22" name="PlaceHolder 3"/>
           <p:cNvSpPr>
             <a:spLocks noGrp="1"/>
           </p:cNvSpPr>
@@ -5393,7 +5440,7 @@
         <p:spPr>
           <a:xfrm>
             <a:off x="6328800" y="9296280"/>
-            <a:ext cx="339840" cy="324000"/>
+            <a:ext cx="339480" cy="323640"/>
           </a:xfrm>
           <a:prstGeom prst="rect">
             <a:avLst/>
@@ -5407,11 +5454,37 @@
           <a:bodyPr lIns="50760" rIns="50760" tIns="50760" bIns="50760" anchor="t">
             <a:noAutofit/>
           </a:bodyPr>
+          <a:lstStyle>
+            <a:lvl1pPr indent="0">
+              <a:lnSpc>
+                <a:spcPct val="100000"/>
+              </a:lnSpc>
+              <a:buNone/>
+              <a:defRPr b="0" lang="pt-BR" sz="1400" spc="-1" strike="noStrike">
+                <a:solidFill>
+                  <a:srgbClr val="000000"/>
+                </a:solidFill>
+                <a:latin typeface="Times New Roman"/>
+              </a:defRPr>
+            </a:lvl1pPr>
+          </a:lstStyle>
           <a:p>
             <a:pPr indent="0">
+              <a:lnSpc>
+                <a:spcPct val="100000"/>
+              </a:lnSpc>
               <a:buNone/>
             </a:pPr>
-            <a:endParaRPr b="0" lang="en-US" sz="1600" spc="-1" strike="noStrike">
+            <a:fld id="{3656940D-D92E-407F-9D91-B935F3237B57}" type="slidenum">
+              <a:rPr b="0" lang="pt-BR" sz="1400" spc="-1" strike="noStrike">
+                <a:solidFill>
+                  <a:srgbClr val="000000"/>
+                </a:solidFill>
+                <a:latin typeface="Times New Roman"/>
+              </a:rPr>
+              <a:t>&lt;número&gt;</a:t>
+            </a:fld>
+            <a:endParaRPr b="0" lang="pt-BR" sz="1400" spc="-1" strike="noStrike">
               <a:solidFill>
                 <a:srgbClr val="000000"/>
               </a:solidFill>
@@ -5455,7 +5528,281 @@
       </p:grpSpPr>
       <p:sp>
         <p:nvSpPr>
-          <p:cNvPr id="24" name="PlaceHolder 1"/>
+          <p:cNvPr id="25" name="PlaceHolder 1"/>
+          <p:cNvSpPr>
+            <a:spLocks noGrp="1"/>
+          </p:cNvSpPr>
+          <p:nvPr>
+            <p:ph type="title"/>
+          </p:nvPr>
+        </p:nvSpPr>
+        <p:spPr>
+          <a:xfrm>
+            <a:off x="650160" y="389160"/>
+            <a:ext cx="11703240" cy="1627920"/>
+          </a:xfrm>
+          <a:prstGeom prst="rect">
+            <a:avLst/>
+          </a:prstGeom>
+          <a:noFill/>
+          <a:ln w="0">
+            <a:noFill/>
+          </a:ln>
+        </p:spPr>
+        <p:txBody>
+          <a:bodyPr lIns="0" rIns="0" tIns="0" bIns="0" anchor="ctr">
+            <a:noAutofit/>
+          </a:bodyPr>
+          <a:p>
+            <a:pPr indent="0">
+              <a:buNone/>
+            </a:pPr>
+            <a:r>
+              <a:rPr b="0" lang="pt-BR" sz="1800" spc="-1" strike="noStrike">
+                <a:solidFill>
+                  <a:srgbClr val="000000"/>
+                </a:solidFill>
+                <a:latin typeface="Arial"/>
+              </a:rPr>
+              <a:t>Clique para editar o formato do texto do título</a:t>
+            </a:r>
+            <a:endParaRPr b="0" lang="pt-BR" sz="1800" spc="-1" strike="noStrike">
+              <a:solidFill>
+                <a:srgbClr val="000000"/>
+              </a:solidFill>
+              <a:latin typeface="Arial"/>
+            </a:endParaRPr>
+          </a:p>
+        </p:txBody>
+      </p:sp>
+      <p:sp>
+        <p:nvSpPr>
+          <p:cNvPr id="26" name="PlaceHolder 2"/>
+          <p:cNvSpPr>
+            <a:spLocks noGrp="1"/>
+          </p:cNvSpPr>
+          <p:nvPr>
+            <p:ph type="body"/>
+          </p:nvPr>
+        </p:nvSpPr>
+        <p:spPr>
+          <a:xfrm>
+            <a:off x="650160" y="2282040"/>
+            <a:ext cx="11703240" cy="5655960"/>
+          </a:xfrm>
+          <a:prstGeom prst="rect">
+            <a:avLst/>
+          </a:prstGeom>
+          <a:noFill/>
+          <a:ln w="0">
+            <a:noFill/>
+          </a:ln>
+        </p:spPr>
+        <p:txBody>
+          <a:bodyPr lIns="0" rIns="0" tIns="0" bIns="0" anchor="t">
+            <a:normAutofit/>
+          </a:bodyPr>
+          <a:p>
+            <a:pPr marL="432000" indent="-324000">
+              <a:spcBef>
+                <a:spcPts val="1417"/>
+              </a:spcBef>
+              <a:buClr>
+                <a:srgbClr val="000000"/>
+              </a:buClr>
+              <a:buSzPct val="45000"/>
+              <a:buFont typeface="Wingdings" charset="2"/>
+              <a:buChar char=""/>
+            </a:pPr>
+            <a:r>
+              <a:rPr b="0" lang="pt-BR" sz="1800" spc="-1" strike="noStrike">
+                <a:solidFill>
+                  <a:srgbClr val="000000"/>
+                </a:solidFill>
+                <a:latin typeface="Arial"/>
+              </a:rPr>
+              <a:t>Clique para editar o formato de texto dos tópicos</a:t>
+            </a:r>
+            <a:endParaRPr b="0" lang="pt-BR" sz="1800" spc="-1" strike="noStrike">
+              <a:solidFill>
+                <a:srgbClr val="000000"/>
+              </a:solidFill>
+              <a:latin typeface="Arial"/>
+            </a:endParaRPr>
+          </a:p>
+          <a:p>
+            <a:pPr lvl="1" marL="864000" indent="-324000">
+              <a:spcBef>
+                <a:spcPts val="1134"/>
+              </a:spcBef>
+              <a:buClr>
+                <a:srgbClr val="000000"/>
+              </a:buClr>
+              <a:buSzPct val="75000"/>
+              <a:buFont typeface="Symbol" charset="2"/>
+              <a:buChar char=""/>
+            </a:pPr>
+            <a:r>
+              <a:rPr b="0" lang="pt-BR" sz="1800" spc="-1" strike="noStrike">
+                <a:solidFill>
+                  <a:srgbClr val="000000"/>
+                </a:solidFill>
+                <a:latin typeface="Arial"/>
+              </a:rPr>
+              <a:t>2.º nível de tópicos</a:t>
+            </a:r>
+            <a:endParaRPr b="0" lang="pt-BR" sz="1800" spc="-1" strike="noStrike">
+              <a:solidFill>
+                <a:srgbClr val="000000"/>
+              </a:solidFill>
+              <a:latin typeface="Arial"/>
+            </a:endParaRPr>
+          </a:p>
+          <a:p>
+            <a:pPr lvl="2" marL="1296000" indent="-288000">
+              <a:spcBef>
+                <a:spcPts val="850"/>
+              </a:spcBef>
+              <a:buClr>
+                <a:srgbClr val="000000"/>
+              </a:buClr>
+              <a:buSzPct val="45000"/>
+              <a:buFont typeface="Wingdings" charset="2"/>
+              <a:buChar char=""/>
+            </a:pPr>
+            <a:r>
+              <a:rPr b="0" lang="pt-BR" sz="1800" spc="-1" strike="noStrike">
+                <a:solidFill>
+                  <a:srgbClr val="000000"/>
+                </a:solidFill>
+                <a:latin typeface="Arial"/>
+              </a:rPr>
+              <a:t>3.º nível de tópicos</a:t>
+            </a:r>
+            <a:endParaRPr b="0" lang="pt-BR" sz="1800" spc="-1" strike="noStrike">
+              <a:solidFill>
+                <a:srgbClr val="000000"/>
+              </a:solidFill>
+              <a:latin typeface="Arial"/>
+            </a:endParaRPr>
+          </a:p>
+          <a:p>
+            <a:pPr lvl="3" marL="1728000" indent="-216000">
+              <a:spcBef>
+                <a:spcPts val="567"/>
+              </a:spcBef>
+              <a:buClr>
+                <a:srgbClr val="000000"/>
+              </a:buClr>
+              <a:buSzPct val="75000"/>
+              <a:buFont typeface="Symbol" charset="2"/>
+              <a:buChar char=""/>
+            </a:pPr>
+            <a:r>
+              <a:rPr b="0" lang="pt-BR" sz="1800" spc="-1" strike="noStrike">
+                <a:solidFill>
+                  <a:srgbClr val="000000"/>
+                </a:solidFill>
+                <a:latin typeface="Arial"/>
+              </a:rPr>
+              <a:t>4.º nível de tópicos</a:t>
+            </a:r>
+            <a:endParaRPr b="0" lang="pt-BR" sz="1800" spc="-1" strike="noStrike">
+              <a:solidFill>
+                <a:srgbClr val="000000"/>
+              </a:solidFill>
+              <a:latin typeface="Arial"/>
+            </a:endParaRPr>
+          </a:p>
+          <a:p>
+            <a:pPr lvl="4" marL="2160000" indent="-216000">
+              <a:spcBef>
+                <a:spcPts val="283"/>
+              </a:spcBef>
+              <a:buClr>
+                <a:srgbClr val="000000"/>
+              </a:buClr>
+              <a:buSzPct val="45000"/>
+              <a:buFont typeface="Wingdings" charset="2"/>
+              <a:buChar char=""/>
+            </a:pPr>
+            <a:r>
+              <a:rPr b="0" lang="pt-BR" sz="1800" spc="-1" strike="noStrike">
+                <a:solidFill>
+                  <a:srgbClr val="000000"/>
+                </a:solidFill>
+                <a:latin typeface="Arial"/>
+              </a:rPr>
+              <a:t>5.º nível de tópicos</a:t>
+            </a:r>
+            <a:endParaRPr b="0" lang="pt-BR" sz="1800" spc="-1" strike="noStrike">
+              <a:solidFill>
+                <a:srgbClr val="000000"/>
+              </a:solidFill>
+              <a:latin typeface="Arial"/>
+            </a:endParaRPr>
+          </a:p>
+          <a:p>
+            <a:pPr lvl="5" marL="2592000" indent="-216000">
+              <a:spcBef>
+                <a:spcPts val="283"/>
+              </a:spcBef>
+              <a:buClr>
+                <a:srgbClr val="000000"/>
+              </a:buClr>
+              <a:buSzPct val="45000"/>
+              <a:buFont typeface="Wingdings" charset="2"/>
+              <a:buChar char=""/>
+            </a:pPr>
+            <a:r>
+              <a:rPr b="0" lang="pt-BR" sz="1800" spc="-1" strike="noStrike">
+                <a:solidFill>
+                  <a:srgbClr val="000000"/>
+                </a:solidFill>
+                <a:latin typeface="Arial"/>
+              </a:rPr>
+              <a:t>6.º nível de tópicos</a:t>
+            </a:r>
+            <a:endParaRPr b="0" lang="pt-BR" sz="1800" spc="-1" strike="noStrike">
+              <a:solidFill>
+                <a:srgbClr val="000000"/>
+              </a:solidFill>
+              <a:latin typeface="Arial"/>
+            </a:endParaRPr>
+          </a:p>
+          <a:p>
+            <a:pPr lvl="6" marL="3024000" indent="-216000">
+              <a:spcBef>
+                <a:spcPts val="283"/>
+              </a:spcBef>
+              <a:buClr>
+                <a:srgbClr val="000000"/>
+              </a:buClr>
+              <a:buSzPct val="45000"/>
+              <a:buFont typeface="Wingdings" charset="2"/>
+              <a:buChar char=""/>
+            </a:pPr>
+            <a:r>
+              <a:rPr b="0" lang="pt-BR" sz="1800" spc="-1" strike="noStrike">
+                <a:solidFill>
+                  <a:srgbClr val="000000"/>
+                </a:solidFill>
+                <a:latin typeface="Arial"/>
+              </a:rPr>
+              <a:t>7.º nível de tópicos</a:t>
+            </a:r>
+            <a:endParaRPr b="0" lang="pt-BR" sz="1800" spc="-1" strike="noStrike">
+              <a:solidFill>
+                <a:srgbClr val="000000"/>
+              </a:solidFill>
+              <a:latin typeface="Arial"/>
+            </a:endParaRPr>
+          </a:p>
+        </p:txBody>
+      </p:sp>
+      <p:sp>
+        <p:nvSpPr>
+          <p:cNvPr id="27" name="PlaceHolder 3"/>
           <p:cNvSpPr>
             <a:spLocks noGrp="1"/>
           </p:cNvSpPr>
@@ -5466,7 +5813,7 @@
         <p:spPr>
           <a:xfrm>
             <a:off x="6328800" y="9296280"/>
-            <a:ext cx="339840" cy="324000"/>
+            <a:ext cx="339480" cy="323640"/>
           </a:xfrm>
           <a:prstGeom prst="rect">
             <a:avLst/>
@@ -5480,289 +5827,41 @@
           <a:bodyPr lIns="50760" rIns="50760" tIns="50760" bIns="50760" anchor="t">
             <a:noAutofit/>
           </a:bodyPr>
+          <a:lstStyle>
+            <a:lvl1pPr indent="0">
+              <a:lnSpc>
+                <a:spcPct val="100000"/>
+              </a:lnSpc>
+              <a:buNone/>
+              <a:defRPr b="0" lang="pt-BR" sz="1400" spc="-1" strike="noStrike">
+                <a:solidFill>
+                  <a:srgbClr val="000000"/>
+                </a:solidFill>
+                <a:latin typeface="Times New Roman"/>
+              </a:defRPr>
+            </a:lvl1pPr>
+          </a:lstStyle>
           <a:p>
             <a:pPr indent="0">
+              <a:lnSpc>
+                <a:spcPct val="100000"/>
+              </a:lnSpc>
               <a:buNone/>
             </a:pPr>
-            <a:endParaRPr b="0" lang="en-US" sz="1600" spc="-1" strike="noStrike">
+            <a:fld id="{B2E9BCFA-C728-44B8-B902-0A7C9E76F3F2}" type="slidenum">
+              <a:rPr b="0" lang="pt-BR" sz="1400" spc="-1" strike="noStrike">
+                <a:solidFill>
+                  <a:srgbClr val="000000"/>
+                </a:solidFill>
+                <a:latin typeface="Times New Roman"/>
+              </a:rPr>
+              <a:t>&lt;número&gt;</a:t>
+            </a:fld>
+            <a:endParaRPr b="0" lang="pt-BR" sz="1400" spc="-1" strike="noStrike">
               <a:solidFill>
                 <a:srgbClr val="000000"/>
               </a:solidFill>
               <a:latin typeface="Times New Roman"/>
-            </a:endParaRPr>
-          </a:p>
-        </p:txBody>
-      </p:sp>
-      <p:sp>
-        <p:nvSpPr>
-          <p:cNvPr id="25" name="PlaceHolder 2"/>
-          <p:cNvSpPr>
-            <a:spLocks noGrp="1"/>
-          </p:cNvSpPr>
-          <p:nvPr>
-            <p:ph type="title"/>
-          </p:nvPr>
-        </p:nvSpPr>
-        <p:spPr>
-          <a:xfrm>
-            <a:off x="650160" y="389160"/>
-            <a:ext cx="11703600" cy="1628280"/>
-          </a:xfrm>
-          <a:prstGeom prst="rect">
-            <a:avLst/>
-          </a:prstGeom>
-          <a:noFill/>
-          <a:ln w="0">
-            <a:noFill/>
-          </a:ln>
-        </p:spPr>
-        <p:txBody>
-          <a:bodyPr lIns="0" rIns="0" tIns="0" bIns="0" anchor="ctr">
-            <a:noAutofit/>
-          </a:bodyPr>
-          <a:p>
-            <a:pPr indent="0">
-              <a:buNone/>
-            </a:pPr>
-            <a:r>
-              <a:rPr b="0" lang="en-US" sz="3200" spc="-1" strike="noStrike">
-                <a:solidFill>
-                  <a:srgbClr val="000000"/>
-                </a:solidFill>
-                <a:latin typeface="Helvetica Neue"/>
-              </a:rPr>
-              <a:t>Click to edit the title text format</a:t>
-            </a:r>
-            <a:endParaRPr b="0" lang="en-US" sz="3200" spc="-1" strike="noStrike">
-              <a:solidFill>
-                <a:srgbClr val="000000"/>
-              </a:solidFill>
-              <a:latin typeface="Helvetica Neue"/>
-            </a:endParaRPr>
-          </a:p>
-        </p:txBody>
-      </p:sp>
-      <p:sp>
-        <p:nvSpPr>
-          <p:cNvPr id="26" name="PlaceHolder 3"/>
-          <p:cNvSpPr>
-            <a:spLocks noGrp="1"/>
-          </p:cNvSpPr>
-          <p:nvPr>
-            <p:ph type="body"/>
-          </p:nvPr>
-        </p:nvSpPr>
-        <p:spPr>
-          <a:xfrm>
-            <a:off x="650160" y="2282040"/>
-            <a:ext cx="11703600" cy="5656320"/>
-          </a:xfrm>
-          <a:prstGeom prst="rect">
-            <a:avLst/>
-          </a:prstGeom>
-          <a:noFill/>
-          <a:ln w="0">
-            <a:noFill/>
-          </a:ln>
-        </p:spPr>
-        <p:txBody>
-          <a:bodyPr lIns="0" rIns="0" tIns="0" bIns="0" anchor="t">
-            <a:normAutofit/>
-          </a:bodyPr>
-          <a:p>
-            <a:pPr marL="432000" indent="-324000">
-              <a:spcBef>
-                <a:spcPts val="1417"/>
-              </a:spcBef>
-              <a:buClr>
-                <a:srgbClr val="000000"/>
-              </a:buClr>
-              <a:buSzPct val="45000"/>
-              <a:buFont typeface="Wingdings" charset="2"/>
-              <a:buChar char=""/>
-            </a:pPr>
-            <a:r>
-              <a:rPr b="0" lang="en-US" sz="3200" spc="-1" strike="noStrike">
-                <a:solidFill>
-                  <a:srgbClr val="000000"/>
-                </a:solidFill>
-                <a:latin typeface="Helvetica Neue"/>
-              </a:rPr>
-              <a:t>Click to edit the outline text format</a:t>
-            </a:r>
-            <a:endParaRPr b="0" lang="en-US" sz="3200" spc="-1" strike="noStrike">
-              <a:solidFill>
-                <a:srgbClr val="000000"/>
-              </a:solidFill>
-              <a:latin typeface="Helvetica Neue"/>
-            </a:endParaRPr>
-          </a:p>
-          <a:p>
-            <a:pPr lvl="1" marL="864000" indent="-324000">
-              <a:spcBef>
-                <a:spcPts val="1134"/>
-              </a:spcBef>
-              <a:buClr>
-                <a:srgbClr val="000000"/>
-              </a:buClr>
-              <a:buSzPct val="75000"/>
-              <a:buFont typeface="Symbol" charset="2"/>
-              <a:buChar char=""/>
-            </a:pPr>
-            <a:r>
-              <a:rPr b="0" lang="en-US" sz="3200" spc="-1" strike="noStrike">
-                <a:solidFill>
-                  <a:srgbClr val="000000"/>
-                </a:solidFill>
-                <a:latin typeface="Helvetica Neue"/>
-              </a:rPr>
-              <a:t>Second Outline Level</a:t>
-            </a:r>
-            <a:endParaRPr b="0" lang="en-US" sz="3200" spc="-1" strike="noStrike">
-              <a:solidFill>
-                <a:srgbClr val="000000"/>
-              </a:solidFill>
-              <a:latin typeface="Helvetica Neue"/>
-            </a:endParaRPr>
-          </a:p>
-          <a:p>
-            <a:pPr lvl="2" marL="1296000" indent="-288000">
-              <a:spcBef>
-                <a:spcPts val="850"/>
-              </a:spcBef>
-              <a:buClr>
-                <a:srgbClr val="000000"/>
-              </a:buClr>
-              <a:buSzPct val="45000"/>
-              <a:buFont typeface="Wingdings" charset="2"/>
-              <a:buChar char=""/>
-            </a:pPr>
-            <a:r>
-              <a:rPr b="0" lang="en-US" sz="3200" spc="-1" strike="noStrike">
-                <a:solidFill>
-                  <a:srgbClr val="000000"/>
-                </a:solidFill>
-                <a:latin typeface="Helvetica Neue"/>
-              </a:rPr>
-              <a:t>Third Outline Level</a:t>
-            </a:r>
-            <a:endParaRPr b="0" lang="en-US" sz="3200" spc="-1" strike="noStrike">
-              <a:solidFill>
-                <a:srgbClr val="000000"/>
-              </a:solidFill>
-              <a:latin typeface="Helvetica Neue"/>
-            </a:endParaRPr>
-          </a:p>
-          <a:p>
-            <a:pPr lvl="3" marL="1728000" indent="-216000">
-              <a:spcBef>
-                <a:spcPts val="567"/>
-              </a:spcBef>
-              <a:buClr>
-                <a:srgbClr val="000000"/>
-              </a:buClr>
-              <a:buSzPct val="75000"/>
-              <a:buFont typeface="Symbol" charset="2"/>
-              <a:buChar char=""/>
-            </a:pPr>
-            <a:r>
-              <a:rPr b="0" lang="en-US" sz="3200" spc="-1" strike="noStrike">
-                <a:solidFill>
-                  <a:srgbClr val="000000"/>
-                </a:solidFill>
-                <a:latin typeface="Helvetica Neue"/>
-              </a:rPr>
-              <a:t>Fourth Outline Level</a:t>
-            </a:r>
-            <a:endParaRPr b="0" lang="en-US" sz="3200" spc="-1" strike="noStrike">
-              <a:solidFill>
-                <a:srgbClr val="000000"/>
-              </a:solidFill>
-              <a:latin typeface="Helvetica Neue"/>
-            </a:endParaRPr>
-          </a:p>
-          <a:p>
-            <a:pPr lvl="4" marL="2160000" indent="-216000">
-              <a:spcBef>
-                <a:spcPts val="283"/>
-              </a:spcBef>
-              <a:buClr>
-                <a:srgbClr val="000000"/>
-              </a:buClr>
-              <a:buSzPct val="45000"/>
-              <a:buFont typeface="Wingdings" charset="2"/>
-              <a:buChar char=""/>
-            </a:pPr>
-            <a:r>
-              <a:rPr b="0" lang="en-US" sz="2000" spc="-1" strike="noStrike">
-                <a:solidFill>
-                  <a:srgbClr val="000000"/>
-                </a:solidFill>
-                <a:latin typeface="Helvetica Neue"/>
-              </a:rPr>
-              <a:t>Fifth Outline Level</a:t>
-            </a:r>
-            <a:endParaRPr b="0" lang="en-US" sz="2000" spc="-1" strike="noStrike">
-              <a:solidFill>
-                <a:srgbClr val="000000"/>
-              </a:solidFill>
-              <a:latin typeface="Helvetica Neue"/>
-            </a:endParaRPr>
-          </a:p>
-          <a:p>
-            <a:pPr lvl="5" marL="2592000" indent="-216000">
-              <a:spcBef>
-                <a:spcPts val="283"/>
-              </a:spcBef>
-              <a:buClr>
-                <a:srgbClr val="000000"/>
-              </a:buClr>
-              <a:buSzPct val="45000"/>
-              <a:buFont typeface="Wingdings" charset="2"/>
-              <a:buChar char=""/>
-            </a:pPr>
-            <a:r>
-              <a:rPr b="0" lang="en-US" sz="2000" spc="-1" strike="noStrike">
-                <a:solidFill>
-                  <a:srgbClr val="000000"/>
-                </a:solidFill>
-                <a:latin typeface="Helvetica Neue"/>
-              </a:rPr>
-              <a:t>Sixth Outline Level</a:t>
-            </a:r>
-            <a:endParaRPr b="0" lang="en-US" sz="2000" spc="-1" strike="noStrike">
-              <a:solidFill>
-                <a:srgbClr val="000000"/>
-              </a:solidFill>
-              <a:latin typeface="Helvetica Neue"/>
-            </a:endParaRPr>
-          </a:p>
-          <a:p>
-            <a:pPr lvl="6" marL="3024000" indent="-216000">
-              <a:spcBef>
-                <a:spcPts val="283"/>
-              </a:spcBef>
-              <a:buClr>
-                <a:srgbClr val="000000"/>
-              </a:buClr>
-              <a:buSzPct val="45000"/>
-              <a:buFont typeface="Wingdings" charset="2"/>
-              <a:buChar char=""/>
-            </a:pPr>
-            <a:r>
-              <a:rPr b="0" lang="en-US" sz="2000" spc="-1" strike="noStrike">
-                <a:solidFill>
-                  <a:srgbClr val="000000"/>
-                </a:solidFill>
-                <a:latin typeface="Helvetica Neue"/>
-              </a:rPr>
-              <a:t>Seventh Outline Level</a:t>
-            </a:r>
-            <a:endParaRPr b="0" lang="en-US" sz="2000" spc="-1" strike="noStrike">
-              <a:solidFill>
-                <a:srgbClr val="000000"/>
-              </a:solidFill>
-              <a:latin typeface="Helvetica Neue"/>
             </a:endParaRPr>
           </a:p>
         </p:txBody>
@@ -5802,7 +5901,7 @@
       </p:grpSpPr>
       <p:sp>
         <p:nvSpPr>
-          <p:cNvPr id="29" name="PlaceHolder 1"/>
+          <p:cNvPr id="30" name="PlaceHolder 1"/>
           <p:cNvSpPr>
             <a:spLocks noGrp="1"/>
           </p:cNvSpPr>
@@ -5812,64 +5911,57 @@
         </p:nvSpPr>
         <p:spPr>
           <a:xfrm>
-            <a:off x="1270080" y="1638360"/>
-            <a:ext cx="10464480" cy="3301560"/>
+            <a:off x="650160" y="389160"/>
+            <a:ext cx="11703240" cy="1627920"/>
           </a:xfrm>
           <a:prstGeom prst="rect">
             <a:avLst/>
           </a:prstGeom>
           <a:noFill/>
-          <a:ln w="12600">
+          <a:ln w="0">
             <a:noFill/>
           </a:ln>
         </p:spPr>
         <p:txBody>
-          <a:bodyPr lIns="50760" rIns="50760" tIns="50760" bIns="50760" anchor="b">
+          <a:bodyPr lIns="0" rIns="0" tIns="0" bIns="0" anchor="ctr">
             <a:noAutofit/>
           </a:bodyPr>
           <a:p>
-            <a:pPr indent="0" algn="ctr" defTabSz="584280">
-              <a:lnSpc>
-                <a:spcPct val="100000"/>
-              </a:lnSpc>
+            <a:pPr indent="0">
               <a:buNone/>
-              <a:tabLst>
-                <a:tab algn="l" pos="0"/>
-              </a:tabLst>
-            </a:pPr>
-            <a:r>
-              <a:rPr b="0" lang="en-US" sz="8000" spc="-1" strike="noStrike">
-                <a:solidFill>
-                  <a:srgbClr val="000000"/>
-                </a:solidFill>
-                <a:latin typeface="Helvetica Neue Medium"/>
-                <a:ea typeface="Helvetica Neue Medium"/>
-              </a:rPr>
-              <a:t>Texto do título</a:t>
-            </a:r>
-            <a:endParaRPr b="0" lang="en-US" sz="8000" spc="-1" strike="noStrike">
-              <a:solidFill>
-                <a:srgbClr val="000000"/>
-              </a:solidFill>
-              <a:latin typeface="Helvetica Neue"/>
+            </a:pPr>
+            <a:r>
+              <a:rPr b="0" lang="pt-BR" sz="1800" spc="-1" strike="noStrike">
+                <a:solidFill>
+                  <a:srgbClr val="000000"/>
+                </a:solidFill>
+                <a:latin typeface="Arial"/>
+              </a:rPr>
+              <a:t>Clique para editar o formato do texto do título</a:t>
+            </a:r>
+            <a:endParaRPr b="0" lang="pt-BR" sz="1800" spc="-1" strike="noStrike">
+              <a:solidFill>
+                <a:srgbClr val="000000"/>
+              </a:solidFill>
+              <a:latin typeface="Arial"/>
             </a:endParaRPr>
           </a:p>
         </p:txBody>
       </p:sp>
       <p:sp>
         <p:nvSpPr>
-          <p:cNvPr id="30" name="PlaceHolder 2"/>
+          <p:cNvPr id="31" name="PlaceHolder 2"/>
           <p:cNvSpPr>
             <a:spLocks noGrp="1"/>
           </p:cNvSpPr>
           <p:nvPr>
-            <p:ph type="body"/>
+            <p:ph type="sldNum" idx="7"/>
           </p:nvPr>
         </p:nvSpPr>
         <p:spPr>
           <a:xfrm>
-            <a:off x="1270080" y="5041800"/>
-            <a:ext cx="10464480" cy="1130040"/>
+            <a:off x="6328800" y="9296280"/>
+            <a:ext cx="339480" cy="323640"/>
           </a:xfrm>
           <a:prstGeom prst="rect">
             <a:avLst/>
@@ -5883,175 +5975,37 @@
           <a:bodyPr lIns="50760" rIns="50760" tIns="50760" bIns="50760" anchor="t">
             <a:noAutofit/>
           </a:bodyPr>
-          <a:p>
-            <a:pPr indent="0" algn="ctr" defTabSz="584280">
+          <a:lstStyle>
+            <a:lvl1pPr indent="0">
               <a:lnSpc>
                 <a:spcPct val="100000"/>
               </a:lnSpc>
               <a:buNone/>
-              <a:tabLst>
-                <a:tab algn="l" pos="0"/>
-              </a:tabLst>
-            </a:pPr>
-            <a:r>
-              <a:rPr b="0" lang="en-US" sz="3700" spc="-1" strike="noStrike">
-                <a:solidFill>
-                  <a:srgbClr val="000000"/>
-                </a:solidFill>
-                <a:latin typeface="Helvetica Neue"/>
-                <a:ea typeface="Helvetica Neue"/>
-              </a:rPr>
-              <a:t>Nível um</a:t>
-            </a:r>
-            <a:endParaRPr b="0" lang="en-US" sz="3700" spc="-1" strike="noStrike">
-              <a:solidFill>
-                <a:srgbClr val="000000"/>
-              </a:solidFill>
-              <a:latin typeface="Helvetica Neue"/>
-            </a:endParaRPr>
-          </a:p>
-          <a:p>
-            <a:pPr indent="0" algn="ctr" defTabSz="584280">
+              <a:defRPr b="0" lang="pt-BR" sz="1400" spc="-1" strike="noStrike">
+                <a:solidFill>
+                  <a:srgbClr val="000000"/>
+                </a:solidFill>
+                <a:latin typeface="Times New Roman"/>
+              </a:defRPr>
+            </a:lvl1pPr>
+          </a:lstStyle>
+          <a:p>
+            <a:pPr indent="0">
               <a:lnSpc>
                 <a:spcPct val="100000"/>
               </a:lnSpc>
               <a:buNone/>
-              <a:tabLst>
-                <a:tab algn="l" pos="0"/>
-              </a:tabLst>
-            </a:pPr>
-            <a:r>
-              <a:rPr b="0" lang="en-US" sz="3700" spc="-1" strike="noStrike">
-                <a:solidFill>
-                  <a:srgbClr val="000000"/>
-                </a:solidFill>
-                <a:latin typeface="Helvetica Neue"/>
-                <a:ea typeface="Helvetica Neue"/>
-              </a:rPr>
-              <a:t>Nível dois</a:t>
-            </a:r>
-            <a:endParaRPr b="0" lang="en-US" sz="3700" spc="-1" strike="noStrike">
-              <a:solidFill>
-                <a:srgbClr val="000000"/>
-              </a:solidFill>
-              <a:latin typeface="Helvetica Neue"/>
-            </a:endParaRPr>
-          </a:p>
-          <a:p>
-            <a:pPr indent="0" algn="ctr" defTabSz="584280">
-              <a:lnSpc>
-                <a:spcPct val="100000"/>
-              </a:lnSpc>
-              <a:buNone/>
-              <a:tabLst>
-                <a:tab algn="l" pos="0"/>
-              </a:tabLst>
-            </a:pPr>
-            <a:r>
-              <a:rPr b="0" lang="en-US" sz="3700" spc="-1" strike="noStrike">
-                <a:solidFill>
-                  <a:srgbClr val="000000"/>
-                </a:solidFill>
-                <a:latin typeface="Helvetica Neue"/>
-                <a:ea typeface="Helvetica Neue"/>
-              </a:rPr>
-              <a:t>Nível três</a:t>
-            </a:r>
-            <a:endParaRPr b="0" lang="en-US" sz="3700" spc="-1" strike="noStrike">
-              <a:solidFill>
-                <a:srgbClr val="000000"/>
-              </a:solidFill>
-              <a:latin typeface="Helvetica Neue"/>
-            </a:endParaRPr>
-          </a:p>
-          <a:p>
-            <a:pPr indent="0" algn="ctr" defTabSz="584280">
-              <a:lnSpc>
-                <a:spcPct val="100000"/>
-              </a:lnSpc>
-              <a:buNone/>
-              <a:tabLst>
-                <a:tab algn="l" pos="0"/>
-              </a:tabLst>
-            </a:pPr>
-            <a:r>
-              <a:rPr b="0" lang="en-US" sz="3700" spc="-1" strike="noStrike">
-                <a:solidFill>
-                  <a:srgbClr val="000000"/>
-                </a:solidFill>
-                <a:latin typeface="Helvetica Neue"/>
-                <a:ea typeface="Helvetica Neue"/>
-              </a:rPr>
-              <a:t>Nível quatro</a:t>
-            </a:r>
-            <a:endParaRPr b="0" lang="en-US" sz="3700" spc="-1" strike="noStrike">
-              <a:solidFill>
-                <a:srgbClr val="000000"/>
-              </a:solidFill>
-              <a:latin typeface="Helvetica Neue"/>
-            </a:endParaRPr>
-          </a:p>
-          <a:p>
-            <a:pPr indent="0" algn="ctr" defTabSz="584280">
-              <a:lnSpc>
-                <a:spcPct val="100000"/>
-              </a:lnSpc>
-              <a:buNone/>
-              <a:tabLst>
-                <a:tab algn="l" pos="0"/>
-              </a:tabLst>
-            </a:pPr>
-            <a:r>
-              <a:rPr b="0" lang="en-US" sz="3700" spc="-1" strike="noStrike">
-                <a:solidFill>
-                  <a:srgbClr val="000000"/>
-                </a:solidFill>
-                <a:latin typeface="Helvetica Neue"/>
-                <a:ea typeface="Helvetica Neue"/>
-              </a:rPr>
-              <a:t>Nível cinco</a:t>
-            </a:r>
-            <a:endParaRPr b="0" lang="en-US" sz="3700" spc="-1" strike="noStrike">
-              <a:solidFill>
-                <a:srgbClr val="000000"/>
-              </a:solidFill>
-              <a:latin typeface="Helvetica Neue"/>
-            </a:endParaRPr>
-          </a:p>
-        </p:txBody>
-      </p:sp>
-      <p:sp>
-        <p:nvSpPr>
-          <p:cNvPr id="31" name="PlaceHolder 3"/>
-          <p:cNvSpPr>
-            <a:spLocks noGrp="1"/>
-          </p:cNvSpPr>
-          <p:nvPr>
-            <p:ph type="sldNum" idx="7"/>
-          </p:nvPr>
-        </p:nvSpPr>
-        <p:spPr>
-          <a:xfrm>
-            <a:off x="6328800" y="9296280"/>
-            <a:ext cx="339840" cy="324000"/>
-          </a:xfrm>
-          <a:prstGeom prst="rect">
-            <a:avLst/>
-          </a:prstGeom>
-          <a:noFill/>
-          <a:ln w="12600">
-            <a:noFill/>
-          </a:ln>
-        </p:spPr>
-        <p:txBody>
-          <a:bodyPr lIns="50760" rIns="50760" tIns="50760" bIns="50760" anchor="t">
-            <a:noAutofit/>
-          </a:bodyPr>
-          <a:p>
-            <a:pPr indent="0">
-              <a:buNone/>
-            </a:pPr>
-            <a:endParaRPr b="0" lang="en-US" sz="1600" spc="-1" strike="noStrike">
+            </a:pPr>
+            <a:fld id="{34D9F283-F52F-4415-A5B4-D68CD6767614}" type="slidenum">
+              <a:rPr b="0" lang="pt-BR" sz="1400" spc="-1" strike="noStrike">
+                <a:solidFill>
+                  <a:srgbClr val="000000"/>
+                </a:solidFill>
+                <a:latin typeface="Times New Roman"/>
+              </a:rPr>
+              <a:t>&lt;número&gt;</a:t>
+            </a:fld>
+            <a:endParaRPr b="0" lang="pt-BR" sz="1400" spc="-1" strike="noStrike">
               <a:solidFill>
                 <a:srgbClr val="000000"/>
               </a:solidFill>
@@ -6100,13 +6054,13 @@
             <a:spLocks noGrp="1"/>
           </p:cNvSpPr>
           <p:nvPr>
-            <p:ph type="body"/>
+            <p:ph type="title"/>
           </p:nvPr>
         </p:nvSpPr>
         <p:spPr>
           <a:xfrm>
-            <a:off x="1625760" y="374760"/>
-            <a:ext cx="9753120" cy="6501960"/>
+            <a:off x="650160" y="389160"/>
+            <a:ext cx="11703240" cy="1627920"/>
           </a:xfrm>
           <a:prstGeom prst="rect">
             <a:avLst/>
@@ -6117,203 +6071,27 @@
           </a:ln>
         </p:spPr>
         <p:txBody>
-          <a:bodyPr lIns="91440" rIns="91440" tIns="45720" bIns="45720" anchor="t">
+          <a:bodyPr lIns="0" rIns="0" tIns="0" bIns="0" anchor="ctr">
             <a:noAutofit/>
           </a:bodyPr>
           <a:p>
-            <a:pPr marL="432000" indent="-324000">
-              <a:spcBef>
-                <a:spcPts val="1417"/>
-              </a:spcBef>
-              <a:buClr>
-                <a:srgbClr val="000000"/>
-              </a:buClr>
-              <a:buSzPct val="45000"/>
-              <a:buFont typeface="Wingdings" charset="2"/>
-              <a:buChar char=""/>
-            </a:pPr>
-            <a:r>
-              <a:rPr b="0" lang="en-US" sz="3200" spc="-1" strike="noStrike">
-                <a:solidFill>
-                  <a:srgbClr val="000000"/>
-                </a:solidFill>
-                <a:latin typeface="Helvetica Neue"/>
-              </a:rPr>
-              <a:t>Click to edit the outline text format</a:t>
-            </a:r>
-            <a:endParaRPr b="0" lang="en-US" sz="3200" spc="-1" strike="noStrike">
-              <a:solidFill>
-                <a:srgbClr val="000000"/>
-              </a:solidFill>
-              <a:latin typeface="Helvetica Neue"/>
-            </a:endParaRPr>
-          </a:p>
-          <a:p>
-            <a:pPr lvl="1" marL="864000" indent="-324000">
-              <a:spcBef>
-                <a:spcPts val="1134"/>
-              </a:spcBef>
-              <a:buClr>
-                <a:srgbClr val="000000"/>
-              </a:buClr>
-              <a:buSzPct val="75000"/>
-              <a:buFont typeface="Symbol" charset="2"/>
-              <a:buChar char=""/>
-            </a:pPr>
-            <a:r>
-              <a:rPr b="0" lang="en-US" sz="3200" spc="-1" strike="noStrike">
-                <a:solidFill>
-                  <a:srgbClr val="000000"/>
-                </a:solidFill>
-                <a:latin typeface="Helvetica Neue"/>
-              </a:rPr>
-              <a:t>Second Outline Level</a:t>
-            </a:r>
-            <a:endParaRPr b="0" lang="en-US" sz="3200" spc="-1" strike="noStrike">
-              <a:solidFill>
-                <a:srgbClr val="000000"/>
-              </a:solidFill>
-              <a:latin typeface="Helvetica Neue"/>
-            </a:endParaRPr>
-          </a:p>
-          <a:p>
-            <a:pPr lvl="2" marL="1296000" indent="-288000">
-              <a:spcBef>
-                <a:spcPts val="850"/>
-              </a:spcBef>
-              <a:buClr>
-                <a:srgbClr val="000000"/>
-              </a:buClr>
-              <a:buSzPct val="45000"/>
-              <a:buFont typeface="Wingdings" charset="2"/>
-              <a:buChar char=""/>
-            </a:pPr>
-            <a:r>
-              <a:rPr b="0" lang="en-US" sz="3200" spc="-1" strike="noStrike">
-                <a:solidFill>
-                  <a:srgbClr val="000000"/>
-                </a:solidFill>
-                <a:latin typeface="Helvetica Neue"/>
-              </a:rPr>
-              <a:t>Third Outline Level</a:t>
-            </a:r>
-            <a:endParaRPr b="0" lang="en-US" sz="3200" spc="-1" strike="noStrike">
-              <a:solidFill>
-                <a:srgbClr val="000000"/>
-              </a:solidFill>
-              <a:latin typeface="Helvetica Neue"/>
-            </a:endParaRPr>
-          </a:p>
-          <a:p>
-            <a:pPr lvl="3" marL="1728000" indent="-216000">
-              <a:spcBef>
-                <a:spcPts val="567"/>
-              </a:spcBef>
-              <a:buClr>
-                <a:srgbClr val="000000"/>
-              </a:buClr>
-              <a:buSzPct val="75000"/>
-              <a:buFont typeface="Symbol" charset="2"/>
-              <a:buChar char=""/>
-            </a:pPr>
-            <a:r>
-              <a:rPr b="0" lang="en-US" sz="3200" spc="-1" strike="noStrike">
-                <a:solidFill>
-                  <a:srgbClr val="000000"/>
-                </a:solidFill>
-                <a:latin typeface="Helvetica Neue"/>
-              </a:rPr>
-              <a:t>Fourth Outline Level</a:t>
-            </a:r>
-            <a:endParaRPr b="0" lang="en-US" sz="3200" spc="-1" strike="noStrike">
-              <a:solidFill>
-                <a:srgbClr val="000000"/>
-              </a:solidFill>
-              <a:latin typeface="Helvetica Neue"/>
-            </a:endParaRPr>
-          </a:p>
-          <a:p>
-            <a:pPr lvl="4" marL="2160000" indent="-216000">
-              <a:spcBef>
-                <a:spcPts val="283"/>
-              </a:spcBef>
-              <a:buClr>
-                <a:srgbClr val="000000"/>
-              </a:buClr>
-              <a:buSzPct val="45000"/>
-              <a:buFont typeface="Wingdings" charset="2"/>
-              <a:buChar char=""/>
-            </a:pPr>
-            <a:r>
-              <a:rPr b="0" lang="en-US" sz="3200" spc="-1" strike="noStrike">
-                <a:solidFill>
-                  <a:srgbClr val="000000"/>
-                </a:solidFill>
-                <a:latin typeface="Helvetica Neue"/>
-              </a:rPr>
-              <a:t>Fifth Outline Level</a:t>
-            </a:r>
-            <a:endParaRPr b="0" lang="en-US" sz="3200" spc="-1" strike="noStrike">
-              <a:solidFill>
-                <a:srgbClr val="000000"/>
-              </a:solidFill>
-              <a:latin typeface="Helvetica Neue"/>
-            </a:endParaRPr>
-          </a:p>
-          <a:p>
-            <a:pPr lvl="5" marL="2592000" indent="-216000">
-              <a:spcBef>
-                <a:spcPts val="283"/>
-              </a:spcBef>
-              <a:buClr>
-                <a:srgbClr val="000000"/>
-              </a:buClr>
-              <a:buSzPct val="45000"/>
-              <a:buFont typeface="Wingdings" charset="2"/>
-              <a:buChar char=""/>
-            </a:pPr>
-            <a:r>
-              <a:rPr b="0" lang="en-US" sz="3200" spc="-1" strike="noStrike">
-                <a:solidFill>
-                  <a:srgbClr val="000000"/>
-                </a:solidFill>
-                <a:latin typeface="Helvetica Neue"/>
-              </a:rPr>
-              <a:t>Sixth Outline Level</a:t>
-            </a:r>
-            <a:endParaRPr b="0" lang="en-US" sz="3200" spc="-1" strike="noStrike">
-              <a:solidFill>
-                <a:srgbClr val="000000"/>
-              </a:solidFill>
-              <a:latin typeface="Helvetica Neue"/>
-            </a:endParaRPr>
-          </a:p>
-          <a:p>
-            <a:pPr lvl="6" marL="3024000" indent="-216000">
-              <a:spcBef>
-                <a:spcPts val="283"/>
-              </a:spcBef>
-              <a:buClr>
-                <a:srgbClr val="000000"/>
-              </a:buClr>
-              <a:buSzPct val="45000"/>
-              <a:buFont typeface="Wingdings" charset="2"/>
-              <a:buChar char=""/>
-            </a:pPr>
-            <a:r>
-              <a:rPr b="0" lang="en-US" sz="3200" spc="-1" strike="noStrike">
-                <a:solidFill>
-                  <a:srgbClr val="000000"/>
-                </a:solidFill>
-                <a:latin typeface="Helvetica Neue"/>
-              </a:rPr>
-              <a:t>Seventh Outline Level</a:t>
-            </a:r>
-            <a:endParaRPr b="0" lang="en-US" sz="3200" spc="-1" strike="noStrike">
-              <a:solidFill>
-                <a:srgbClr val="000000"/>
-              </a:solidFill>
-              <a:latin typeface="Helvetica Neue"/>
+            <a:pPr indent="0">
+              <a:buNone/>
+            </a:pPr>
+            <a:r>
+              <a:rPr b="0" lang="pt-BR" sz="1800" spc="-1" strike="noStrike">
+                <a:solidFill>
+                  <a:srgbClr val="000000"/>
+                </a:solidFill>
+                <a:latin typeface="Arial"/>
+              </a:rPr>
+              <a:t>Clique para editar o formato do texto do título</a:t>
+            </a:r>
+            <a:endParaRPr b="0" lang="pt-BR" sz="1800" spc="-1" strike="noStrike">
+              <a:solidFill>
+                <a:srgbClr val="000000"/>
+              </a:solidFill>
+              <a:latin typeface="Arial"/>
             </a:endParaRPr>
           </a:p>
         </p:txBody>
@@ -6325,51 +6103,220 @@
             <a:spLocks noGrp="1"/>
           </p:cNvSpPr>
           <p:nvPr>
-            <p:ph type="title"/>
+            <p:ph type="body"/>
           </p:nvPr>
         </p:nvSpPr>
         <p:spPr>
           <a:xfrm>
-            <a:off x="1270080" y="6718320"/>
-            <a:ext cx="10464480" cy="1422000"/>
+            <a:off x="650160" y="2282040"/>
+            <a:ext cx="11703240" cy="5655960"/>
           </a:xfrm>
           <a:prstGeom prst="rect">
             <a:avLst/>
           </a:prstGeom>
           <a:noFill/>
-          <a:ln w="12600">
+          <a:ln w="0">
             <a:noFill/>
           </a:ln>
         </p:spPr>
         <p:txBody>
-          <a:bodyPr lIns="50760" rIns="50760" tIns="50760" bIns="50760" anchor="b">
-            <a:noAutofit/>
+          <a:bodyPr lIns="0" rIns="0" tIns="0" bIns="0" anchor="t">
+            <a:normAutofit/>
           </a:bodyPr>
           <a:p>
-            <a:pPr indent="0" algn="ctr" defTabSz="584280">
-              <a:lnSpc>
-                <a:spcPct val="100000"/>
-              </a:lnSpc>
-              <a:buNone/>
-              <a:tabLst>
-                <a:tab algn="l" pos="0"/>
-              </a:tabLst>
-            </a:pPr>
-            <a:r>
-              <a:rPr b="0" lang="en-US" sz="8000" spc="-1" strike="noStrike">
-                <a:solidFill>
-                  <a:srgbClr val="000000"/>
-                </a:solidFill>
-                <a:latin typeface="Helvetica Neue Medium"/>
-                <a:ea typeface="Helvetica Neue Medium"/>
-              </a:rPr>
-              <a:t>Texto do título</a:t>
-            </a:r>
-            <a:endParaRPr b="0" lang="en-US" sz="8000" spc="-1" strike="noStrike">
-              <a:solidFill>
-                <a:srgbClr val="000000"/>
-              </a:solidFill>
-              <a:latin typeface="Helvetica Neue"/>
+            <a:pPr marL="432000" indent="-324000">
+              <a:spcBef>
+                <a:spcPts val="1417"/>
+              </a:spcBef>
+              <a:buClr>
+                <a:srgbClr val="000000"/>
+              </a:buClr>
+              <a:buSzPct val="45000"/>
+              <a:buFont typeface="Wingdings" charset="2"/>
+              <a:buChar char=""/>
+            </a:pPr>
+            <a:r>
+              <a:rPr b="0" lang="pt-BR" sz="1800" spc="-1" strike="noStrike">
+                <a:solidFill>
+                  <a:srgbClr val="000000"/>
+                </a:solidFill>
+                <a:latin typeface="Arial"/>
+              </a:rPr>
+              <a:t>Clique para editar o formato de texto dos tópicos</a:t>
+            </a:r>
+            <a:endParaRPr b="0" lang="pt-BR" sz="1800" spc="-1" strike="noStrike">
+              <a:solidFill>
+                <a:srgbClr val="000000"/>
+              </a:solidFill>
+              <a:latin typeface="Arial"/>
+            </a:endParaRPr>
+          </a:p>
+          <a:p>
+            <a:pPr lvl="1" marL="864000" indent="-324000">
+              <a:spcBef>
+                <a:spcPts val="1134"/>
+              </a:spcBef>
+              <a:buClr>
+                <a:srgbClr val="000000"/>
+              </a:buClr>
+              <a:buSzPct val="75000"/>
+              <a:buFont typeface="Symbol" charset="2"/>
+              <a:buChar char=""/>
+            </a:pPr>
+            <a:r>
+              <a:rPr b="0" lang="pt-BR" sz="1800" spc="-1" strike="noStrike">
+                <a:solidFill>
+                  <a:srgbClr val="000000"/>
+                </a:solidFill>
+                <a:latin typeface="Arial"/>
+              </a:rPr>
+              <a:t>2.º nível de tópicos</a:t>
+            </a:r>
+            <a:endParaRPr b="0" lang="pt-BR" sz="1800" spc="-1" strike="noStrike">
+              <a:solidFill>
+                <a:srgbClr val="000000"/>
+              </a:solidFill>
+              <a:latin typeface="Arial"/>
+            </a:endParaRPr>
+          </a:p>
+          <a:p>
+            <a:pPr lvl="2" marL="1296000" indent="-288000">
+              <a:spcBef>
+                <a:spcPts val="850"/>
+              </a:spcBef>
+              <a:buClr>
+                <a:srgbClr val="000000"/>
+              </a:buClr>
+              <a:buSzPct val="45000"/>
+              <a:buFont typeface="Wingdings" charset="2"/>
+              <a:buChar char=""/>
+            </a:pPr>
+            <a:r>
+              <a:rPr b="0" lang="pt-BR" sz="1800" spc="-1" strike="noStrike">
+                <a:solidFill>
+                  <a:srgbClr val="000000"/>
+                </a:solidFill>
+                <a:latin typeface="Arial"/>
+              </a:rPr>
+              <a:t>3.º nível de tópicos</a:t>
+            </a:r>
+            <a:endParaRPr b="0" lang="pt-BR" sz="1800" spc="-1" strike="noStrike">
+              <a:solidFill>
+                <a:srgbClr val="000000"/>
+              </a:solidFill>
+              <a:latin typeface="Arial"/>
+            </a:endParaRPr>
+          </a:p>
+          <a:p>
+            <a:pPr lvl="3" marL="1728000" indent="-216000">
+              <a:spcBef>
+                <a:spcPts val="567"/>
+              </a:spcBef>
+              <a:buClr>
+                <a:srgbClr val="000000"/>
+              </a:buClr>
+              <a:buSzPct val="75000"/>
+              <a:buFont typeface="Symbol" charset="2"/>
+              <a:buChar char=""/>
+            </a:pPr>
+            <a:r>
+              <a:rPr b="0" lang="pt-BR" sz="1800" spc="-1" strike="noStrike">
+                <a:solidFill>
+                  <a:srgbClr val="000000"/>
+                </a:solidFill>
+                <a:latin typeface="Arial"/>
+              </a:rPr>
+              <a:t>4.º nível de tópicos</a:t>
+            </a:r>
+            <a:endParaRPr b="0" lang="pt-BR" sz="1800" spc="-1" strike="noStrike">
+              <a:solidFill>
+                <a:srgbClr val="000000"/>
+              </a:solidFill>
+              <a:latin typeface="Arial"/>
+            </a:endParaRPr>
+          </a:p>
+          <a:p>
+            <a:pPr lvl="4" marL="2160000" indent="-216000">
+              <a:spcBef>
+                <a:spcPts val="283"/>
+              </a:spcBef>
+              <a:buClr>
+                <a:srgbClr val="000000"/>
+              </a:buClr>
+              <a:buSzPct val="45000"/>
+              <a:buFont typeface="Wingdings" charset="2"/>
+              <a:buChar char=""/>
+            </a:pPr>
+            <a:r>
+              <a:rPr b="0" lang="pt-BR" sz="1800" spc="-1" strike="noStrike">
+                <a:solidFill>
+                  <a:srgbClr val="000000"/>
+                </a:solidFill>
+                <a:latin typeface="Arial"/>
+              </a:rPr>
+              <a:t>5.º nível de tópicos</a:t>
+            </a:r>
+            <a:endParaRPr b="0" lang="pt-BR" sz="1800" spc="-1" strike="noStrike">
+              <a:solidFill>
+                <a:srgbClr val="000000"/>
+              </a:solidFill>
+              <a:latin typeface="Arial"/>
+            </a:endParaRPr>
+          </a:p>
+          <a:p>
+            <a:pPr lvl="5" marL="2592000" indent="-216000">
+              <a:spcBef>
+                <a:spcPts val="283"/>
+              </a:spcBef>
+              <a:buClr>
+                <a:srgbClr val="000000"/>
+              </a:buClr>
+              <a:buSzPct val="45000"/>
+              <a:buFont typeface="Wingdings" charset="2"/>
+              <a:buChar char=""/>
+            </a:pPr>
+            <a:r>
+              <a:rPr b="0" lang="pt-BR" sz="1800" spc="-1" strike="noStrike">
+                <a:solidFill>
+                  <a:srgbClr val="000000"/>
+                </a:solidFill>
+                <a:latin typeface="Arial"/>
+              </a:rPr>
+              <a:t>6.º nível de tópicos</a:t>
+            </a:r>
+            <a:endParaRPr b="0" lang="pt-BR" sz="1800" spc="-1" strike="noStrike">
+              <a:solidFill>
+                <a:srgbClr val="000000"/>
+              </a:solidFill>
+              <a:latin typeface="Arial"/>
+            </a:endParaRPr>
+          </a:p>
+          <a:p>
+            <a:pPr lvl="6" marL="3024000" indent="-216000">
+              <a:spcBef>
+                <a:spcPts val="283"/>
+              </a:spcBef>
+              <a:buClr>
+                <a:srgbClr val="000000"/>
+              </a:buClr>
+              <a:buSzPct val="45000"/>
+              <a:buFont typeface="Wingdings" charset="2"/>
+              <a:buChar char=""/>
+            </a:pPr>
+            <a:r>
+              <a:rPr b="0" lang="pt-BR" sz="1800" spc="-1" strike="noStrike">
+                <a:solidFill>
+                  <a:srgbClr val="000000"/>
+                </a:solidFill>
+                <a:latin typeface="Arial"/>
+              </a:rPr>
+              <a:t>7.º nível de tópicos</a:t>
+            </a:r>
+            <a:endParaRPr b="0" lang="pt-BR" sz="1800" spc="-1" strike="noStrike">
+              <a:solidFill>
+                <a:srgbClr val="000000"/>
+              </a:solidFill>
+              <a:latin typeface="Arial"/>
             </a:endParaRPr>
           </a:p>
         </p:txBody>
@@ -6381,13 +6328,13 @@
             <a:spLocks noGrp="1"/>
           </p:cNvSpPr>
           <p:nvPr>
-            <p:ph type="body"/>
+            <p:ph type="sldNum" idx="8"/>
           </p:nvPr>
         </p:nvSpPr>
         <p:spPr>
           <a:xfrm>
-            <a:off x="1270080" y="8153280"/>
-            <a:ext cx="10464480" cy="1130040"/>
+            <a:off x="6328800" y="9296280"/>
+            <a:ext cx="339480" cy="323640"/>
           </a:xfrm>
           <a:prstGeom prst="rect">
             <a:avLst/>
@@ -6401,175 +6348,37 @@
           <a:bodyPr lIns="50760" rIns="50760" tIns="50760" bIns="50760" anchor="t">
             <a:noAutofit/>
           </a:bodyPr>
-          <a:p>
-            <a:pPr indent="0" algn="ctr" defTabSz="584280">
+          <a:lstStyle>
+            <a:lvl1pPr indent="0">
               <a:lnSpc>
                 <a:spcPct val="100000"/>
               </a:lnSpc>
               <a:buNone/>
-              <a:tabLst>
-                <a:tab algn="l" pos="0"/>
-              </a:tabLst>
-            </a:pPr>
-            <a:r>
-              <a:rPr b="0" lang="en-US" sz="3700" spc="-1" strike="noStrike">
-                <a:solidFill>
-                  <a:srgbClr val="000000"/>
-                </a:solidFill>
-                <a:latin typeface="Helvetica Neue"/>
-                <a:ea typeface="Helvetica Neue"/>
-              </a:rPr>
-              <a:t>Nível um</a:t>
-            </a:r>
-            <a:endParaRPr b="0" lang="en-US" sz="3700" spc="-1" strike="noStrike">
-              <a:solidFill>
-                <a:srgbClr val="000000"/>
-              </a:solidFill>
-              <a:latin typeface="Helvetica Neue"/>
-            </a:endParaRPr>
-          </a:p>
-          <a:p>
-            <a:pPr indent="0" algn="ctr" defTabSz="584280">
+              <a:defRPr b="0" lang="pt-BR" sz="1400" spc="-1" strike="noStrike">
+                <a:solidFill>
+                  <a:srgbClr val="000000"/>
+                </a:solidFill>
+                <a:latin typeface="Times New Roman"/>
+              </a:defRPr>
+            </a:lvl1pPr>
+          </a:lstStyle>
+          <a:p>
+            <a:pPr indent="0">
               <a:lnSpc>
                 <a:spcPct val="100000"/>
               </a:lnSpc>
               <a:buNone/>
-              <a:tabLst>
-                <a:tab algn="l" pos="0"/>
-              </a:tabLst>
-            </a:pPr>
-            <a:r>
-              <a:rPr b="0" lang="en-US" sz="3700" spc="-1" strike="noStrike">
-                <a:solidFill>
-                  <a:srgbClr val="000000"/>
-                </a:solidFill>
-                <a:latin typeface="Helvetica Neue"/>
-                <a:ea typeface="Helvetica Neue"/>
-              </a:rPr>
-              <a:t>Nível dois</a:t>
-            </a:r>
-            <a:endParaRPr b="0" lang="en-US" sz="3700" spc="-1" strike="noStrike">
-              <a:solidFill>
-                <a:srgbClr val="000000"/>
-              </a:solidFill>
-              <a:latin typeface="Helvetica Neue"/>
-            </a:endParaRPr>
-          </a:p>
-          <a:p>
-            <a:pPr indent="0" algn="ctr" defTabSz="584280">
-              <a:lnSpc>
-                <a:spcPct val="100000"/>
-              </a:lnSpc>
-              <a:buNone/>
-              <a:tabLst>
-                <a:tab algn="l" pos="0"/>
-              </a:tabLst>
-            </a:pPr>
-            <a:r>
-              <a:rPr b="0" lang="en-US" sz="3700" spc="-1" strike="noStrike">
-                <a:solidFill>
-                  <a:srgbClr val="000000"/>
-                </a:solidFill>
-                <a:latin typeface="Helvetica Neue"/>
-                <a:ea typeface="Helvetica Neue"/>
-              </a:rPr>
-              <a:t>Nível três</a:t>
-            </a:r>
-            <a:endParaRPr b="0" lang="en-US" sz="3700" spc="-1" strike="noStrike">
-              <a:solidFill>
-                <a:srgbClr val="000000"/>
-              </a:solidFill>
-              <a:latin typeface="Helvetica Neue"/>
-            </a:endParaRPr>
-          </a:p>
-          <a:p>
-            <a:pPr indent="0" algn="ctr" defTabSz="584280">
-              <a:lnSpc>
-                <a:spcPct val="100000"/>
-              </a:lnSpc>
-              <a:buNone/>
-              <a:tabLst>
-                <a:tab algn="l" pos="0"/>
-              </a:tabLst>
-            </a:pPr>
-            <a:r>
-              <a:rPr b="0" lang="en-US" sz="3700" spc="-1" strike="noStrike">
-                <a:solidFill>
-                  <a:srgbClr val="000000"/>
-                </a:solidFill>
-                <a:latin typeface="Helvetica Neue"/>
-                <a:ea typeface="Helvetica Neue"/>
-              </a:rPr>
-              <a:t>Nível quatro</a:t>
-            </a:r>
-            <a:endParaRPr b="0" lang="en-US" sz="3700" spc="-1" strike="noStrike">
-              <a:solidFill>
-                <a:srgbClr val="000000"/>
-              </a:solidFill>
-              <a:latin typeface="Helvetica Neue"/>
-            </a:endParaRPr>
-          </a:p>
-          <a:p>
-            <a:pPr indent="0" algn="ctr" defTabSz="584280">
-              <a:lnSpc>
-                <a:spcPct val="100000"/>
-              </a:lnSpc>
-              <a:buNone/>
-              <a:tabLst>
-                <a:tab algn="l" pos="0"/>
-              </a:tabLst>
-            </a:pPr>
-            <a:r>
-              <a:rPr b="0" lang="en-US" sz="3700" spc="-1" strike="noStrike">
-                <a:solidFill>
-                  <a:srgbClr val="000000"/>
-                </a:solidFill>
-                <a:latin typeface="Helvetica Neue"/>
-                <a:ea typeface="Helvetica Neue"/>
-              </a:rPr>
-              <a:t>Nível cinco</a:t>
-            </a:r>
-            <a:endParaRPr b="0" lang="en-US" sz="3700" spc="-1" strike="noStrike">
-              <a:solidFill>
-                <a:srgbClr val="000000"/>
-              </a:solidFill>
-              <a:latin typeface="Helvetica Neue"/>
-            </a:endParaRPr>
-          </a:p>
-        </p:txBody>
-      </p:sp>
-      <p:sp>
-        <p:nvSpPr>
-          <p:cNvPr id="37" name="PlaceHolder 4"/>
-          <p:cNvSpPr>
-            <a:spLocks noGrp="1"/>
-          </p:cNvSpPr>
-          <p:nvPr>
-            <p:ph type="sldNum" idx="8"/>
-          </p:nvPr>
-        </p:nvSpPr>
-        <p:spPr>
-          <a:xfrm>
-            <a:off x="6328800" y="9296280"/>
-            <a:ext cx="339840" cy="324000"/>
-          </a:xfrm>
-          <a:prstGeom prst="rect">
-            <a:avLst/>
-          </a:prstGeom>
-          <a:noFill/>
-          <a:ln w="12600">
-            <a:noFill/>
-          </a:ln>
-        </p:spPr>
-        <p:txBody>
-          <a:bodyPr lIns="50760" rIns="50760" tIns="50760" bIns="50760" anchor="t">
-            <a:noAutofit/>
-          </a:bodyPr>
-          <a:p>
-            <a:pPr indent="0">
-              <a:buNone/>
-            </a:pPr>
-            <a:endParaRPr b="0" lang="en-US" sz="1600" spc="-1" strike="noStrike">
+            </a:pPr>
+            <a:fld id="{C3DB8A24-383D-4196-AD96-C07A8572A4B2}" type="slidenum">
+              <a:rPr b="0" lang="pt-BR" sz="1400" spc="-1" strike="noStrike">
+                <a:solidFill>
+                  <a:srgbClr val="000000"/>
+                </a:solidFill>
+                <a:latin typeface="Times New Roman"/>
+              </a:rPr>
+              <a:t>&lt;número&gt;</a:t>
+            </a:fld>
+            <a:endParaRPr b="0" lang="pt-BR" sz="1400" spc="-1" strike="noStrike">
               <a:solidFill>
                 <a:srgbClr val="000000"/>
               </a:solidFill>
@@ -6613,7 +6422,7 @@
       </p:grpSpPr>
       <p:sp>
         <p:nvSpPr>
-          <p:cNvPr id="40" name="PlaceHolder 1"/>
+          <p:cNvPr id="39" name="PlaceHolder 1"/>
           <p:cNvSpPr>
             <a:spLocks noGrp="1"/>
           </p:cNvSpPr>
@@ -6623,53 +6432,271 @@
         </p:nvSpPr>
         <p:spPr>
           <a:xfrm>
-            <a:off x="1270080" y="3225960"/>
-            <a:ext cx="10464480" cy="3301560"/>
+            <a:off x="650160" y="389160"/>
+            <a:ext cx="11703240" cy="1627920"/>
           </a:xfrm>
           <a:prstGeom prst="rect">
             <a:avLst/>
           </a:prstGeom>
           <a:noFill/>
-          <a:ln w="12600">
+          <a:ln w="0">
             <a:noFill/>
           </a:ln>
         </p:spPr>
         <p:txBody>
-          <a:bodyPr lIns="50760" rIns="50760" tIns="50760" bIns="50760" anchor="ctr">
+          <a:bodyPr lIns="0" rIns="0" tIns="0" bIns="0" anchor="ctr">
             <a:noAutofit/>
           </a:bodyPr>
           <a:p>
-            <a:pPr indent="0" algn="ctr" defTabSz="584280">
-              <a:lnSpc>
-                <a:spcPct val="100000"/>
-              </a:lnSpc>
+            <a:pPr indent="0">
               <a:buNone/>
-              <a:tabLst>
-                <a:tab algn="l" pos="0"/>
-              </a:tabLst>
-            </a:pPr>
-            <a:r>
-              <a:rPr b="0" lang="en-US" sz="8000" spc="-1" strike="noStrike">
-                <a:solidFill>
-                  <a:srgbClr val="000000"/>
-                </a:solidFill>
-                <a:latin typeface="Helvetica Neue Medium"/>
-                <a:ea typeface="Helvetica Neue Medium"/>
-              </a:rPr>
-              <a:t>Texto do título</a:t>
-            </a:r>
-            <a:endParaRPr b="0" lang="en-US" sz="8000" spc="-1" strike="noStrike">
-              <a:solidFill>
-                <a:srgbClr val="000000"/>
-              </a:solidFill>
-              <a:latin typeface="Helvetica Neue"/>
+            </a:pPr>
+            <a:r>
+              <a:rPr b="0" lang="pt-BR" sz="1800" spc="-1" strike="noStrike">
+                <a:solidFill>
+                  <a:srgbClr val="000000"/>
+                </a:solidFill>
+                <a:latin typeface="Arial"/>
+              </a:rPr>
+              <a:t>Clique para editar o formato do texto do título</a:t>
+            </a:r>
+            <a:endParaRPr b="0" lang="pt-BR" sz="1800" spc="-1" strike="noStrike">
+              <a:solidFill>
+                <a:srgbClr val="000000"/>
+              </a:solidFill>
+              <a:latin typeface="Arial"/>
             </a:endParaRPr>
           </a:p>
         </p:txBody>
       </p:sp>
       <p:sp>
         <p:nvSpPr>
-          <p:cNvPr id="41" name="PlaceHolder 2"/>
+          <p:cNvPr id="40" name="PlaceHolder 2"/>
+          <p:cNvSpPr>
+            <a:spLocks noGrp="1"/>
+          </p:cNvSpPr>
+          <p:nvPr>
+            <p:ph type="body"/>
+          </p:nvPr>
+        </p:nvSpPr>
+        <p:spPr>
+          <a:xfrm>
+            <a:off x="650160" y="2282040"/>
+            <a:ext cx="11703240" cy="5655960"/>
+          </a:xfrm>
+          <a:prstGeom prst="rect">
+            <a:avLst/>
+          </a:prstGeom>
+          <a:noFill/>
+          <a:ln w="0">
+            <a:noFill/>
+          </a:ln>
+        </p:spPr>
+        <p:txBody>
+          <a:bodyPr lIns="0" rIns="0" tIns="0" bIns="0" anchor="t">
+            <a:normAutofit/>
+          </a:bodyPr>
+          <a:p>
+            <a:pPr marL="432000" indent="-324000">
+              <a:spcBef>
+                <a:spcPts val="1417"/>
+              </a:spcBef>
+              <a:buClr>
+                <a:srgbClr val="000000"/>
+              </a:buClr>
+              <a:buSzPct val="45000"/>
+              <a:buFont typeface="Wingdings" charset="2"/>
+              <a:buChar char=""/>
+            </a:pPr>
+            <a:r>
+              <a:rPr b="0" lang="pt-BR" sz="1800" spc="-1" strike="noStrike">
+                <a:solidFill>
+                  <a:srgbClr val="000000"/>
+                </a:solidFill>
+                <a:latin typeface="Arial"/>
+              </a:rPr>
+              <a:t>Clique para editar o formato de texto dos tópicos</a:t>
+            </a:r>
+            <a:endParaRPr b="0" lang="pt-BR" sz="1800" spc="-1" strike="noStrike">
+              <a:solidFill>
+                <a:srgbClr val="000000"/>
+              </a:solidFill>
+              <a:latin typeface="Arial"/>
+            </a:endParaRPr>
+          </a:p>
+          <a:p>
+            <a:pPr lvl="1" marL="864000" indent="-324000">
+              <a:spcBef>
+                <a:spcPts val="1134"/>
+              </a:spcBef>
+              <a:buClr>
+                <a:srgbClr val="000000"/>
+              </a:buClr>
+              <a:buSzPct val="75000"/>
+              <a:buFont typeface="Symbol" charset="2"/>
+              <a:buChar char=""/>
+            </a:pPr>
+            <a:r>
+              <a:rPr b="0" lang="pt-BR" sz="1800" spc="-1" strike="noStrike">
+                <a:solidFill>
+                  <a:srgbClr val="000000"/>
+                </a:solidFill>
+                <a:latin typeface="Arial"/>
+              </a:rPr>
+              <a:t>2.º nível de tópicos</a:t>
+            </a:r>
+            <a:endParaRPr b="0" lang="pt-BR" sz="1800" spc="-1" strike="noStrike">
+              <a:solidFill>
+                <a:srgbClr val="000000"/>
+              </a:solidFill>
+              <a:latin typeface="Arial"/>
+            </a:endParaRPr>
+          </a:p>
+          <a:p>
+            <a:pPr lvl="2" marL="1296000" indent="-288000">
+              <a:spcBef>
+                <a:spcPts val="850"/>
+              </a:spcBef>
+              <a:buClr>
+                <a:srgbClr val="000000"/>
+              </a:buClr>
+              <a:buSzPct val="45000"/>
+              <a:buFont typeface="Wingdings" charset="2"/>
+              <a:buChar char=""/>
+            </a:pPr>
+            <a:r>
+              <a:rPr b="0" lang="pt-BR" sz="1800" spc="-1" strike="noStrike">
+                <a:solidFill>
+                  <a:srgbClr val="000000"/>
+                </a:solidFill>
+                <a:latin typeface="Arial"/>
+              </a:rPr>
+              <a:t>3.º nível de tópicos</a:t>
+            </a:r>
+            <a:endParaRPr b="0" lang="pt-BR" sz="1800" spc="-1" strike="noStrike">
+              <a:solidFill>
+                <a:srgbClr val="000000"/>
+              </a:solidFill>
+              <a:latin typeface="Arial"/>
+            </a:endParaRPr>
+          </a:p>
+          <a:p>
+            <a:pPr lvl="3" marL="1728000" indent="-216000">
+              <a:spcBef>
+                <a:spcPts val="567"/>
+              </a:spcBef>
+              <a:buClr>
+                <a:srgbClr val="000000"/>
+              </a:buClr>
+              <a:buSzPct val="75000"/>
+              <a:buFont typeface="Symbol" charset="2"/>
+              <a:buChar char=""/>
+            </a:pPr>
+            <a:r>
+              <a:rPr b="0" lang="pt-BR" sz="1800" spc="-1" strike="noStrike">
+                <a:solidFill>
+                  <a:srgbClr val="000000"/>
+                </a:solidFill>
+                <a:latin typeface="Arial"/>
+              </a:rPr>
+              <a:t>4.º nível de tópicos</a:t>
+            </a:r>
+            <a:endParaRPr b="0" lang="pt-BR" sz="1800" spc="-1" strike="noStrike">
+              <a:solidFill>
+                <a:srgbClr val="000000"/>
+              </a:solidFill>
+              <a:latin typeface="Arial"/>
+            </a:endParaRPr>
+          </a:p>
+          <a:p>
+            <a:pPr lvl="4" marL="2160000" indent="-216000">
+              <a:spcBef>
+                <a:spcPts val="283"/>
+              </a:spcBef>
+              <a:buClr>
+                <a:srgbClr val="000000"/>
+              </a:buClr>
+              <a:buSzPct val="45000"/>
+              <a:buFont typeface="Wingdings" charset="2"/>
+              <a:buChar char=""/>
+            </a:pPr>
+            <a:r>
+              <a:rPr b="0" lang="pt-BR" sz="1800" spc="-1" strike="noStrike">
+                <a:solidFill>
+                  <a:srgbClr val="000000"/>
+                </a:solidFill>
+                <a:latin typeface="Arial"/>
+              </a:rPr>
+              <a:t>5.º nível de tópicos</a:t>
+            </a:r>
+            <a:endParaRPr b="0" lang="pt-BR" sz="1800" spc="-1" strike="noStrike">
+              <a:solidFill>
+                <a:srgbClr val="000000"/>
+              </a:solidFill>
+              <a:latin typeface="Arial"/>
+            </a:endParaRPr>
+          </a:p>
+          <a:p>
+            <a:pPr lvl="5" marL="2592000" indent="-216000">
+              <a:spcBef>
+                <a:spcPts val="283"/>
+              </a:spcBef>
+              <a:buClr>
+                <a:srgbClr val="000000"/>
+              </a:buClr>
+              <a:buSzPct val="45000"/>
+              <a:buFont typeface="Wingdings" charset="2"/>
+              <a:buChar char=""/>
+            </a:pPr>
+            <a:r>
+              <a:rPr b="0" lang="pt-BR" sz="1800" spc="-1" strike="noStrike">
+                <a:solidFill>
+                  <a:srgbClr val="000000"/>
+                </a:solidFill>
+                <a:latin typeface="Arial"/>
+              </a:rPr>
+              <a:t>6.º nível de tópicos</a:t>
+            </a:r>
+            <a:endParaRPr b="0" lang="pt-BR" sz="1800" spc="-1" strike="noStrike">
+              <a:solidFill>
+                <a:srgbClr val="000000"/>
+              </a:solidFill>
+              <a:latin typeface="Arial"/>
+            </a:endParaRPr>
+          </a:p>
+          <a:p>
+            <a:pPr lvl="6" marL="3024000" indent="-216000">
+              <a:spcBef>
+                <a:spcPts val="283"/>
+              </a:spcBef>
+              <a:buClr>
+                <a:srgbClr val="000000"/>
+              </a:buClr>
+              <a:buSzPct val="45000"/>
+              <a:buFont typeface="Wingdings" charset="2"/>
+              <a:buChar char=""/>
+            </a:pPr>
+            <a:r>
+              <a:rPr b="0" lang="pt-BR" sz="1800" spc="-1" strike="noStrike">
+                <a:solidFill>
+                  <a:srgbClr val="000000"/>
+                </a:solidFill>
+                <a:latin typeface="Arial"/>
+              </a:rPr>
+              <a:t>7.º nível de tópicos</a:t>
+            </a:r>
+            <a:endParaRPr b="0" lang="pt-BR" sz="1800" spc="-1" strike="noStrike">
+              <a:solidFill>
+                <a:srgbClr val="000000"/>
+              </a:solidFill>
+              <a:latin typeface="Arial"/>
+            </a:endParaRPr>
+          </a:p>
+        </p:txBody>
+      </p:sp>
+      <p:sp>
+        <p:nvSpPr>
+          <p:cNvPr id="41" name="PlaceHolder 3"/>
           <p:cNvSpPr>
             <a:spLocks noGrp="1"/>
           </p:cNvSpPr>
@@ -6680,7 +6707,7 @@
         <p:spPr>
           <a:xfrm>
             <a:off x="6328800" y="9296280"/>
-            <a:ext cx="339840" cy="324000"/>
+            <a:ext cx="339480" cy="323640"/>
           </a:xfrm>
           <a:prstGeom prst="rect">
             <a:avLst/>
@@ -6694,11 +6721,37 @@
           <a:bodyPr lIns="50760" rIns="50760" tIns="50760" bIns="50760" anchor="t">
             <a:noAutofit/>
           </a:bodyPr>
+          <a:lstStyle>
+            <a:lvl1pPr indent="0">
+              <a:lnSpc>
+                <a:spcPct val="100000"/>
+              </a:lnSpc>
+              <a:buNone/>
+              <a:defRPr b="0" lang="pt-BR" sz="1400" spc="-1" strike="noStrike">
+                <a:solidFill>
+                  <a:srgbClr val="000000"/>
+                </a:solidFill>
+                <a:latin typeface="Times New Roman"/>
+              </a:defRPr>
+            </a:lvl1pPr>
+          </a:lstStyle>
           <a:p>
             <a:pPr indent="0">
+              <a:lnSpc>
+                <a:spcPct val="100000"/>
+              </a:lnSpc>
               <a:buNone/>
             </a:pPr>
-            <a:endParaRPr b="0" lang="en-US" sz="1600" spc="-1" strike="noStrike">
+            <a:fld id="{3EAD97FF-DC48-45FA-B608-891E90C19573}" type="slidenum">
+              <a:rPr b="0" lang="pt-BR" sz="1400" spc="-1" strike="noStrike">
+                <a:solidFill>
+                  <a:srgbClr val="000000"/>
+                </a:solidFill>
+                <a:latin typeface="Times New Roman"/>
+              </a:rPr>
+              <a:t>&lt;número&gt;</a:t>
+            </a:fld>
+            <a:endParaRPr b="0" lang="pt-BR" sz="1400" spc="-1" strike="noStrike">
               <a:solidFill>
                 <a:srgbClr val="000000"/>
               </a:solidFill>
@@ -6735,14 +6788,14 @@
       </p:grpSpPr>
       <p:sp>
         <p:nvSpPr>
-          <p:cNvPr id="70" name="Simulação controlada"/>
+          <p:cNvPr id="69" name="Simulação controlada"/>
           <p:cNvSpPr/>
           <p:nvPr/>
         </p:nvSpPr>
         <p:spPr>
           <a:xfrm>
             <a:off x="1383480" y="2128680"/>
-            <a:ext cx="3900960" cy="5300640"/>
+            <a:ext cx="11216520" cy="5300280"/>
           </a:xfrm>
           <a:prstGeom prst="roundRect">
             <a:avLst>
@@ -6782,14 +6835,14 @@
             <a:r>
               <a:rPr b="0" lang="en-US" sz="2200" spc="-1" strike="noStrike">
                 <a:solidFill>
-                  <a:srgbClr val="ffffff"/>
+                  <a:srgbClr val="000000"/>
                 </a:solidFill>
                 <a:latin typeface="Helvetica Neue Medium"/>
                 <a:ea typeface="Helvetica Neue Medium"/>
               </a:rPr>
-              <a:t>Simulação controlada</a:t>
-            </a:r>
-            <a:endParaRPr b="0" lang="en-US" sz="2200" spc="-1" strike="noStrike">
+              <a:t>Controlled Simulation</a:t>
+            </a:r>
+            <a:endParaRPr b="0" lang="pt-BR" sz="2200" spc="-1" strike="noStrike">
               <a:solidFill>
                 <a:srgbClr val="000000"/>
               </a:solidFill>
@@ -6800,14 +6853,14 @@
       </p:sp>
       <p:sp>
         <p:nvSpPr>
-          <p:cNvPr id="71" name="* IED *…"/>
+          <p:cNvPr id="70" name="* IED *…"/>
           <p:cNvSpPr/>
           <p:nvPr/>
         </p:nvSpPr>
         <p:spPr>
           <a:xfrm>
             <a:off x="5867280" y="3306960"/>
-            <a:ext cx="1733400" cy="3139200"/>
+            <a:ext cx="1733040" cy="3138840"/>
           </a:xfrm>
           <a:prstGeom prst="rect">
             <a:avLst/>
@@ -6846,105 +6899,11 @@
                 <a:latin typeface="Helvetica Neue Medium"/>
                 <a:ea typeface="Helvetica Neue Medium"/>
               </a:rPr>
-              <a:t>* IED *</a:t>
-            </a:r>
-            <a:endParaRPr b="0" lang="en-US" sz="2200" spc="-1" strike="noStrike">
-              <a:solidFill>
-                <a:srgbClr val="ffffff"/>
-              </a:solidFill>
-              <a:latin typeface="Arial"/>
-            </a:endParaRPr>
-          </a:p>
-          <a:p>
-            <a:pPr algn="ctr" defTabSz="584280">
-              <a:lnSpc>
-                <a:spcPct val="100000"/>
-              </a:lnSpc>
-              <a:tabLst>
-                <a:tab algn="l" pos="0"/>
-              </a:tabLst>
-            </a:pPr>
-            <a:endParaRPr b="0" lang="en-US" sz="2200" spc="-1" strike="noStrike">
-              <a:solidFill>
-                <a:srgbClr val="ffffff"/>
-              </a:solidFill>
-              <a:latin typeface="Arial"/>
-            </a:endParaRPr>
-          </a:p>
-          <a:p>
-            <a:pPr algn="ctr" defTabSz="584280">
-              <a:lnSpc>
-                <a:spcPct val="100000"/>
-              </a:lnSpc>
-              <a:tabLst>
-                <a:tab algn="l" pos="0"/>
-              </a:tabLst>
-            </a:pPr>
-            <a:r>
-              <a:rPr b="0" lang="en-US" sz="2200" spc="-1" strike="noStrike">
-                <a:solidFill>
-                  <a:srgbClr val="ffffff"/>
-                </a:solidFill>
-                <a:latin typeface="Helvetica Neue Medium"/>
-                <a:ea typeface="Helvetica Neue Medium"/>
-              </a:rPr>
-              <a:t>computador</a:t>
-            </a:r>
-            <a:endParaRPr b="0" lang="en-US" sz="2200" spc="-1" strike="noStrike">
-              <a:solidFill>
-                <a:srgbClr val="ffffff"/>
-              </a:solidFill>
-              <a:latin typeface="Arial"/>
-            </a:endParaRPr>
-          </a:p>
-          <a:p>
-            <a:pPr algn="ctr" defTabSz="584280">
-              <a:lnSpc>
-                <a:spcPct val="100000"/>
-              </a:lnSpc>
-              <a:tabLst>
-                <a:tab algn="l" pos="0"/>
-              </a:tabLst>
-            </a:pPr>
-            <a:r>
-              <a:rPr b="0" lang="en-US" sz="2200" spc="-1" strike="noStrike">
-                <a:solidFill>
-                  <a:srgbClr val="ffffff"/>
-                </a:solidFill>
-                <a:latin typeface="Helvetica Neue Medium"/>
-                <a:ea typeface="Helvetica Neue Medium"/>
-              </a:rPr>
-              <a:t>+</a:t>
-            </a:r>
-            <a:endParaRPr b="0" lang="en-US" sz="2200" spc="-1" strike="noStrike">
-              <a:solidFill>
-                <a:srgbClr val="ffffff"/>
-              </a:solidFill>
-              <a:latin typeface="Arial"/>
-            </a:endParaRPr>
-          </a:p>
-          <a:p>
-            <a:pPr algn="ctr" defTabSz="584280">
-              <a:lnSpc>
-                <a:spcPct val="100000"/>
-              </a:lnSpc>
-              <a:tabLst>
-                <a:tab algn="l" pos="0"/>
-              </a:tabLst>
-            </a:pPr>
-            <a:r>
-              <a:rPr b="0" lang="en-US" sz="2200" spc="-1" strike="noStrike">
-                <a:solidFill>
-                  <a:srgbClr val="ffffff"/>
-                </a:solidFill>
-                <a:latin typeface="Helvetica Neue Medium"/>
-                <a:ea typeface="Helvetica Neue Medium"/>
-              </a:rPr>
-              <a:t>algoritmo</a:t>
-            </a:r>
-            <a:endParaRPr b="0" lang="en-US" sz="2200" spc="-1" strike="noStrike">
-              <a:solidFill>
-                <a:srgbClr val="ffffff"/>
+              <a:t>Algorithm</a:t>
+            </a:r>
+            <a:endParaRPr b="0" lang="pt-BR" sz="2200" spc="-1" strike="noStrike">
+              <a:solidFill>
+                <a:srgbClr val="000000"/>
               </a:solidFill>
               <a:latin typeface="Arial"/>
             </a:endParaRPr>
@@ -6953,20 +6912,20 @@
       </p:sp>
       <p:sp>
         <p:nvSpPr>
-          <p:cNvPr id="72" name="MU1"/>
+          <p:cNvPr id="71" name="MU1"/>
           <p:cNvSpPr/>
           <p:nvPr/>
         </p:nvSpPr>
         <p:spPr>
           <a:xfrm>
-            <a:off x="2567160" y="3447720"/>
-            <a:ext cx="1269720" cy="1269720"/>
+            <a:off x="2891160" y="3087720"/>
+            <a:ext cx="1269360" cy="1269360"/>
           </a:xfrm>
           <a:prstGeom prst="rect">
             <a:avLst/>
           </a:prstGeom>
           <a:solidFill>
-            <a:schemeClr val="accent1"/>
+            <a:srgbClr val="069a2e"/>
           </a:solidFill>
           <a:ln w="12700">
             <a:noFill/>
@@ -6999,11 +6958,11 @@
                 <a:latin typeface="Helvetica Neue Medium"/>
                 <a:ea typeface="Helvetica Neue Medium"/>
               </a:rPr>
-              <a:t>MU0</a:t>
-            </a:r>
-            <a:endParaRPr b="0" lang="en-US" sz="2200" spc="-1" strike="noStrike">
-              <a:solidFill>
-                <a:srgbClr val="ffffff"/>
+              <a:t>Merging Unit 1</a:t>
+            </a:r>
+            <a:endParaRPr b="0" lang="pt-BR" sz="2200" spc="-1" strike="noStrike">
+              <a:solidFill>
+                <a:srgbClr val="000000"/>
               </a:solidFill>
               <a:latin typeface="Arial"/>
             </a:endParaRPr>
@@ -7012,20 +6971,20 @@
       </p:sp>
       <p:sp>
         <p:nvSpPr>
-          <p:cNvPr id="73" name="MU2"/>
+          <p:cNvPr id="72" name="MU2"/>
           <p:cNvSpPr/>
           <p:nvPr/>
         </p:nvSpPr>
         <p:spPr>
           <a:xfrm>
-            <a:off x="2567160" y="5105520"/>
-            <a:ext cx="1269720" cy="1269720"/>
+            <a:off x="2891160" y="5285520"/>
+            <a:ext cx="1269360" cy="1269360"/>
           </a:xfrm>
           <a:prstGeom prst="rect">
             <a:avLst/>
           </a:prstGeom>
           <a:solidFill>
-            <a:schemeClr val="accent1"/>
+            <a:srgbClr val="069a2e"/>
           </a:solidFill>
           <a:ln w="12700">
             <a:noFill/>
@@ -7058,11 +7017,11 @@
                 <a:latin typeface="Helvetica Neue Medium"/>
                 <a:ea typeface="Helvetica Neue Medium"/>
               </a:rPr>
-              <a:t>MU1</a:t>
-            </a:r>
-            <a:endParaRPr b="0" lang="en-US" sz="2200" spc="-1" strike="noStrike">
-              <a:solidFill>
-                <a:srgbClr val="ffffff"/>
+              <a:t>Merging Unit 2</a:t>
+            </a:r>
+            <a:endParaRPr b="0" lang="pt-BR" sz="2200" spc="-1" strike="noStrike">
+              <a:solidFill>
+                <a:srgbClr val="000000"/>
               </a:solidFill>
               <a:latin typeface="Arial"/>
             </a:endParaRPr>
@@ -7071,14 +7030,14 @@
       </p:sp>
       <p:sp>
         <p:nvSpPr>
-          <p:cNvPr id="74" name="Linha"/>
+          <p:cNvPr id="73" name="Linha"/>
           <p:cNvSpPr/>
           <p:nvPr/>
         </p:nvSpPr>
         <p:spPr>
           <a:xfrm>
-            <a:off x="3784680" y="4175280"/>
-            <a:ext cx="2052360" cy="0"/>
+            <a:off x="4160520" y="3815280"/>
+            <a:ext cx="1676520" cy="360"/>
           </a:xfrm>
           <a:prstGeom prst="line">
             <a:avLst/>
@@ -7114,14 +7073,14 @@
       </p:sp>
       <p:sp>
         <p:nvSpPr>
-          <p:cNvPr id="75" name="Digital"/>
+          <p:cNvPr id="74" name="Digital"/>
           <p:cNvSpPr/>
           <p:nvPr/>
         </p:nvSpPr>
         <p:spPr>
           <a:xfrm>
-            <a:off x="4183920" y="3598560"/>
-            <a:ext cx="1337040" cy="588600"/>
+            <a:off x="4320000" y="3240000"/>
+            <a:ext cx="1422360" cy="588600"/>
           </a:xfrm>
           <a:prstGeom prst="rect">
             <a:avLst/>
@@ -7163,7 +7122,7 @@
               </a:rPr>
               <a:t>Digital</a:t>
             </a:r>
-            <a:endParaRPr b="0" lang="en-US" sz="3200" spc="-1" strike="noStrike">
+            <a:endParaRPr b="0" lang="pt-BR" sz="3200" spc="-1" strike="noStrike">
               <a:solidFill>
                 <a:srgbClr val="000000"/>
               </a:solidFill>
@@ -7174,14 +7133,14 @@
       </p:sp>
       <p:sp>
         <p:nvSpPr>
-          <p:cNvPr id="76" name="Linha"/>
+          <p:cNvPr id="75" name="Linha"/>
           <p:cNvSpPr/>
           <p:nvPr/>
         </p:nvSpPr>
         <p:spPr>
           <a:xfrm>
-            <a:off x="3825720" y="5846400"/>
-            <a:ext cx="2052720" cy="0"/>
+            <a:off x="4140000" y="6026760"/>
+            <a:ext cx="1738440" cy="0"/>
           </a:xfrm>
           <a:prstGeom prst="line">
             <a:avLst/>
@@ -7217,14 +7176,14 @@
       </p:sp>
       <p:sp>
         <p:nvSpPr>
-          <p:cNvPr id="77" name="Digital"/>
+          <p:cNvPr id="76" name="Digital"/>
           <p:cNvSpPr/>
           <p:nvPr/>
         </p:nvSpPr>
         <p:spPr>
           <a:xfrm>
-            <a:off x="4224960" y="5270040"/>
-            <a:ext cx="1337040" cy="588600"/>
+            <a:off x="4337640" y="5450040"/>
+            <a:ext cx="1422360" cy="588600"/>
           </a:xfrm>
           <a:prstGeom prst="rect">
             <a:avLst/>
@@ -7266,7 +7225,7 @@
               </a:rPr>
               <a:t>Digital</a:t>
             </a:r>
-            <a:endParaRPr b="0" lang="en-US" sz="3200" spc="-1" strike="noStrike">
+            <a:endParaRPr b="0" lang="pt-BR" sz="3200" spc="-1" strike="noStrike">
               <a:solidFill>
                 <a:srgbClr val="000000"/>
               </a:solidFill>
@@ -7277,14 +7236,14 @@
       </p:sp>
       <p:sp>
         <p:nvSpPr>
-          <p:cNvPr id="78" name="Linha"/>
+          <p:cNvPr id="77" name="Linha"/>
           <p:cNvSpPr/>
           <p:nvPr/>
         </p:nvSpPr>
         <p:spPr>
           <a:xfrm>
-            <a:off x="7636680" y="4955040"/>
-            <a:ext cx="2421720" cy="0"/>
+            <a:off x="7600680" y="4955040"/>
+            <a:ext cx="2457720" cy="360"/>
           </a:xfrm>
           <a:prstGeom prst="line">
             <a:avLst/>
@@ -7320,14 +7279,14 @@
       </p:sp>
       <p:sp>
         <p:nvSpPr>
-          <p:cNvPr id="79" name="Digital???"/>
+          <p:cNvPr id="78" name="Digital???"/>
           <p:cNvSpPr/>
           <p:nvPr/>
         </p:nvSpPr>
         <p:spPr>
           <a:xfrm>
-            <a:off x="8104680" y="4325040"/>
-            <a:ext cx="1443960" cy="588600"/>
+            <a:off x="8051400" y="4325040"/>
+            <a:ext cx="1550520" cy="588600"/>
           </a:xfrm>
           <a:prstGeom prst="rect">
             <a:avLst/>
@@ -7369,7 +7328,7 @@
               </a:rPr>
               <a:t>Digital </a:t>
             </a:r>
-            <a:endParaRPr b="0" lang="en-US" sz="3200" spc="-1" strike="noStrike">
+            <a:endParaRPr b="0" lang="pt-BR" sz="3200" spc="-1" strike="noStrike">
               <a:solidFill>
                 <a:srgbClr val="000000"/>
               </a:solidFill>
@@ -7380,22 +7339,22 @@
       </p:sp>
       <p:sp>
         <p:nvSpPr>
-          <p:cNvPr id="80" name="log"/>
+          <p:cNvPr id="79" name="log"/>
           <p:cNvSpPr/>
           <p:nvPr/>
         </p:nvSpPr>
         <p:spPr>
           <a:xfrm>
-            <a:off x="6197040" y="7044480"/>
-            <a:ext cx="1073880" cy="1418040"/>
+            <a:off x="6197040" y="7582320"/>
+            <a:ext cx="1073520" cy="1417680"/>
           </a:xfrm>
           <a:custGeom>
             <a:avLst/>
             <a:gdLst>
-              <a:gd name="textAreaLeft" fmla="*/ 0 w 1073880"/>
-              <a:gd name="textAreaRight" fmla="*/ 1074240 w 1073880"/>
-              <a:gd name="textAreaTop" fmla="*/ 0 h 1418040"/>
-              <a:gd name="textAreaBottom" fmla="*/ 1418400 h 1418040"/>
+              <a:gd name="textAreaLeft" fmla="*/ 0 w 1073520"/>
+              <a:gd name="textAreaRight" fmla="*/ 1074240 w 1073520"/>
+              <a:gd name="textAreaTop" fmla="*/ 0 h 1417680"/>
+              <a:gd name="textAreaBottom" fmla="*/ 1418400 h 1417680"/>
             </a:gdLst>
             <a:ahLst/>
             <a:rect l="textAreaLeft" t="textAreaTop" r="textAreaRight" b="textAreaBottom"/>
@@ -7499,9 +7458,9 @@
               </a:rPr>
               <a:t>log</a:t>
             </a:r>
-            <a:endParaRPr b="0" lang="en-US" sz="2200" spc="-1" strike="noStrike">
-              <a:solidFill>
-                <a:srgbClr val="ffffff"/>
+            <a:endParaRPr b="0" lang="pt-BR" sz="2200" spc="-1" strike="noStrike">
+              <a:solidFill>
+                <a:srgbClr val="000000"/>
               </a:solidFill>
               <a:latin typeface="Arial"/>
             </a:endParaRPr>
@@ -7510,14 +7469,14 @@
       </p:sp>
       <p:sp>
         <p:nvSpPr>
-          <p:cNvPr id="81" name="Linha"/>
+          <p:cNvPr id="80" name="Linha"/>
           <p:cNvSpPr/>
           <p:nvPr/>
         </p:nvSpPr>
         <p:spPr>
           <a:xfrm>
-            <a:off x="6734160" y="6459120"/>
-            <a:ext cx="0" cy="572760"/>
+            <a:off x="6732000" y="6459120"/>
+            <a:ext cx="0" cy="1123200"/>
           </a:xfrm>
           <a:prstGeom prst="line">
             <a:avLst/>
@@ -7553,14 +7512,14 @@
       </p:sp>
       <p:sp>
         <p:nvSpPr>
-          <p:cNvPr id="82" name="Protecção"/>
+          <p:cNvPr id="81" name="Protecção"/>
           <p:cNvSpPr/>
           <p:nvPr/>
         </p:nvSpPr>
         <p:spPr>
           <a:xfrm>
             <a:off x="10058400" y="3886200"/>
-            <a:ext cx="2292120" cy="2261520"/>
+            <a:ext cx="2291760" cy="2261160"/>
           </a:xfrm>
           <a:prstGeom prst="ellipse">
             <a:avLst/>
@@ -7603,11 +7562,37 @@
                 <a:latin typeface="Helvetica Neue Medium"/>
                 <a:ea typeface="Helvetica Neue Medium"/>
               </a:rPr>
-              <a:t>Protecção</a:t>
-            </a:r>
-            <a:endParaRPr b="0" lang="en-US" sz="2200" spc="-1" strike="noStrike">
-              <a:solidFill>
-                <a:srgbClr val="ffffff"/>
+              <a:t>Protection</a:t>
+            </a:r>
+            <a:endParaRPr b="0" lang="pt-BR" sz="2200" spc="-1" strike="noStrike">
+              <a:solidFill>
+                <a:srgbClr val="000000"/>
+              </a:solidFill>
+              <a:latin typeface="Arial"/>
+            </a:endParaRPr>
+          </a:p>
+          <a:p>
+            <a:pPr algn="ctr" defTabSz="584280">
+              <a:lnSpc>
+                <a:spcPct val="100000"/>
+              </a:lnSpc>
+              <a:tabLst>
+                <a:tab algn="l" pos="0"/>
+              </a:tabLst>
+            </a:pPr>
+            <a:r>
+              <a:rPr b="0" lang="en-US" sz="2200" spc="-1" strike="noStrike">
+                <a:solidFill>
+                  <a:srgbClr val="ffffff"/>
+                </a:solidFill>
+                <a:latin typeface="Helvetica Neue Medium"/>
+                <a:ea typeface="Helvetica Neue Medium"/>
+              </a:rPr>
+              <a:t>Relay</a:t>
+            </a:r>
+            <a:endParaRPr b="0" lang="pt-BR" sz="2200" spc="-1" strike="noStrike">
+              <a:solidFill>
+                <a:srgbClr val="000000"/>
               </a:solidFill>
               <a:latin typeface="Arial"/>
             </a:endParaRPr>
@@ -7616,22 +7601,22 @@
       </p:sp>
       <p:sp>
         <p:nvSpPr>
-          <p:cNvPr id="83" name="log"/>
+          <p:cNvPr id="82" name="log"/>
           <p:cNvSpPr/>
           <p:nvPr/>
         </p:nvSpPr>
         <p:spPr>
           <a:xfrm>
-            <a:off x="10584720" y="6733440"/>
-            <a:ext cx="1073880" cy="1418040"/>
+            <a:off x="10656720" y="7560000"/>
+            <a:ext cx="1073520" cy="1417680"/>
           </a:xfrm>
           <a:custGeom>
             <a:avLst/>
             <a:gdLst>
-              <a:gd name="textAreaLeft" fmla="*/ 0 w 1073880"/>
-              <a:gd name="textAreaRight" fmla="*/ 1074240 w 1073880"/>
-              <a:gd name="textAreaTop" fmla="*/ 0 h 1418040"/>
-              <a:gd name="textAreaBottom" fmla="*/ 1418400 h 1418040"/>
+              <a:gd name="textAreaLeft" fmla="*/ 0 w 1073520"/>
+              <a:gd name="textAreaRight" fmla="*/ 1074240 w 1073520"/>
+              <a:gd name="textAreaTop" fmla="*/ 0 h 1417680"/>
+              <a:gd name="textAreaBottom" fmla="*/ 1418400 h 1417680"/>
             </a:gdLst>
             <a:ahLst/>
             <a:rect l="textAreaLeft" t="textAreaTop" r="textAreaRight" b="textAreaBottom"/>
@@ -7739,9 +7724,9 @@
               </a:rPr>
               <a:t>log</a:t>
             </a:r>
-            <a:endParaRPr b="0" lang="en-US" sz="2200" spc="-1" strike="noStrike">
-              <a:solidFill>
-                <a:srgbClr val="ffffff"/>
+            <a:endParaRPr b="0" lang="pt-BR" sz="2200" spc="-1" strike="noStrike">
+              <a:solidFill>
+                <a:srgbClr val="000000"/>
               </a:solidFill>
               <a:latin typeface="Arial"/>
             </a:endParaRPr>
@@ -7750,14 +7735,14 @@
       </p:sp>
       <p:sp>
         <p:nvSpPr>
-          <p:cNvPr id="84" name="Linha"/>
+          <p:cNvPr id="83" name="Linha"/>
           <p:cNvSpPr/>
           <p:nvPr/>
         </p:nvSpPr>
         <p:spPr>
           <a:xfrm>
-            <a:off x="11121840" y="6147720"/>
-            <a:ext cx="0" cy="572760"/>
+            <a:off x="11196000" y="6147720"/>
+            <a:ext cx="0" cy="1412280"/>
           </a:xfrm>
           <a:prstGeom prst="line">
             <a:avLst/>
@@ -7793,22 +7778,22 @@
       </p:sp>
       <p:sp>
         <p:nvSpPr>
-          <p:cNvPr id="85" name="sim…"/>
+          <p:cNvPr id="84" name="log 1"/>
           <p:cNvSpPr/>
           <p:nvPr/>
         </p:nvSpPr>
         <p:spPr>
           <a:xfrm>
-            <a:off x="499320" y="3349800"/>
-            <a:ext cx="1250280" cy="1650600"/>
+            <a:off x="1626480" y="7560000"/>
+            <a:ext cx="1073520" cy="1417680"/>
           </a:xfrm>
           <a:custGeom>
             <a:avLst/>
             <a:gdLst>
-              <a:gd name="textAreaLeft" fmla="*/ 0 w 1250280"/>
-              <a:gd name="textAreaRight" fmla="*/ 1250640 w 1250280"/>
-              <a:gd name="textAreaTop" fmla="*/ 0 h 1650600"/>
-              <a:gd name="textAreaBottom" fmla="*/ 1650960 h 1650600"/>
+              <a:gd name="textAreaLeft" fmla="*/ 0 w 1073520"/>
+              <a:gd name="textAreaRight" fmla="*/ 1074240 w 1073520"/>
+              <a:gd name="textAreaTop" fmla="*/ 0 h 1417680"/>
+              <a:gd name="textAreaBottom" fmla="*/ 1418400 h 1417680"/>
             </a:gdLst>
             <a:ahLst/>
             <a:rect l="textAreaLeft" t="textAreaTop" r="textAreaRight" b="textAreaBottom"/>
@@ -7877,7 +7862,7 @@
             </a:pathLst>
           </a:custGeom>
           <a:solidFill>
-            <a:schemeClr val="accent1"/>
+            <a:srgbClr val="069a2e"/>
           </a:solidFill>
           <a:ln w="12700">
             <a:noFill/>
@@ -7890,7 +7875,7 @@
           <a:fontRef idx="minor"/>
         </p:style>
         <p:txBody>
-          <a:bodyPr lIns="50760" rIns="50760" tIns="50760" bIns="50760" anchor="b">
+          <a:bodyPr lIns="50760" rIns="50760" tIns="50760" bIns="50760" anchor="ctr">
             <a:noAutofit/>
           </a:bodyPr>
           <a:p>
@@ -7910,15 +7895,119 @@
                 <a:latin typeface="Helvetica Neue Medium"/>
                 <a:ea typeface="Helvetica Neue Medium"/>
               </a:rPr>
-              <a:t>sim</a:t>
-            </a:r>
-            <a:endParaRPr b="0" lang="en-US" sz="2200" spc="-1" strike="noStrike">
-              <a:solidFill>
-                <a:srgbClr val="ffffff"/>
-              </a:solidFill>
-              <a:latin typeface="Arial"/>
-            </a:endParaRPr>
-          </a:p>
+              <a:t>log</a:t>
+            </a:r>
+            <a:endParaRPr b="0" lang="pt-BR" sz="2200" spc="-1" strike="noStrike">
+              <a:solidFill>
+                <a:srgbClr val="000000"/>
+              </a:solidFill>
+              <a:latin typeface="Arial"/>
+            </a:endParaRPr>
+          </a:p>
+        </p:txBody>
+      </p:sp>
+      <p:sp>
+        <p:nvSpPr>
+          <p:cNvPr id="85" name="log 2"/>
+          <p:cNvSpPr/>
+          <p:nvPr/>
+        </p:nvSpPr>
+        <p:spPr>
+          <a:xfrm>
+            <a:off x="3060000" y="7560000"/>
+            <a:ext cx="1073520" cy="1417680"/>
+          </a:xfrm>
+          <a:custGeom>
+            <a:avLst/>
+            <a:gdLst>
+              <a:gd name="textAreaLeft" fmla="*/ 0 w 1073520"/>
+              <a:gd name="textAreaRight" fmla="*/ 1074240 w 1073520"/>
+              <a:gd name="textAreaTop" fmla="*/ 0 h 1417680"/>
+              <a:gd name="textAreaBottom" fmla="*/ 1418400 h 1417680"/>
+            </a:gdLst>
+            <a:ahLst/>
+            <a:rect l="textAreaLeft" t="textAreaTop" r="textAreaRight" b="textAreaBottom"/>
+            <a:pathLst>
+              <a:path w="19679" h="21600">
+                <a:moveTo>
+                  <a:pt x="9839" y="0"/>
+                </a:moveTo>
+                <a:cubicBezTo>
+                  <a:pt x="7321" y="0"/>
+                  <a:pt x="4803" y="241"/>
+                  <a:pt x="2882" y="724"/>
+                </a:cubicBezTo>
+                <a:cubicBezTo>
+                  <a:pt x="-961" y="1689"/>
+                  <a:pt x="-961" y="3255"/>
+                  <a:pt x="2882" y="4221"/>
+                </a:cubicBezTo>
+                <a:cubicBezTo>
+                  <a:pt x="6724" y="5186"/>
+                  <a:pt x="12954" y="5186"/>
+                  <a:pt x="16796" y="4221"/>
+                </a:cubicBezTo>
+                <a:cubicBezTo>
+                  <a:pt x="20639" y="3255"/>
+                  <a:pt x="20639" y="1689"/>
+                  <a:pt x="16796" y="724"/>
+                </a:cubicBezTo>
+                <a:cubicBezTo>
+                  <a:pt x="14875" y="241"/>
+                  <a:pt x="12357" y="0"/>
+                  <a:pt x="9839" y="0"/>
+                </a:cubicBezTo>
+                <a:close/>
+                <a:moveTo>
+                  <a:pt x="0" y="3593"/>
+                </a:moveTo>
+                <a:lnTo>
+                  <a:pt x="0" y="18993"/>
+                </a:lnTo>
+                <a:cubicBezTo>
+                  <a:pt x="0" y="20356"/>
+                  <a:pt x="4405" y="21600"/>
+                  <a:pt x="9839" y="21600"/>
+                </a:cubicBezTo>
+                <a:cubicBezTo>
+                  <a:pt x="15273" y="21600"/>
+                  <a:pt x="19678" y="20356"/>
+                  <a:pt x="19678" y="18993"/>
+                </a:cubicBezTo>
+                <a:lnTo>
+                  <a:pt x="19678" y="3593"/>
+                </a:lnTo>
+                <a:cubicBezTo>
+                  <a:pt x="18279" y="4621"/>
+                  <a:pt x="14401" y="5357"/>
+                  <a:pt x="9839" y="5357"/>
+                </a:cubicBezTo>
+                <a:cubicBezTo>
+                  <a:pt x="5277" y="5357"/>
+                  <a:pt x="1399" y="4621"/>
+                  <a:pt x="0" y="3593"/>
+                </a:cubicBezTo>
+                <a:close/>
+              </a:path>
+            </a:pathLst>
+          </a:custGeom>
+          <a:solidFill>
+            <a:srgbClr val="069a2e"/>
+          </a:solidFill>
+          <a:ln w="12700">
+            <a:noFill/>
+          </a:ln>
+        </p:spPr>
+        <p:style>
+          <a:lnRef idx="0"/>
+          <a:fillRef idx="0"/>
+          <a:effectRef idx="0"/>
+          <a:fontRef idx="minor"/>
+        </p:style>
+        <p:txBody>
+          <a:bodyPr lIns="50760" rIns="50760" tIns="50760" bIns="50760" anchor="ctr">
+            <a:noAutofit/>
+          </a:bodyPr>
           <a:p>
             <a:pPr algn="ctr" defTabSz="584280">
               <a:lnSpc>
@@ -7936,37 +8025,11 @@
                 <a:latin typeface="Helvetica Neue Medium"/>
                 <a:ea typeface="Helvetica Neue Medium"/>
               </a:rPr>
-              <a:t>data</a:t>
-            </a:r>
-            <a:endParaRPr b="0" lang="en-US" sz="2200" spc="-1" strike="noStrike">
-              <a:solidFill>
-                <a:srgbClr val="ffffff"/>
-              </a:solidFill>
-              <a:latin typeface="Arial"/>
-            </a:endParaRPr>
-          </a:p>
-          <a:p>
-            <a:pPr algn="ctr" defTabSz="584280">
-              <a:lnSpc>
-                <a:spcPct val="100000"/>
-              </a:lnSpc>
-              <a:tabLst>
-                <a:tab algn="l" pos="0"/>
-              </a:tabLst>
-            </a:pPr>
-            <a:r>
-              <a:rPr b="0" lang="en-US" sz="2200" spc="-1" strike="noStrike">
-                <a:solidFill>
-                  <a:srgbClr val="ffffff"/>
-                </a:solidFill>
-                <a:latin typeface="Helvetica Neue Medium"/>
-                <a:ea typeface="Helvetica Neue Medium"/>
-              </a:rPr>
-              <a:t>(txt)</a:t>
-            </a:r>
-            <a:endParaRPr b="0" lang="en-US" sz="2200" spc="-1" strike="noStrike">
-              <a:solidFill>
-                <a:srgbClr val="ffffff"/>
+              <a:t>log</a:t>
+            </a:r>
+            <a:endParaRPr b="0" lang="pt-BR" sz="2200" spc="-1" strike="noStrike">
+              <a:solidFill>
+                <a:srgbClr val="000000"/>
               </a:solidFill>
               <a:latin typeface="Arial"/>
             </a:endParaRPr>
@@ -7975,14 +8038,70 @@
       </p:sp>
       <p:sp>
         <p:nvSpPr>
-          <p:cNvPr id="86" name="Linha"/>
+          <p:cNvPr id="86" name="Linha 2"/>
           <p:cNvSpPr/>
           <p:nvPr/>
         </p:nvSpPr>
         <p:spPr>
           <a:xfrm>
-            <a:off x="1790640" y="4175280"/>
-            <a:ext cx="820440" cy="0"/>
+            <a:off x="2160000" y="4357080"/>
+            <a:ext cx="1116000" cy="3202920"/>
+          </a:xfrm>
+          <a:custGeom>
+            <a:avLst/>
+            <a:gdLst/>
+            <a:ahLst/>
+            <a:rect l="0" t="0" r="r" b="b"/>
+            <a:pathLst>
+              <a:path fill="none" w="3100" h="8897">
+                <a:moveTo>
+                  <a:pt x="3100" y="0"/>
+                </a:moveTo>
+                <a:lnTo>
+                  <a:pt x="3100" y="897"/>
+                </a:lnTo>
+                <a:lnTo>
+                  <a:pt x="0" y="897"/>
+                </a:lnTo>
+                <a:lnTo>
+                  <a:pt x="0" y="8897"/>
+                </a:lnTo>
+              </a:path>
+            </a:pathLst>
+          </a:custGeom>
+          <a:ln w="25400">
+            <a:solidFill>
+              <a:srgbClr val="000000"/>
+            </a:solidFill>
+            <a:miter/>
+            <a:tailEnd len="med" type="triangle" w="med"/>
+          </a:ln>
+        </p:spPr>
+        <p:txBody>
+          <a:bodyPr lIns="50760" rIns="50760" tIns="50760" bIns="50760" anchor="ctr">
+            <a:noAutofit/>
+          </a:bodyPr>
+          <a:p>
+            <a:endParaRPr b="0" lang="en-US" sz="3200" spc="-1" strike="noStrike">
+              <a:solidFill>
+                <a:srgbClr val="000000"/>
+              </a:solidFill>
+              <a:latin typeface="Helvetica Neue"/>
+              <a:ea typeface="Helvetica Neue"/>
+            </a:endParaRPr>
+          </a:p>
+        </p:txBody>
+      </p:sp>
+      <p:sp>
+        <p:nvSpPr>
+          <p:cNvPr id="87" name="Linha 1"/>
+          <p:cNvSpPr/>
+          <p:nvPr/>
+        </p:nvSpPr>
+        <p:spPr>
+          <a:xfrm>
+            <a:off x="3600000" y="6518880"/>
+            <a:ext cx="0" cy="1048320"/>
           </a:xfrm>
           <a:prstGeom prst="line">
             <a:avLst/>
@@ -8002,7 +8121,7 @@
           <a:fontRef idx="minor"/>
         </p:style>
         <p:txBody>
-          <a:bodyPr lIns="50760" rIns="50760" tIns="0" bIns="0" anchor="ctr">
+          <a:bodyPr lIns="50760" rIns="50760" tIns="50760" bIns="50760" anchor="ctr">
             <a:noAutofit/>
           </a:bodyPr>
           <a:p>
